--- a/5/mlp.pptx
+++ b/5/mlp.pptx
@@ -265,7 +265,7 @@
           <a:p>
             <a:fld id="{D42786E7-2764-4862-BBBB-84175B4AF80E}" type="datetimeFigureOut">
               <a:rPr lang="en-GB" smtClean="0"/>
-              <a:t>05/03/2020</a:t>
+              <a:t>17/03/2020</a:t>
             </a:fld>
             <a:endParaRPr lang="en-GB"/>
           </a:p>
@@ -465,7 +465,7 @@
           <a:p>
             <a:fld id="{D42786E7-2764-4862-BBBB-84175B4AF80E}" type="datetimeFigureOut">
               <a:rPr lang="en-GB" smtClean="0"/>
-              <a:t>05/03/2020</a:t>
+              <a:t>17/03/2020</a:t>
             </a:fld>
             <a:endParaRPr lang="en-GB"/>
           </a:p>
@@ -675,7 +675,7 @@
           <a:p>
             <a:fld id="{D42786E7-2764-4862-BBBB-84175B4AF80E}" type="datetimeFigureOut">
               <a:rPr lang="en-GB" smtClean="0"/>
-              <a:t>05/03/2020</a:t>
+              <a:t>17/03/2020</a:t>
             </a:fld>
             <a:endParaRPr lang="en-GB"/>
           </a:p>
@@ -875,7 +875,7 @@
           <a:p>
             <a:fld id="{D42786E7-2764-4862-BBBB-84175B4AF80E}" type="datetimeFigureOut">
               <a:rPr lang="en-GB" smtClean="0"/>
-              <a:t>05/03/2020</a:t>
+              <a:t>17/03/2020</a:t>
             </a:fld>
             <a:endParaRPr lang="en-GB"/>
           </a:p>
@@ -1151,7 +1151,7 @@
           <a:p>
             <a:fld id="{D42786E7-2764-4862-BBBB-84175B4AF80E}" type="datetimeFigureOut">
               <a:rPr lang="en-GB" smtClean="0"/>
-              <a:t>05/03/2020</a:t>
+              <a:t>17/03/2020</a:t>
             </a:fld>
             <a:endParaRPr lang="en-GB"/>
           </a:p>
@@ -1419,7 +1419,7 @@
           <a:p>
             <a:fld id="{D42786E7-2764-4862-BBBB-84175B4AF80E}" type="datetimeFigureOut">
               <a:rPr lang="en-GB" smtClean="0"/>
-              <a:t>05/03/2020</a:t>
+              <a:t>17/03/2020</a:t>
             </a:fld>
             <a:endParaRPr lang="en-GB"/>
           </a:p>
@@ -1834,7 +1834,7 @@
           <a:p>
             <a:fld id="{D42786E7-2764-4862-BBBB-84175B4AF80E}" type="datetimeFigureOut">
               <a:rPr lang="en-GB" smtClean="0"/>
-              <a:t>05/03/2020</a:t>
+              <a:t>17/03/2020</a:t>
             </a:fld>
             <a:endParaRPr lang="en-GB"/>
           </a:p>
@@ -1976,7 +1976,7 @@
           <a:p>
             <a:fld id="{D42786E7-2764-4862-BBBB-84175B4AF80E}" type="datetimeFigureOut">
               <a:rPr lang="en-GB" smtClean="0"/>
-              <a:t>05/03/2020</a:t>
+              <a:t>17/03/2020</a:t>
             </a:fld>
             <a:endParaRPr lang="en-GB"/>
           </a:p>
@@ -2089,7 +2089,7 @@
           <a:p>
             <a:fld id="{D42786E7-2764-4862-BBBB-84175B4AF80E}" type="datetimeFigureOut">
               <a:rPr lang="en-GB" smtClean="0"/>
-              <a:t>05/03/2020</a:t>
+              <a:t>17/03/2020</a:t>
             </a:fld>
             <a:endParaRPr lang="en-GB"/>
           </a:p>
@@ -2402,7 +2402,7 @@
           <a:p>
             <a:fld id="{D42786E7-2764-4862-BBBB-84175B4AF80E}" type="datetimeFigureOut">
               <a:rPr lang="en-GB" smtClean="0"/>
-              <a:t>05/03/2020</a:t>
+              <a:t>17/03/2020</a:t>
             </a:fld>
             <a:endParaRPr lang="en-GB"/>
           </a:p>
@@ -2691,7 +2691,7 @@
           <a:p>
             <a:fld id="{D42786E7-2764-4862-BBBB-84175B4AF80E}" type="datetimeFigureOut">
               <a:rPr lang="en-GB" smtClean="0"/>
-              <a:t>05/03/2020</a:t>
+              <a:t>17/03/2020</a:t>
             </a:fld>
             <a:endParaRPr lang="en-GB"/>
           </a:p>
@@ -2934,7 +2934,7 @@
           <a:p>
             <a:fld id="{D42786E7-2764-4862-BBBB-84175B4AF80E}" type="datetimeFigureOut">
               <a:rPr lang="en-GB" smtClean="0"/>
-              <a:t>05/03/2020</a:t>
+              <a:t>17/03/2020</a:t>
             </a:fld>
             <a:endParaRPr lang="en-GB"/>
           </a:p>
@@ -6813,8 +6813,8 @@
           </p:sp>
         </mc:Fallback>
       </mc:AlternateContent>
-      <mc:AlternateContent xmlns:mc="http://schemas.openxmlformats.org/markup-compatibility/2006">
-        <mc:Choice xmlns:a14="http://schemas.microsoft.com/office/drawing/2010/main" Requires="a14">
+      <mc:AlternateContent xmlns:mc="http://schemas.openxmlformats.org/markup-compatibility/2006" xmlns:a14="http://schemas.microsoft.com/office/drawing/2010/main">
+        <mc:Choice Requires="a14">
           <p:sp>
             <p:nvSpPr>
               <p:cNvPr id="37" name="TextBox 36">
@@ -6977,7 +6977,7 @@
             </p:txBody>
           </p:sp>
         </mc:Choice>
-        <mc:Fallback>
+        <mc:Fallback xmlns="">
           <p:sp>
             <p:nvSpPr>
               <p:cNvPr id="37" name="TextBox 36">
@@ -7022,8 +7022,8 @@
           </p:sp>
         </mc:Fallback>
       </mc:AlternateContent>
-      <mc:AlternateContent xmlns:mc="http://schemas.openxmlformats.org/markup-compatibility/2006">
-        <mc:Choice xmlns:a14="http://schemas.microsoft.com/office/drawing/2010/main" Requires="a14">
+      <mc:AlternateContent xmlns:mc="http://schemas.openxmlformats.org/markup-compatibility/2006" xmlns:a14="http://schemas.microsoft.com/office/drawing/2010/main">
+        <mc:Choice Requires="a14">
           <p:sp>
             <p:nvSpPr>
               <p:cNvPr id="41" name="TextBox 40">
@@ -7301,7 +7301,7 @@
             </p:txBody>
           </p:sp>
         </mc:Choice>
-        <mc:Fallback>
+        <mc:Fallback xmlns="">
           <p:sp>
             <p:nvSpPr>
               <p:cNvPr id="41" name="TextBox 40">
@@ -7346,8 +7346,8 @@
           </p:sp>
         </mc:Fallback>
       </mc:AlternateContent>
-      <mc:AlternateContent xmlns:mc="http://schemas.openxmlformats.org/markup-compatibility/2006">
-        <mc:Choice xmlns:a14="http://schemas.microsoft.com/office/drawing/2010/main" Requires="a14">
+      <mc:AlternateContent xmlns:mc="http://schemas.openxmlformats.org/markup-compatibility/2006" xmlns:a14="http://schemas.microsoft.com/office/drawing/2010/main">
+        <mc:Choice Requires="a14">
           <p:sp>
             <p:nvSpPr>
               <p:cNvPr id="42" name="TextBox 41">
@@ -7578,7 +7578,7 @@
             </p:txBody>
           </p:sp>
         </mc:Choice>
-        <mc:Fallback>
+        <mc:Fallback xmlns="">
           <p:sp>
             <p:nvSpPr>
               <p:cNvPr id="42" name="TextBox 41">
@@ -7623,8 +7623,8 @@
           </p:sp>
         </mc:Fallback>
       </mc:AlternateContent>
-      <mc:AlternateContent xmlns:mc="http://schemas.openxmlformats.org/markup-compatibility/2006">
-        <mc:Choice xmlns:a14="http://schemas.microsoft.com/office/drawing/2010/main" Requires="a14">
+      <mc:AlternateContent xmlns:mc="http://schemas.openxmlformats.org/markup-compatibility/2006" xmlns:a14="http://schemas.microsoft.com/office/drawing/2010/main">
+        <mc:Choice Requires="a14">
           <p:sp>
             <p:nvSpPr>
               <p:cNvPr id="43" name="Rectangle 42">
@@ -7697,7 +7697,7 @@
             </p:txBody>
           </p:sp>
         </mc:Choice>
-        <mc:Fallback>
+        <mc:Fallback xmlns="">
           <p:sp>
             <p:nvSpPr>
               <p:cNvPr id="43" name="Rectangle 42">
@@ -8384,8 +8384,8 @@
           </p:sp>
         </mc:Fallback>
       </mc:AlternateContent>
-      <mc:AlternateContent xmlns:mc="http://schemas.openxmlformats.org/markup-compatibility/2006">
-        <mc:Choice xmlns:a14="http://schemas.microsoft.com/office/drawing/2010/main" Requires="a14">
+      <mc:AlternateContent xmlns:mc="http://schemas.openxmlformats.org/markup-compatibility/2006" xmlns:a14="http://schemas.microsoft.com/office/drawing/2010/main">
+        <mc:Choice Requires="a14">
           <p:sp>
             <p:nvSpPr>
               <p:cNvPr id="48" name="TextBox 47">
@@ -8616,7 +8616,7 @@
             </p:txBody>
           </p:sp>
         </mc:Choice>
-        <mc:Fallback>
+        <mc:Fallback xmlns="">
           <p:sp>
             <p:nvSpPr>
               <p:cNvPr id="48" name="TextBox 47">
@@ -8661,8 +8661,8 @@
           </p:sp>
         </mc:Fallback>
       </mc:AlternateContent>
-      <mc:AlternateContent xmlns:mc="http://schemas.openxmlformats.org/markup-compatibility/2006">
-        <mc:Choice xmlns:a14="http://schemas.microsoft.com/office/drawing/2010/main" Requires="a14">
+      <mc:AlternateContent xmlns:mc="http://schemas.openxmlformats.org/markup-compatibility/2006" xmlns:a14="http://schemas.microsoft.com/office/drawing/2010/main">
+        <mc:Choice Requires="a14">
           <p:sp>
             <p:nvSpPr>
               <p:cNvPr id="3" name="Rectangle 2">
@@ -8773,7 +8773,7 @@
             </p:txBody>
           </p:sp>
         </mc:Choice>
-        <mc:Fallback>
+        <mc:Fallback xmlns="">
           <p:sp>
             <p:nvSpPr>
               <p:cNvPr id="3" name="Rectangle 2">
@@ -8893,8 +8893,8 @@
           </a:p>
         </p:txBody>
       </p:sp>
-      <mc:AlternateContent xmlns:mc="http://schemas.openxmlformats.org/markup-compatibility/2006">
-        <mc:Choice xmlns:a14="http://schemas.microsoft.com/office/drawing/2010/main" Requires="a14">
+      <mc:AlternateContent xmlns:mc="http://schemas.openxmlformats.org/markup-compatibility/2006" xmlns:a14="http://schemas.microsoft.com/office/drawing/2010/main">
+        <mc:Choice Requires="a14">
           <p:sp>
             <p:nvSpPr>
               <p:cNvPr id="4" name="Oval 3">
@@ -8974,7 +8974,7 @@
             </p:txBody>
           </p:sp>
         </mc:Choice>
-        <mc:Fallback>
+        <mc:Fallback xmlns="">
           <p:sp>
             <p:nvSpPr>
               <p:cNvPr id="4" name="Oval 3">
@@ -9019,8 +9019,8 @@
           </p:sp>
         </mc:Fallback>
       </mc:AlternateContent>
-      <mc:AlternateContent xmlns:mc="http://schemas.openxmlformats.org/markup-compatibility/2006">
-        <mc:Choice xmlns:a14="http://schemas.microsoft.com/office/drawing/2010/main" Requires="a14">
+      <mc:AlternateContent xmlns:mc="http://schemas.openxmlformats.org/markup-compatibility/2006" xmlns:a14="http://schemas.microsoft.com/office/drawing/2010/main">
+        <mc:Choice Requires="a14">
           <p:sp>
             <p:nvSpPr>
               <p:cNvPr id="5" name="Oval 4">
@@ -9100,7 +9100,7 @@
             </p:txBody>
           </p:sp>
         </mc:Choice>
-        <mc:Fallback>
+        <mc:Fallback xmlns="">
           <p:sp>
             <p:nvSpPr>
               <p:cNvPr id="5" name="Oval 4">
@@ -9145,8 +9145,8 @@
           </p:sp>
         </mc:Fallback>
       </mc:AlternateContent>
-      <mc:AlternateContent xmlns:mc="http://schemas.openxmlformats.org/markup-compatibility/2006">
-        <mc:Choice xmlns:a14="http://schemas.microsoft.com/office/drawing/2010/main" Requires="a14">
+      <mc:AlternateContent xmlns:mc="http://schemas.openxmlformats.org/markup-compatibility/2006" xmlns:a14="http://schemas.microsoft.com/office/drawing/2010/main">
+        <mc:Choice Requires="a14">
           <p:sp>
             <p:nvSpPr>
               <p:cNvPr id="6" name="Oval 5">
@@ -9226,7 +9226,7 @@
             </p:txBody>
           </p:sp>
         </mc:Choice>
-        <mc:Fallback>
+        <mc:Fallback xmlns="">
           <p:sp>
             <p:nvSpPr>
               <p:cNvPr id="6" name="Oval 5">
@@ -9271,8 +9271,8 @@
           </p:sp>
         </mc:Fallback>
       </mc:AlternateContent>
-      <mc:AlternateContent xmlns:mc="http://schemas.openxmlformats.org/markup-compatibility/2006">
-        <mc:Choice xmlns:a14="http://schemas.microsoft.com/office/drawing/2010/main" Requires="a14">
+      <mc:AlternateContent xmlns:mc="http://schemas.openxmlformats.org/markup-compatibility/2006" xmlns:a14="http://schemas.microsoft.com/office/drawing/2010/main">
+        <mc:Choice Requires="a14">
           <p:sp>
             <p:nvSpPr>
               <p:cNvPr id="7" name="Oval 6">
@@ -9360,7 +9360,7 @@
             </p:txBody>
           </p:sp>
         </mc:Choice>
-        <mc:Fallback>
+        <mc:Fallback xmlns="">
           <p:sp>
             <p:nvSpPr>
               <p:cNvPr id="7" name="Oval 6">
@@ -9543,556 +9543,8 @@
           </a:fontRef>
         </p:style>
       </p:cxnSp>
-      <p:cxnSp>
-        <p:nvCxnSpPr>
-          <p:cNvPr id="11" name="Straight Arrow Connector 10">
-            <a:extLst>
-              <a:ext uri="{FF2B5EF4-FFF2-40B4-BE49-F238E27FC236}">
-                <a16:creationId xmlns:a16="http://schemas.microsoft.com/office/drawing/2014/main" id="{AC116DE7-672A-4E8C-AD21-F6F0305BAFD0}"/>
-              </a:ext>
-            </a:extLst>
-          </p:cNvPr>
-          <p:cNvCxnSpPr>
-            <a:cxnSpLocks/>
-            <a:stCxn id="7" idx="6"/>
-            <a:endCxn id="61" idx="2"/>
-          </p:cNvCxnSpPr>
-          <p:nvPr/>
-        </p:nvCxnSpPr>
-        <p:spPr>
-          <a:xfrm>
-            <a:off x="2805809" y="2048034"/>
-            <a:ext cx="812372" cy="1243349"/>
-          </a:xfrm>
-          <a:prstGeom prst="straightConnector1">
-            <a:avLst/>
-          </a:prstGeom>
-          <a:ln>
-            <a:solidFill>
-              <a:schemeClr val="tx1"/>
-            </a:solidFill>
-            <a:tailEnd type="triangle"/>
-          </a:ln>
-        </p:spPr>
-        <p:style>
-          <a:lnRef idx="1">
-            <a:schemeClr val="dk1"/>
-          </a:lnRef>
-          <a:fillRef idx="0">
-            <a:schemeClr val="dk1"/>
-          </a:fillRef>
-          <a:effectRef idx="0">
-            <a:schemeClr val="dk1"/>
-          </a:effectRef>
-          <a:fontRef idx="minor">
-            <a:schemeClr val="tx1"/>
-          </a:fontRef>
-        </p:style>
-      </p:cxnSp>
-      <mc:AlternateContent xmlns:mc="http://schemas.openxmlformats.org/markup-compatibility/2006">
-        <mc:Choice xmlns:a14="http://schemas.microsoft.com/office/drawing/2010/main" Requires="a14">
-          <p:sp>
-            <p:nvSpPr>
-              <p:cNvPr id="12" name="TextBox 11">
-                <a:extLst>
-                  <a:ext uri="{FF2B5EF4-FFF2-40B4-BE49-F238E27FC236}">
-                    <a16:creationId xmlns:a16="http://schemas.microsoft.com/office/drawing/2014/main" id="{674E9B2C-F8A3-4DA4-A1F7-793C8B01DBC5}"/>
-                  </a:ext>
-                </a:extLst>
-              </p:cNvPr>
-              <p:cNvSpPr txBox="1"/>
-              <p:nvPr/>
-            </p:nvSpPr>
-            <p:spPr>
-              <a:xfrm>
-                <a:off x="4860417" y="3106716"/>
-                <a:ext cx="810478" cy="369332"/>
-              </a:xfrm>
-              <a:prstGeom prst="rect">
-                <a:avLst/>
-              </a:prstGeom>
-              <a:noFill/>
-            </p:spPr>
-            <p:txBody>
-              <a:bodyPr wrap="none" rtlCol="0">
-                <a:spAutoFit/>
-              </a:bodyPr>
-              <a:lstStyle/>
-              <a:p>
-                <a:pPr/>
-                <a14:m>
-                  <m:oMathPara xmlns:m="http://schemas.openxmlformats.org/officeDocument/2006/math">
-                    <m:oMathParaPr>
-                      <m:jc m:val="centerGroup"/>
-                    </m:oMathParaPr>
-                    <m:oMath xmlns:m="http://schemas.openxmlformats.org/officeDocument/2006/math">
-                      <m:sSub>
-                        <m:sSubPr>
-                          <m:ctrlPr>
-                            <a:rPr lang="en-GB" i="1" smtClean="0">
-                              <a:latin typeface="Cambria Math" panose="02040503050406030204" pitchFamily="18" charset="0"/>
-                            </a:rPr>
-                          </m:ctrlPr>
-                        </m:sSubPr>
-                        <m:e>
-                          <m:r>
-                            <a:rPr lang="en-GB" b="0" i="1" smtClean="0">
-                              <a:latin typeface="Cambria Math" panose="02040503050406030204" pitchFamily="18" charset="0"/>
-                            </a:rPr>
-                            <m:t>h</m:t>
-                          </m:r>
-                        </m:e>
-                        <m:sub>
-                          <m:r>
-                            <a:rPr lang="en-GB" b="0" i="1" smtClean="0">
-                              <a:latin typeface="Cambria Math" panose="02040503050406030204" pitchFamily="18" charset="0"/>
-                            </a:rPr>
-                            <m:t>𝜃</m:t>
-                          </m:r>
-                        </m:sub>
-                      </m:sSub>
-                      <m:r>
-                        <a:rPr lang="en-GB" b="0" i="1" smtClean="0">
-                          <a:latin typeface="Cambria Math" panose="02040503050406030204" pitchFamily="18" charset="0"/>
-                        </a:rPr>
-                        <m:t>(</m:t>
-                      </m:r>
-                      <m:r>
-                        <a:rPr lang="en-GB" b="0" i="1" smtClean="0">
-                          <a:latin typeface="Cambria Math" panose="02040503050406030204" pitchFamily="18" charset="0"/>
-                        </a:rPr>
-                        <m:t>𝑥</m:t>
-                      </m:r>
-                      <m:r>
-                        <a:rPr lang="en-GB" b="0" i="1" smtClean="0">
-                          <a:latin typeface="Cambria Math" panose="02040503050406030204" pitchFamily="18" charset="0"/>
-                        </a:rPr>
-                        <m:t>)</m:t>
-                      </m:r>
-                    </m:oMath>
-                  </m:oMathPara>
-                </a14:m>
-                <a:endParaRPr lang="en-GB" dirty="0"/>
-              </a:p>
-            </p:txBody>
-          </p:sp>
-        </mc:Choice>
-        <mc:Fallback>
-          <p:sp>
-            <p:nvSpPr>
-              <p:cNvPr id="12" name="TextBox 11">
-                <a:extLst>
-                  <a:ext uri="{FF2B5EF4-FFF2-40B4-BE49-F238E27FC236}">
-                    <a16:creationId xmlns:a16="http://schemas.microsoft.com/office/drawing/2014/main" id="{674E9B2C-F8A3-4DA4-A1F7-793C8B01DBC5}"/>
-                  </a:ext>
-                </a:extLst>
-              </p:cNvPr>
-              <p:cNvSpPr txBox="1">
-                <a:spLocks noRot="1" noChangeAspect="1" noMove="1" noResize="1" noEditPoints="1" noAdjustHandles="1" noChangeArrowheads="1" noChangeShapeType="1" noTextEdit="1"/>
-              </p:cNvSpPr>
-              <p:nvPr/>
-            </p:nvSpPr>
-            <p:spPr>
-              <a:xfrm>
-                <a:off x="4860417" y="3106716"/>
-                <a:ext cx="810478" cy="369332"/>
-              </a:xfrm>
-              <a:prstGeom prst="rect">
-                <a:avLst/>
-              </a:prstGeom>
-              <a:blipFill>
-                <a:blip r:embed="rId6"/>
-                <a:stretch>
-                  <a:fillRect b="-13333"/>
-                </a:stretch>
-              </a:blipFill>
-            </p:spPr>
-            <p:txBody>
-              <a:bodyPr/>
-              <a:lstStyle/>
-              <a:p>
-                <a:r>
-                  <a:rPr lang="en-GB">
-                    <a:noFill/>
-                  </a:rPr>
-                  <a:t> </a:t>
-                </a:r>
-              </a:p>
-            </p:txBody>
-          </p:sp>
-        </mc:Fallback>
-      </mc:AlternateContent>
-      <mc:AlternateContent xmlns:mc="http://schemas.openxmlformats.org/markup-compatibility/2006">
-        <mc:Choice xmlns:a14="http://schemas.microsoft.com/office/drawing/2010/main" Requires="a14">
-          <p:sp>
-            <p:nvSpPr>
-              <p:cNvPr id="27" name="TextBox 26">
-                <a:extLst>
-                  <a:ext uri="{FF2B5EF4-FFF2-40B4-BE49-F238E27FC236}">
-                    <a16:creationId xmlns:a16="http://schemas.microsoft.com/office/drawing/2014/main" id="{CF8107FC-A49D-4C7A-82EC-CD9A7D45F47B}"/>
-                  </a:ext>
-                </a:extLst>
-              </p:cNvPr>
-              <p:cNvSpPr txBox="1"/>
-              <p:nvPr/>
-            </p:nvSpPr>
-            <p:spPr>
-              <a:xfrm>
-                <a:off x="769002" y="1715426"/>
-                <a:ext cx="455446" cy="317587"/>
-              </a:xfrm>
-              <a:prstGeom prst="rect">
-                <a:avLst/>
-              </a:prstGeom>
-              <a:noFill/>
-            </p:spPr>
-            <p:txBody>
-              <a:bodyPr wrap="none" rtlCol="0">
-                <a:spAutoFit/>
-              </a:bodyPr>
-              <a:lstStyle/>
-              <a:p>
-                <a:pPr/>
-                <a14:m>
-                  <m:oMathPara xmlns:m="http://schemas.openxmlformats.org/officeDocument/2006/math">
-                    <m:oMathParaPr>
-                      <m:jc m:val="centerGroup"/>
-                    </m:oMathParaPr>
-                    <m:oMath xmlns:m="http://schemas.openxmlformats.org/officeDocument/2006/math">
-                      <m:sSubSup>
-                        <m:sSubSupPr>
-                          <m:ctrlPr>
-                            <a:rPr lang="en-GB" sz="1100" i="1" dirty="0" smtClean="0">
-                              <a:latin typeface="Cambria Math" panose="02040503050406030204" pitchFamily="18" charset="0"/>
-                            </a:rPr>
-                          </m:ctrlPr>
-                        </m:sSubSupPr>
-                        <m:e>
-                          <m:r>
-                            <a:rPr lang="en-GB" sz="1100" b="0" i="1" dirty="0" smtClean="0">
-                              <a:latin typeface="Cambria Math" panose="02040503050406030204" pitchFamily="18" charset="0"/>
-                            </a:rPr>
-                            <m:t>𝜃</m:t>
-                          </m:r>
-                        </m:e>
-                        <m:sub>
-                          <m:r>
-                            <a:rPr lang="en-GB" sz="1100" b="0" i="1" dirty="0" smtClean="0">
-                              <a:latin typeface="Cambria Math" panose="02040503050406030204" pitchFamily="18" charset="0"/>
-                            </a:rPr>
-                            <m:t>1,1</m:t>
-                          </m:r>
-                        </m:sub>
-                        <m:sup>
-                          <m:r>
-                            <a:rPr lang="en-GB" sz="1100" b="0" i="1" dirty="0" smtClean="0">
-                              <a:latin typeface="Cambria Math" panose="02040503050406030204" pitchFamily="18" charset="0"/>
-                            </a:rPr>
-                            <m:t>(1)</m:t>
-                          </m:r>
-                        </m:sup>
-                      </m:sSubSup>
-                    </m:oMath>
-                  </m:oMathPara>
-                </a14:m>
-                <a:endParaRPr lang="en-GB" sz="1100" dirty="0"/>
-              </a:p>
-            </p:txBody>
-          </p:sp>
-        </mc:Choice>
-        <mc:Fallback>
-          <p:sp>
-            <p:nvSpPr>
-              <p:cNvPr id="27" name="TextBox 26">
-                <a:extLst>
-                  <a:ext uri="{FF2B5EF4-FFF2-40B4-BE49-F238E27FC236}">
-                    <a16:creationId xmlns:a16="http://schemas.microsoft.com/office/drawing/2014/main" id="{CF8107FC-A49D-4C7A-82EC-CD9A7D45F47B}"/>
-                  </a:ext>
-                </a:extLst>
-              </p:cNvPr>
-              <p:cNvSpPr txBox="1">
-                <a:spLocks noRot="1" noChangeAspect="1" noMove="1" noResize="1" noEditPoints="1" noAdjustHandles="1" noChangeArrowheads="1" noChangeShapeType="1" noTextEdit="1"/>
-              </p:cNvSpPr>
-              <p:nvPr/>
-            </p:nvSpPr>
-            <p:spPr>
-              <a:xfrm>
-                <a:off x="769002" y="1715426"/>
-                <a:ext cx="455446" cy="317587"/>
-              </a:xfrm>
-              <a:prstGeom prst="rect">
-                <a:avLst/>
-              </a:prstGeom>
-              <a:blipFill>
-                <a:blip r:embed="rId7"/>
-                <a:stretch>
-                  <a:fillRect/>
-                </a:stretch>
-              </a:blipFill>
-            </p:spPr>
-            <p:txBody>
-              <a:bodyPr/>
-              <a:lstStyle/>
-              <a:p>
-                <a:r>
-                  <a:rPr lang="en-GB">
-                    <a:noFill/>
-                  </a:rPr>
-                  <a:t> </a:t>
-                </a:r>
-              </a:p>
-            </p:txBody>
-          </p:sp>
-        </mc:Fallback>
-      </mc:AlternateContent>
-      <mc:AlternateContent xmlns:mc="http://schemas.openxmlformats.org/markup-compatibility/2006">
-        <mc:Choice xmlns:a14="http://schemas.microsoft.com/office/drawing/2010/main" Requires="a14">
-          <p:sp>
-            <p:nvSpPr>
-              <p:cNvPr id="19" name="TextBox 18">
-                <a:extLst>
-                  <a:ext uri="{FF2B5EF4-FFF2-40B4-BE49-F238E27FC236}">
-                    <a16:creationId xmlns:a16="http://schemas.microsoft.com/office/drawing/2014/main" id="{DD3CA6B4-1007-45BE-8F0B-3CE12712B858}"/>
-                  </a:ext>
-                </a:extLst>
-              </p:cNvPr>
-              <p:cNvSpPr txBox="1"/>
-              <p:nvPr/>
-            </p:nvSpPr>
-            <p:spPr>
-              <a:xfrm>
-                <a:off x="658275" y="2892113"/>
-                <a:ext cx="455446" cy="317779"/>
-              </a:xfrm>
-              <a:prstGeom prst="rect">
-                <a:avLst/>
-              </a:prstGeom>
-              <a:noFill/>
-            </p:spPr>
-            <p:txBody>
-              <a:bodyPr wrap="none" rtlCol="0">
-                <a:spAutoFit/>
-              </a:bodyPr>
-              <a:lstStyle/>
-              <a:p>
-                <a:pPr/>
-                <a14:m>
-                  <m:oMathPara xmlns:m="http://schemas.openxmlformats.org/officeDocument/2006/math">
-                    <m:oMathParaPr>
-                      <m:jc m:val="centerGroup"/>
-                    </m:oMathParaPr>
-                    <m:oMath xmlns:m="http://schemas.openxmlformats.org/officeDocument/2006/math">
-                      <m:sSubSup>
-                        <m:sSubSupPr>
-                          <m:ctrlPr>
-                            <a:rPr lang="en-GB" sz="1100" i="1" dirty="0" smtClean="0">
-                              <a:latin typeface="Cambria Math" panose="02040503050406030204" pitchFamily="18" charset="0"/>
-                            </a:rPr>
-                          </m:ctrlPr>
-                        </m:sSubSupPr>
-                        <m:e>
-                          <m:r>
-                            <a:rPr lang="en-GB" sz="1100" b="0" i="1" dirty="0" smtClean="0">
-                              <a:latin typeface="Cambria Math" panose="02040503050406030204" pitchFamily="18" charset="0"/>
-                            </a:rPr>
-                            <m:t>𝜃</m:t>
-                          </m:r>
-                        </m:e>
-                        <m:sub>
-                          <m:r>
-                            <a:rPr lang="en-GB" sz="1100" b="0" i="1" dirty="0" smtClean="0">
-                              <a:latin typeface="Cambria Math" panose="02040503050406030204" pitchFamily="18" charset="0"/>
-                            </a:rPr>
-                            <m:t>1,2</m:t>
-                          </m:r>
-                        </m:sub>
-                        <m:sup>
-                          <m:r>
-                            <a:rPr lang="en-GB" sz="1100" b="0" i="1" dirty="0" smtClean="0">
-                              <a:latin typeface="Cambria Math" panose="02040503050406030204" pitchFamily="18" charset="0"/>
-                            </a:rPr>
-                            <m:t>(1)</m:t>
-                          </m:r>
-                        </m:sup>
-                      </m:sSubSup>
-                    </m:oMath>
-                  </m:oMathPara>
-                </a14:m>
-                <a:endParaRPr lang="en-GB" sz="1100" dirty="0"/>
-              </a:p>
-            </p:txBody>
-          </p:sp>
-        </mc:Choice>
-        <mc:Fallback>
-          <p:sp>
-            <p:nvSpPr>
-              <p:cNvPr id="19" name="TextBox 18">
-                <a:extLst>
-                  <a:ext uri="{FF2B5EF4-FFF2-40B4-BE49-F238E27FC236}">
-                    <a16:creationId xmlns:a16="http://schemas.microsoft.com/office/drawing/2014/main" id="{DD3CA6B4-1007-45BE-8F0B-3CE12712B858}"/>
-                  </a:ext>
-                </a:extLst>
-              </p:cNvPr>
-              <p:cNvSpPr txBox="1">
-                <a:spLocks noRot="1" noChangeAspect="1" noMove="1" noResize="1" noEditPoints="1" noAdjustHandles="1" noChangeArrowheads="1" noChangeShapeType="1" noTextEdit="1"/>
-              </p:cNvSpPr>
-              <p:nvPr/>
-            </p:nvSpPr>
-            <p:spPr>
-              <a:xfrm>
-                <a:off x="658275" y="2892113"/>
-                <a:ext cx="455446" cy="317779"/>
-              </a:xfrm>
-              <a:prstGeom prst="rect">
-                <a:avLst/>
-              </a:prstGeom>
-              <a:blipFill>
-                <a:blip r:embed="rId8"/>
-                <a:stretch>
-                  <a:fillRect/>
-                </a:stretch>
-              </a:blipFill>
-            </p:spPr>
-            <p:txBody>
-              <a:bodyPr/>
-              <a:lstStyle/>
-              <a:p>
-                <a:r>
-                  <a:rPr lang="en-GB">
-                    <a:noFill/>
-                  </a:rPr>
-                  <a:t> </a:t>
-                </a:r>
-              </a:p>
-            </p:txBody>
-          </p:sp>
-        </mc:Fallback>
-      </mc:AlternateContent>
-      <mc:AlternateContent xmlns:mc="http://schemas.openxmlformats.org/markup-compatibility/2006">
-        <mc:Choice xmlns:a14="http://schemas.microsoft.com/office/drawing/2010/main" Requires="a14">
-          <p:sp>
-            <p:nvSpPr>
-              <p:cNvPr id="21" name="TextBox 20">
-                <a:extLst>
-                  <a:ext uri="{FF2B5EF4-FFF2-40B4-BE49-F238E27FC236}">
-                    <a16:creationId xmlns:a16="http://schemas.microsoft.com/office/drawing/2014/main" id="{39CC307C-2C54-455C-BC68-2B12F202D45F}"/>
-                  </a:ext>
-                </a:extLst>
-              </p:cNvPr>
-              <p:cNvSpPr txBox="1"/>
-              <p:nvPr/>
-            </p:nvSpPr>
-            <p:spPr>
-              <a:xfrm>
-                <a:off x="567920" y="4086152"/>
-                <a:ext cx="455446" cy="317779"/>
-              </a:xfrm>
-              <a:prstGeom prst="rect">
-                <a:avLst/>
-              </a:prstGeom>
-              <a:noFill/>
-            </p:spPr>
-            <p:txBody>
-              <a:bodyPr wrap="none" rtlCol="0">
-                <a:spAutoFit/>
-              </a:bodyPr>
-              <a:lstStyle/>
-              <a:p>
-                <a:pPr/>
-                <a14:m>
-                  <m:oMathPara xmlns:m="http://schemas.openxmlformats.org/officeDocument/2006/math">
-                    <m:oMathParaPr>
-                      <m:jc m:val="centerGroup"/>
-                    </m:oMathParaPr>
-                    <m:oMath xmlns:m="http://schemas.openxmlformats.org/officeDocument/2006/math">
-                      <m:sSubSup>
-                        <m:sSubSupPr>
-                          <m:ctrlPr>
-                            <a:rPr lang="en-GB" sz="1100" i="1" dirty="0" smtClean="0">
-                              <a:latin typeface="Cambria Math" panose="02040503050406030204" pitchFamily="18" charset="0"/>
-                            </a:rPr>
-                          </m:ctrlPr>
-                        </m:sSubSupPr>
-                        <m:e>
-                          <m:r>
-                            <a:rPr lang="en-GB" sz="1100" b="0" i="1" dirty="0" smtClean="0">
-                              <a:latin typeface="Cambria Math" panose="02040503050406030204" pitchFamily="18" charset="0"/>
-                            </a:rPr>
-                            <m:t>𝜃</m:t>
-                          </m:r>
-                        </m:e>
-                        <m:sub>
-                          <m:r>
-                            <a:rPr lang="en-GB" sz="1100" b="0" i="1" dirty="0" smtClean="0">
-                              <a:latin typeface="Cambria Math" panose="02040503050406030204" pitchFamily="18" charset="0"/>
-                            </a:rPr>
-                            <m:t>1,3</m:t>
-                          </m:r>
-                        </m:sub>
-                        <m:sup>
-                          <m:r>
-                            <a:rPr lang="en-GB" sz="1100" b="0" i="1" dirty="0" smtClean="0">
-                              <a:latin typeface="Cambria Math" panose="02040503050406030204" pitchFamily="18" charset="0"/>
-                            </a:rPr>
-                            <m:t>(1)</m:t>
-                          </m:r>
-                        </m:sup>
-                      </m:sSubSup>
-                    </m:oMath>
-                  </m:oMathPara>
-                </a14:m>
-                <a:endParaRPr lang="en-GB" sz="1100" dirty="0"/>
-              </a:p>
-            </p:txBody>
-          </p:sp>
-        </mc:Choice>
-        <mc:Fallback>
-          <p:sp>
-            <p:nvSpPr>
-              <p:cNvPr id="21" name="TextBox 20">
-                <a:extLst>
-                  <a:ext uri="{FF2B5EF4-FFF2-40B4-BE49-F238E27FC236}">
-                    <a16:creationId xmlns:a16="http://schemas.microsoft.com/office/drawing/2014/main" id="{39CC307C-2C54-455C-BC68-2B12F202D45F}"/>
-                  </a:ext>
-                </a:extLst>
-              </p:cNvPr>
-              <p:cNvSpPr txBox="1">
-                <a:spLocks noRot="1" noChangeAspect="1" noMove="1" noResize="1" noEditPoints="1" noAdjustHandles="1" noChangeArrowheads="1" noChangeShapeType="1" noTextEdit="1"/>
-              </p:cNvSpPr>
-              <p:nvPr/>
-            </p:nvSpPr>
-            <p:spPr>
-              <a:xfrm>
-                <a:off x="567920" y="4086152"/>
-                <a:ext cx="455446" cy="317779"/>
-              </a:xfrm>
-              <a:prstGeom prst="rect">
-                <a:avLst/>
-              </a:prstGeom>
-              <a:blipFill>
-                <a:blip r:embed="rId9"/>
-                <a:stretch>
-                  <a:fillRect/>
-                </a:stretch>
-              </a:blipFill>
-            </p:spPr>
-            <p:txBody>
-              <a:bodyPr/>
-              <a:lstStyle/>
-              <a:p>
-                <a:r>
-                  <a:rPr lang="en-GB">
-                    <a:noFill/>
-                  </a:rPr>
-                  <a:t> </a:t>
-                </a:r>
-              </a:p>
-            </p:txBody>
-          </p:sp>
-        </mc:Fallback>
-      </mc:AlternateContent>
-      <mc:AlternateContent xmlns:mc="http://schemas.openxmlformats.org/markup-compatibility/2006">
-        <mc:Choice xmlns:a14="http://schemas.microsoft.com/office/drawing/2010/main" Requires="a14">
+      <mc:AlternateContent xmlns:mc="http://schemas.openxmlformats.org/markup-compatibility/2006" xmlns:a14="http://schemas.microsoft.com/office/drawing/2010/main">
+        <mc:Choice Requires="a14">
           <p:sp>
             <p:nvSpPr>
               <p:cNvPr id="33" name="Oval 32">
@@ -10180,7 +9632,7 @@
             </p:txBody>
           </p:sp>
         </mc:Choice>
-        <mc:Fallback>
+        <mc:Fallback xmlns="">
           <p:sp>
             <p:nvSpPr>
               <p:cNvPr id="33" name="Oval 32">
@@ -10225,8 +9677,8 @@
           </p:sp>
         </mc:Fallback>
       </mc:AlternateContent>
-      <mc:AlternateContent xmlns:mc="http://schemas.openxmlformats.org/markup-compatibility/2006">
-        <mc:Choice xmlns:a14="http://schemas.microsoft.com/office/drawing/2010/main" Requires="a14">
+      <mc:AlternateContent xmlns:mc="http://schemas.openxmlformats.org/markup-compatibility/2006" xmlns:a14="http://schemas.microsoft.com/office/drawing/2010/main">
+        <mc:Choice Requires="a14">
           <p:sp>
             <p:nvSpPr>
               <p:cNvPr id="34" name="Oval 33">
@@ -10314,7 +9766,7 @@
             </p:txBody>
           </p:sp>
         </mc:Choice>
-        <mc:Fallback>
+        <mc:Fallback xmlns="">
           <p:sp>
             <p:nvSpPr>
               <p:cNvPr id="34" name="Oval 33">
@@ -10635,3130 +10087,8 @@
           </a:fontRef>
         </p:style>
       </p:cxnSp>
-      <mc:AlternateContent xmlns:mc="http://schemas.openxmlformats.org/markup-compatibility/2006">
-        <mc:Choice xmlns:a14="http://schemas.microsoft.com/office/drawing/2010/main" Requires="a14">
-          <p:sp>
-            <p:nvSpPr>
-              <p:cNvPr id="63" name="TextBox 62">
-                <a:extLst>
-                  <a:ext uri="{FF2B5EF4-FFF2-40B4-BE49-F238E27FC236}">
-                    <a16:creationId xmlns:a16="http://schemas.microsoft.com/office/drawing/2014/main" id="{9EC3EC8B-DE31-418D-94B4-203514C1A290}"/>
-                  </a:ext>
-                </a:extLst>
-              </p:cNvPr>
-              <p:cNvSpPr txBox="1"/>
-              <p:nvPr/>
-            </p:nvSpPr>
-            <p:spPr>
-              <a:xfrm>
-                <a:off x="974695" y="2063055"/>
-                <a:ext cx="455446" cy="317587"/>
-              </a:xfrm>
-              <a:prstGeom prst="rect">
-                <a:avLst/>
-              </a:prstGeom>
-              <a:noFill/>
-            </p:spPr>
-            <p:txBody>
-              <a:bodyPr wrap="square" rtlCol="0">
-                <a:spAutoFit/>
-              </a:bodyPr>
-              <a:lstStyle/>
-              <a:p>
-                <a:pPr/>
-                <a14:m>
-                  <m:oMathPara xmlns:m="http://schemas.openxmlformats.org/officeDocument/2006/math">
-                    <m:oMathParaPr>
-                      <m:jc m:val="centerGroup"/>
-                    </m:oMathParaPr>
-                    <m:oMath xmlns:m="http://schemas.openxmlformats.org/officeDocument/2006/math">
-                      <m:sSubSup>
-                        <m:sSubSupPr>
-                          <m:ctrlPr>
-                            <a:rPr lang="en-GB" sz="1100" i="1" dirty="0" smtClean="0">
-                              <a:latin typeface="Cambria Math" panose="02040503050406030204" pitchFamily="18" charset="0"/>
-                            </a:rPr>
-                          </m:ctrlPr>
-                        </m:sSubSupPr>
-                        <m:e>
-                          <m:r>
-                            <a:rPr lang="en-GB" sz="1100" b="0" i="1" dirty="0" smtClean="0">
-                              <a:latin typeface="Cambria Math" panose="02040503050406030204" pitchFamily="18" charset="0"/>
-                            </a:rPr>
-                            <m:t>𝜃</m:t>
-                          </m:r>
-                        </m:e>
-                        <m:sub>
-                          <m:r>
-                            <a:rPr lang="en-GB" sz="1100" b="0" i="1" dirty="0" smtClean="0">
-                              <a:latin typeface="Cambria Math" panose="02040503050406030204" pitchFamily="18" charset="0"/>
-                            </a:rPr>
-                            <m:t>2,1</m:t>
-                          </m:r>
-                        </m:sub>
-                        <m:sup>
-                          <m:r>
-                            <a:rPr lang="en-GB" sz="1100" b="0" i="1" dirty="0" smtClean="0">
-                              <a:latin typeface="Cambria Math" panose="02040503050406030204" pitchFamily="18" charset="0"/>
-                            </a:rPr>
-                            <m:t>(1)</m:t>
-                          </m:r>
-                        </m:sup>
-                      </m:sSubSup>
-                    </m:oMath>
-                  </m:oMathPara>
-                </a14:m>
-                <a:endParaRPr lang="en-GB" sz="1100" dirty="0"/>
-              </a:p>
-            </p:txBody>
-          </p:sp>
-        </mc:Choice>
-        <mc:Fallback>
-          <p:sp>
-            <p:nvSpPr>
-              <p:cNvPr id="63" name="TextBox 62">
-                <a:extLst>
-                  <a:ext uri="{FF2B5EF4-FFF2-40B4-BE49-F238E27FC236}">
-                    <a16:creationId xmlns:a16="http://schemas.microsoft.com/office/drawing/2014/main" id="{9EC3EC8B-DE31-418D-94B4-203514C1A290}"/>
-                  </a:ext>
-                </a:extLst>
-              </p:cNvPr>
-              <p:cNvSpPr txBox="1">
-                <a:spLocks noRot="1" noChangeAspect="1" noMove="1" noResize="1" noEditPoints="1" noAdjustHandles="1" noChangeArrowheads="1" noChangeShapeType="1" noTextEdit="1"/>
-              </p:cNvSpPr>
-              <p:nvPr/>
-            </p:nvSpPr>
-            <p:spPr>
-              <a:xfrm>
-                <a:off x="974695" y="2063055"/>
-                <a:ext cx="455446" cy="317587"/>
-              </a:xfrm>
-              <a:prstGeom prst="rect">
-                <a:avLst/>
-              </a:prstGeom>
-              <a:blipFill>
-                <a:blip r:embed="rId12"/>
-                <a:stretch>
-                  <a:fillRect/>
-                </a:stretch>
-              </a:blipFill>
-            </p:spPr>
-            <p:txBody>
-              <a:bodyPr/>
-              <a:lstStyle/>
-              <a:p>
-                <a:r>
-                  <a:rPr lang="en-GB">
-                    <a:noFill/>
-                  </a:rPr>
-                  <a:t> </a:t>
-                </a:r>
-              </a:p>
-            </p:txBody>
-          </p:sp>
-        </mc:Fallback>
-      </mc:AlternateContent>
-      <mc:AlternateContent xmlns:mc="http://schemas.openxmlformats.org/markup-compatibility/2006">
-        <mc:Choice xmlns:a14="http://schemas.microsoft.com/office/drawing/2010/main" Requires="a14">
-          <p:sp>
-            <p:nvSpPr>
-              <p:cNvPr id="64" name="TextBox 63">
-                <a:extLst>
-                  <a:ext uri="{FF2B5EF4-FFF2-40B4-BE49-F238E27FC236}">
-                    <a16:creationId xmlns:a16="http://schemas.microsoft.com/office/drawing/2014/main" id="{5CDED68A-402F-4245-8536-7E6E9BE59754}"/>
-                  </a:ext>
-                </a:extLst>
-              </p:cNvPr>
-              <p:cNvSpPr txBox="1"/>
-              <p:nvPr/>
-            </p:nvSpPr>
-            <p:spPr>
-              <a:xfrm>
-                <a:off x="658275" y="2378970"/>
-                <a:ext cx="455446" cy="317587"/>
-              </a:xfrm>
-              <a:prstGeom prst="rect">
-                <a:avLst/>
-              </a:prstGeom>
-              <a:noFill/>
-            </p:spPr>
-            <p:txBody>
-              <a:bodyPr wrap="none" rtlCol="0">
-                <a:spAutoFit/>
-              </a:bodyPr>
-              <a:lstStyle/>
-              <a:p>
-                <a:pPr/>
-                <a14:m>
-                  <m:oMathPara xmlns:m="http://schemas.openxmlformats.org/officeDocument/2006/math">
-                    <m:oMathParaPr>
-                      <m:jc m:val="centerGroup"/>
-                    </m:oMathParaPr>
-                    <m:oMath xmlns:m="http://schemas.openxmlformats.org/officeDocument/2006/math">
-                      <m:sSubSup>
-                        <m:sSubSupPr>
-                          <m:ctrlPr>
-                            <a:rPr lang="en-GB" sz="1100" i="1" dirty="0" smtClean="0">
-                              <a:latin typeface="Cambria Math" panose="02040503050406030204" pitchFamily="18" charset="0"/>
-                            </a:rPr>
-                          </m:ctrlPr>
-                        </m:sSubSupPr>
-                        <m:e>
-                          <m:r>
-                            <a:rPr lang="en-GB" sz="1100" b="0" i="1" dirty="0" smtClean="0">
-                              <a:latin typeface="Cambria Math" panose="02040503050406030204" pitchFamily="18" charset="0"/>
-                            </a:rPr>
-                            <m:t>𝜃</m:t>
-                          </m:r>
-                        </m:e>
-                        <m:sub>
-                          <m:r>
-                            <a:rPr lang="en-GB" sz="1100" b="0" i="1" dirty="0" smtClean="0">
-                              <a:latin typeface="Cambria Math" panose="02040503050406030204" pitchFamily="18" charset="0"/>
-                            </a:rPr>
-                            <m:t>3,1</m:t>
-                          </m:r>
-                        </m:sub>
-                        <m:sup>
-                          <m:r>
-                            <a:rPr lang="en-GB" sz="1100" b="0" i="1" dirty="0" smtClean="0">
-                              <a:latin typeface="Cambria Math" panose="02040503050406030204" pitchFamily="18" charset="0"/>
-                            </a:rPr>
-                            <m:t>(1)</m:t>
-                          </m:r>
-                        </m:sup>
-                      </m:sSubSup>
-                    </m:oMath>
-                  </m:oMathPara>
-                </a14:m>
-                <a:endParaRPr lang="en-GB" sz="1100" dirty="0"/>
-              </a:p>
-            </p:txBody>
-          </p:sp>
-        </mc:Choice>
-        <mc:Fallback>
-          <p:sp>
-            <p:nvSpPr>
-              <p:cNvPr id="64" name="TextBox 63">
-                <a:extLst>
-                  <a:ext uri="{FF2B5EF4-FFF2-40B4-BE49-F238E27FC236}">
-                    <a16:creationId xmlns:a16="http://schemas.microsoft.com/office/drawing/2014/main" id="{5CDED68A-402F-4245-8536-7E6E9BE59754}"/>
-                  </a:ext>
-                </a:extLst>
-              </p:cNvPr>
-              <p:cNvSpPr txBox="1">
-                <a:spLocks noRot="1" noChangeAspect="1" noMove="1" noResize="1" noEditPoints="1" noAdjustHandles="1" noChangeArrowheads="1" noChangeShapeType="1" noTextEdit="1"/>
-              </p:cNvSpPr>
-              <p:nvPr/>
-            </p:nvSpPr>
-            <p:spPr>
-              <a:xfrm>
-                <a:off x="658275" y="2378970"/>
-                <a:ext cx="455446" cy="317587"/>
-              </a:xfrm>
-              <a:prstGeom prst="rect">
-                <a:avLst/>
-              </a:prstGeom>
-              <a:blipFill>
-                <a:blip r:embed="rId13"/>
-                <a:stretch>
-                  <a:fillRect/>
-                </a:stretch>
-              </a:blipFill>
-            </p:spPr>
-            <p:txBody>
-              <a:bodyPr/>
-              <a:lstStyle/>
-              <a:p>
-                <a:r>
-                  <a:rPr lang="en-GB">
-                    <a:noFill/>
-                  </a:rPr>
-                  <a:t> </a:t>
-                </a:r>
-              </a:p>
-            </p:txBody>
-          </p:sp>
-        </mc:Fallback>
-      </mc:AlternateContent>
-      <mc:AlternateContent xmlns:mc="http://schemas.openxmlformats.org/markup-compatibility/2006">
-        <mc:Choice xmlns:a14="http://schemas.microsoft.com/office/drawing/2010/main" Requires="a14">
-          <p:sp>
-            <p:nvSpPr>
-              <p:cNvPr id="65" name="TextBox 64">
-                <a:extLst>
-                  <a:ext uri="{FF2B5EF4-FFF2-40B4-BE49-F238E27FC236}">
-                    <a16:creationId xmlns:a16="http://schemas.microsoft.com/office/drawing/2014/main" id="{8F22F21D-A8B0-483E-8F63-4BFF3A0025A6}"/>
-                  </a:ext>
-                </a:extLst>
-              </p:cNvPr>
-              <p:cNvSpPr txBox="1"/>
-              <p:nvPr/>
-            </p:nvSpPr>
-            <p:spPr>
-              <a:xfrm>
-                <a:off x="956084" y="3027896"/>
-                <a:ext cx="455446" cy="317587"/>
-              </a:xfrm>
-              <a:prstGeom prst="rect">
-                <a:avLst/>
-              </a:prstGeom>
-              <a:noFill/>
-            </p:spPr>
-            <p:txBody>
-              <a:bodyPr wrap="none" rtlCol="0">
-                <a:spAutoFit/>
-              </a:bodyPr>
-              <a:lstStyle/>
-              <a:p>
-                <a:pPr/>
-                <a14:m>
-                  <m:oMathPara xmlns:m="http://schemas.openxmlformats.org/officeDocument/2006/math">
-                    <m:oMathParaPr>
-                      <m:jc m:val="centerGroup"/>
-                    </m:oMathParaPr>
-                    <m:oMath xmlns:m="http://schemas.openxmlformats.org/officeDocument/2006/math">
-                      <m:sSubSup>
-                        <m:sSubSupPr>
-                          <m:ctrlPr>
-                            <a:rPr lang="en-GB" sz="1100" i="1" dirty="0" smtClean="0">
-                              <a:latin typeface="Cambria Math" panose="02040503050406030204" pitchFamily="18" charset="0"/>
-                            </a:rPr>
-                          </m:ctrlPr>
-                        </m:sSubSupPr>
-                        <m:e>
-                          <m:r>
-                            <a:rPr lang="en-GB" sz="1100" b="0" i="1" dirty="0" smtClean="0">
-                              <a:latin typeface="Cambria Math" panose="02040503050406030204" pitchFamily="18" charset="0"/>
-                            </a:rPr>
-                            <m:t>𝜃</m:t>
-                          </m:r>
-                        </m:e>
-                        <m:sub>
-                          <m:r>
-                            <a:rPr lang="en-GB" sz="1100" b="0" i="1" dirty="0" smtClean="0">
-                              <a:latin typeface="Cambria Math" panose="02040503050406030204" pitchFamily="18" charset="0"/>
-                            </a:rPr>
-                            <m:t>2,2</m:t>
-                          </m:r>
-                        </m:sub>
-                        <m:sup>
-                          <m:r>
-                            <a:rPr lang="en-GB" sz="1100" b="0" i="1" dirty="0" smtClean="0">
-                              <a:latin typeface="Cambria Math" panose="02040503050406030204" pitchFamily="18" charset="0"/>
-                            </a:rPr>
-                            <m:t>(1)</m:t>
-                          </m:r>
-                        </m:sup>
-                      </m:sSubSup>
-                    </m:oMath>
-                  </m:oMathPara>
-                </a14:m>
-                <a:endParaRPr lang="en-GB" sz="1100" dirty="0"/>
-              </a:p>
-            </p:txBody>
-          </p:sp>
-        </mc:Choice>
-        <mc:Fallback>
-          <p:sp>
-            <p:nvSpPr>
-              <p:cNvPr id="65" name="TextBox 64">
-                <a:extLst>
-                  <a:ext uri="{FF2B5EF4-FFF2-40B4-BE49-F238E27FC236}">
-                    <a16:creationId xmlns:a16="http://schemas.microsoft.com/office/drawing/2014/main" id="{8F22F21D-A8B0-483E-8F63-4BFF3A0025A6}"/>
-                  </a:ext>
-                </a:extLst>
-              </p:cNvPr>
-              <p:cNvSpPr txBox="1">
-                <a:spLocks noRot="1" noChangeAspect="1" noMove="1" noResize="1" noEditPoints="1" noAdjustHandles="1" noChangeArrowheads="1" noChangeShapeType="1" noTextEdit="1"/>
-              </p:cNvSpPr>
-              <p:nvPr/>
-            </p:nvSpPr>
-            <p:spPr>
-              <a:xfrm>
-                <a:off x="956084" y="3027896"/>
-                <a:ext cx="455446" cy="317587"/>
-              </a:xfrm>
-              <a:prstGeom prst="rect">
-                <a:avLst/>
-              </a:prstGeom>
-              <a:blipFill>
-                <a:blip r:embed="rId14"/>
-                <a:stretch>
-                  <a:fillRect/>
-                </a:stretch>
-              </a:blipFill>
-            </p:spPr>
-            <p:txBody>
-              <a:bodyPr/>
-              <a:lstStyle/>
-              <a:p>
-                <a:r>
-                  <a:rPr lang="en-GB">
-                    <a:noFill/>
-                  </a:rPr>
-                  <a:t> </a:t>
-                </a:r>
-              </a:p>
-            </p:txBody>
-          </p:sp>
-        </mc:Fallback>
-      </mc:AlternateContent>
-      <mc:AlternateContent xmlns:mc="http://schemas.openxmlformats.org/markup-compatibility/2006">
-        <mc:Choice xmlns:a14="http://schemas.microsoft.com/office/drawing/2010/main" Requires="a14">
-          <p:sp>
-            <p:nvSpPr>
-              <p:cNvPr id="66" name="TextBox 65">
-                <a:extLst>
-                  <a:ext uri="{FF2B5EF4-FFF2-40B4-BE49-F238E27FC236}">
-                    <a16:creationId xmlns:a16="http://schemas.microsoft.com/office/drawing/2014/main" id="{6ADD45C4-266E-48AE-8282-6DE839141ECB}"/>
-                  </a:ext>
-                </a:extLst>
-              </p:cNvPr>
-              <p:cNvSpPr txBox="1"/>
-              <p:nvPr/>
-            </p:nvSpPr>
-            <p:spPr>
-              <a:xfrm>
-                <a:off x="717961" y="3421433"/>
-                <a:ext cx="455446" cy="317587"/>
-              </a:xfrm>
-              <a:prstGeom prst="rect">
-                <a:avLst/>
-              </a:prstGeom>
-              <a:noFill/>
-            </p:spPr>
-            <p:txBody>
-              <a:bodyPr wrap="none" rtlCol="0">
-                <a:spAutoFit/>
-              </a:bodyPr>
-              <a:lstStyle/>
-              <a:p>
-                <a:pPr/>
-                <a14:m>
-                  <m:oMathPara xmlns:m="http://schemas.openxmlformats.org/officeDocument/2006/math">
-                    <m:oMathParaPr>
-                      <m:jc m:val="centerGroup"/>
-                    </m:oMathParaPr>
-                    <m:oMath xmlns:m="http://schemas.openxmlformats.org/officeDocument/2006/math">
-                      <m:sSubSup>
-                        <m:sSubSupPr>
-                          <m:ctrlPr>
-                            <a:rPr lang="en-GB" sz="1100" i="1" dirty="0" smtClean="0">
-                              <a:latin typeface="Cambria Math" panose="02040503050406030204" pitchFamily="18" charset="0"/>
-                            </a:rPr>
-                          </m:ctrlPr>
-                        </m:sSubSupPr>
-                        <m:e>
-                          <m:r>
-                            <a:rPr lang="en-GB" sz="1100" b="0" i="1" dirty="0" smtClean="0">
-                              <a:latin typeface="Cambria Math" panose="02040503050406030204" pitchFamily="18" charset="0"/>
-                            </a:rPr>
-                            <m:t>𝜃</m:t>
-                          </m:r>
-                        </m:e>
-                        <m:sub>
-                          <m:r>
-                            <a:rPr lang="en-GB" sz="1100" b="0" i="1" dirty="0" smtClean="0">
-                              <a:latin typeface="Cambria Math" panose="02040503050406030204" pitchFamily="18" charset="0"/>
-                            </a:rPr>
-                            <m:t>3,2</m:t>
-                          </m:r>
-                        </m:sub>
-                        <m:sup>
-                          <m:r>
-                            <a:rPr lang="en-GB" sz="1100" b="0" i="1" dirty="0" smtClean="0">
-                              <a:latin typeface="Cambria Math" panose="02040503050406030204" pitchFamily="18" charset="0"/>
-                            </a:rPr>
-                            <m:t>(1)</m:t>
-                          </m:r>
-                        </m:sup>
-                      </m:sSubSup>
-                    </m:oMath>
-                  </m:oMathPara>
-                </a14:m>
-                <a:endParaRPr lang="en-GB" sz="1100" dirty="0"/>
-              </a:p>
-            </p:txBody>
-          </p:sp>
-        </mc:Choice>
-        <mc:Fallback>
-          <p:sp>
-            <p:nvSpPr>
-              <p:cNvPr id="66" name="TextBox 65">
-                <a:extLst>
-                  <a:ext uri="{FF2B5EF4-FFF2-40B4-BE49-F238E27FC236}">
-                    <a16:creationId xmlns:a16="http://schemas.microsoft.com/office/drawing/2014/main" id="{6ADD45C4-266E-48AE-8282-6DE839141ECB}"/>
-                  </a:ext>
-                </a:extLst>
-              </p:cNvPr>
-              <p:cNvSpPr txBox="1">
-                <a:spLocks noRot="1" noChangeAspect="1" noMove="1" noResize="1" noEditPoints="1" noAdjustHandles="1" noChangeArrowheads="1" noChangeShapeType="1" noTextEdit="1"/>
-              </p:cNvSpPr>
-              <p:nvPr/>
-            </p:nvSpPr>
-            <p:spPr>
-              <a:xfrm>
-                <a:off x="717961" y="3421433"/>
-                <a:ext cx="455446" cy="317587"/>
-              </a:xfrm>
-              <a:prstGeom prst="rect">
-                <a:avLst/>
-              </a:prstGeom>
-              <a:blipFill>
-                <a:blip r:embed="rId15"/>
-                <a:stretch>
-                  <a:fillRect/>
-                </a:stretch>
-              </a:blipFill>
-            </p:spPr>
-            <p:txBody>
-              <a:bodyPr/>
-              <a:lstStyle/>
-              <a:p>
-                <a:r>
-                  <a:rPr lang="en-GB">
-                    <a:noFill/>
-                  </a:rPr>
-                  <a:t> </a:t>
-                </a:r>
-              </a:p>
-            </p:txBody>
-          </p:sp>
-        </mc:Fallback>
-      </mc:AlternateContent>
-      <mc:AlternateContent xmlns:mc="http://schemas.openxmlformats.org/markup-compatibility/2006">
-        <mc:Choice xmlns:a14="http://schemas.microsoft.com/office/drawing/2010/main" Requires="a14">
-          <p:sp>
-            <p:nvSpPr>
-              <p:cNvPr id="67" name="TextBox 66">
-                <a:extLst>
-                  <a:ext uri="{FF2B5EF4-FFF2-40B4-BE49-F238E27FC236}">
-                    <a16:creationId xmlns:a16="http://schemas.microsoft.com/office/drawing/2014/main" id="{5A44B2C7-BF69-46DF-BB2B-F174BFC6E5BA}"/>
-                  </a:ext>
-                </a:extLst>
-              </p:cNvPr>
-              <p:cNvSpPr txBox="1"/>
-              <p:nvPr/>
-            </p:nvSpPr>
-            <p:spPr>
-              <a:xfrm>
-                <a:off x="975906" y="4211622"/>
-                <a:ext cx="455446" cy="317587"/>
-              </a:xfrm>
-              <a:prstGeom prst="rect">
-                <a:avLst/>
-              </a:prstGeom>
-              <a:noFill/>
-            </p:spPr>
-            <p:txBody>
-              <a:bodyPr wrap="none" rtlCol="0">
-                <a:spAutoFit/>
-              </a:bodyPr>
-              <a:lstStyle/>
-              <a:p>
-                <a:pPr/>
-                <a14:m>
-                  <m:oMathPara xmlns:m="http://schemas.openxmlformats.org/officeDocument/2006/math">
-                    <m:oMathParaPr>
-                      <m:jc m:val="centerGroup"/>
-                    </m:oMathParaPr>
-                    <m:oMath xmlns:m="http://schemas.openxmlformats.org/officeDocument/2006/math">
-                      <m:sSubSup>
-                        <m:sSubSupPr>
-                          <m:ctrlPr>
-                            <a:rPr lang="en-GB" sz="1100" i="1" dirty="0" smtClean="0">
-                              <a:latin typeface="Cambria Math" panose="02040503050406030204" pitchFamily="18" charset="0"/>
-                            </a:rPr>
-                          </m:ctrlPr>
-                        </m:sSubSupPr>
-                        <m:e>
-                          <m:r>
-                            <a:rPr lang="en-GB" sz="1100" b="0" i="1" dirty="0" smtClean="0">
-                              <a:latin typeface="Cambria Math" panose="02040503050406030204" pitchFamily="18" charset="0"/>
-                            </a:rPr>
-                            <m:t>𝜃</m:t>
-                          </m:r>
-                        </m:e>
-                        <m:sub>
-                          <m:r>
-                            <a:rPr lang="en-GB" sz="1100" b="0" i="1" dirty="0" smtClean="0">
-                              <a:latin typeface="Cambria Math" panose="02040503050406030204" pitchFamily="18" charset="0"/>
-                            </a:rPr>
-                            <m:t>2,3</m:t>
-                          </m:r>
-                        </m:sub>
-                        <m:sup>
-                          <m:r>
-                            <a:rPr lang="en-GB" sz="1100" b="0" i="1" dirty="0" smtClean="0">
-                              <a:latin typeface="Cambria Math" panose="02040503050406030204" pitchFamily="18" charset="0"/>
-                            </a:rPr>
-                            <m:t>(1)</m:t>
-                          </m:r>
-                        </m:sup>
-                      </m:sSubSup>
-                    </m:oMath>
-                  </m:oMathPara>
-                </a14:m>
-                <a:endParaRPr lang="en-GB" sz="1100" dirty="0"/>
-              </a:p>
-            </p:txBody>
-          </p:sp>
-        </mc:Choice>
-        <mc:Fallback>
-          <p:sp>
-            <p:nvSpPr>
-              <p:cNvPr id="67" name="TextBox 66">
-                <a:extLst>
-                  <a:ext uri="{FF2B5EF4-FFF2-40B4-BE49-F238E27FC236}">
-                    <a16:creationId xmlns:a16="http://schemas.microsoft.com/office/drawing/2014/main" id="{5A44B2C7-BF69-46DF-BB2B-F174BFC6E5BA}"/>
-                  </a:ext>
-                </a:extLst>
-              </p:cNvPr>
-              <p:cNvSpPr txBox="1">
-                <a:spLocks noRot="1" noChangeAspect="1" noMove="1" noResize="1" noEditPoints="1" noAdjustHandles="1" noChangeArrowheads="1" noChangeShapeType="1" noTextEdit="1"/>
-              </p:cNvSpPr>
-              <p:nvPr/>
-            </p:nvSpPr>
-            <p:spPr>
-              <a:xfrm>
-                <a:off x="975906" y="4211622"/>
-                <a:ext cx="455446" cy="317587"/>
-              </a:xfrm>
-              <a:prstGeom prst="rect">
-                <a:avLst/>
-              </a:prstGeom>
-              <a:blipFill>
-                <a:blip r:embed="rId16"/>
-                <a:stretch>
-                  <a:fillRect/>
-                </a:stretch>
-              </a:blipFill>
-            </p:spPr>
-            <p:txBody>
-              <a:bodyPr/>
-              <a:lstStyle/>
-              <a:p>
-                <a:r>
-                  <a:rPr lang="en-GB">
-                    <a:noFill/>
-                  </a:rPr>
-                  <a:t> </a:t>
-                </a:r>
-              </a:p>
-            </p:txBody>
-          </p:sp>
-        </mc:Fallback>
-      </mc:AlternateContent>
-      <mc:AlternateContent xmlns:mc="http://schemas.openxmlformats.org/markup-compatibility/2006">
-        <mc:Choice xmlns:a14="http://schemas.microsoft.com/office/drawing/2010/main" Requires="a14">
-          <p:sp>
-            <p:nvSpPr>
-              <p:cNvPr id="68" name="TextBox 67">
-                <a:extLst>
-                  <a:ext uri="{FF2B5EF4-FFF2-40B4-BE49-F238E27FC236}">
-                    <a16:creationId xmlns:a16="http://schemas.microsoft.com/office/drawing/2014/main" id="{7FB2E564-046A-4D56-98F7-39ED7CE35E6F}"/>
-                  </a:ext>
-                </a:extLst>
-              </p:cNvPr>
-              <p:cNvSpPr txBox="1"/>
-              <p:nvPr/>
-            </p:nvSpPr>
-            <p:spPr>
-              <a:xfrm>
-                <a:off x="960885" y="4581263"/>
-                <a:ext cx="455446" cy="317587"/>
-              </a:xfrm>
-              <a:prstGeom prst="rect">
-                <a:avLst/>
-              </a:prstGeom>
-              <a:noFill/>
-            </p:spPr>
-            <p:txBody>
-              <a:bodyPr wrap="none" rtlCol="0">
-                <a:spAutoFit/>
-              </a:bodyPr>
-              <a:lstStyle/>
-              <a:p>
-                <a:pPr/>
-                <a14:m>
-                  <m:oMathPara xmlns:m="http://schemas.openxmlformats.org/officeDocument/2006/math">
-                    <m:oMathParaPr>
-                      <m:jc m:val="centerGroup"/>
-                    </m:oMathParaPr>
-                    <m:oMath xmlns:m="http://schemas.openxmlformats.org/officeDocument/2006/math">
-                      <m:sSubSup>
-                        <m:sSubSupPr>
-                          <m:ctrlPr>
-                            <a:rPr lang="en-GB" sz="1100" i="1" dirty="0" smtClean="0">
-                              <a:latin typeface="Cambria Math" panose="02040503050406030204" pitchFamily="18" charset="0"/>
-                            </a:rPr>
-                          </m:ctrlPr>
-                        </m:sSubSupPr>
-                        <m:e>
-                          <m:r>
-                            <a:rPr lang="en-GB" sz="1100" b="0" i="1" dirty="0" smtClean="0">
-                              <a:latin typeface="Cambria Math" panose="02040503050406030204" pitchFamily="18" charset="0"/>
-                            </a:rPr>
-                            <m:t>𝜃</m:t>
-                          </m:r>
-                        </m:e>
-                        <m:sub>
-                          <m:r>
-                            <a:rPr lang="en-GB" sz="1100" b="0" i="1" dirty="0" smtClean="0">
-                              <a:latin typeface="Cambria Math" panose="02040503050406030204" pitchFamily="18" charset="0"/>
-                            </a:rPr>
-                            <m:t>3,3</m:t>
-                          </m:r>
-                        </m:sub>
-                        <m:sup>
-                          <m:r>
-                            <a:rPr lang="en-GB" sz="1100" b="0" i="1" dirty="0" smtClean="0">
-                              <a:latin typeface="Cambria Math" panose="02040503050406030204" pitchFamily="18" charset="0"/>
-                            </a:rPr>
-                            <m:t>(1)</m:t>
-                          </m:r>
-                        </m:sup>
-                      </m:sSubSup>
-                    </m:oMath>
-                  </m:oMathPara>
-                </a14:m>
-                <a:endParaRPr lang="en-GB" sz="1100" dirty="0"/>
-              </a:p>
-            </p:txBody>
-          </p:sp>
-        </mc:Choice>
-        <mc:Fallback>
-          <p:sp>
-            <p:nvSpPr>
-              <p:cNvPr id="68" name="TextBox 67">
-                <a:extLst>
-                  <a:ext uri="{FF2B5EF4-FFF2-40B4-BE49-F238E27FC236}">
-                    <a16:creationId xmlns:a16="http://schemas.microsoft.com/office/drawing/2014/main" id="{7FB2E564-046A-4D56-98F7-39ED7CE35E6F}"/>
-                  </a:ext>
-                </a:extLst>
-              </p:cNvPr>
-              <p:cNvSpPr txBox="1">
-                <a:spLocks noRot="1" noChangeAspect="1" noMove="1" noResize="1" noEditPoints="1" noAdjustHandles="1" noChangeArrowheads="1" noChangeShapeType="1" noTextEdit="1"/>
-              </p:cNvSpPr>
-              <p:nvPr/>
-            </p:nvSpPr>
-            <p:spPr>
-              <a:xfrm>
-                <a:off x="960885" y="4581263"/>
-                <a:ext cx="455446" cy="317587"/>
-              </a:xfrm>
-              <a:prstGeom prst="rect">
-                <a:avLst/>
-              </a:prstGeom>
-              <a:blipFill>
-                <a:blip r:embed="rId17"/>
-                <a:stretch>
-                  <a:fillRect/>
-                </a:stretch>
-              </a:blipFill>
-            </p:spPr>
-            <p:txBody>
-              <a:bodyPr/>
-              <a:lstStyle/>
-              <a:p>
-                <a:r>
-                  <a:rPr lang="en-GB">
-                    <a:noFill/>
-                  </a:rPr>
-                  <a:t> </a:t>
-                </a:r>
-              </a:p>
-            </p:txBody>
-          </p:sp>
-        </mc:Fallback>
-      </mc:AlternateContent>
-      <p:cxnSp>
-        <p:nvCxnSpPr>
-          <p:cNvPr id="69" name="Straight Arrow Connector 68">
-            <a:extLst>
-              <a:ext uri="{FF2B5EF4-FFF2-40B4-BE49-F238E27FC236}">
-                <a16:creationId xmlns:a16="http://schemas.microsoft.com/office/drawing/2014/main" id="{C8E983C6-16E5-48CB-9F85-5332A214E557}"/>
-              </a:ext>
-            </a:extLst>
-          </p:cNvPr>
-          <p:cNvCxnSpPr>
-            <a:cxnSpLocks/>
-            <a:stCxn id="33" idx="6"/>
-            <a:endCxn id="61" idx="2"/>
-          </p:cNvCxnSpPr>
-          <p:nvPr/>
-        </p:nvCxnSpPr>
-        <p:spPr>
-          <a:xfrm>
-            <a:off x="2805809" y="3291383"/>
-            <a:ext cx="812372" cy="0"/>
-          </a:xfrm>
-          <a:prstGeom prst="straightConnector1">
-            <a:avLst/>
-          </a:prstGeom>
-          <a:ln>
-            <a:solidFill>
-              <a:schemeClr val="tx1"/>
-            </a:solidFill>
-            <a:tailEnd type="triangle"/>
-          </a:ln>
-        </p:spPr>
-        <p:style>
-          <a:lnRef idx="1">
-            <a:schemeClr val="dk1"/>
-          </a:lnRef>
-          <a:fillRef idx="0">
-            <a:schemeClr val="dk1"/>
-          </a:fillRef>
-          <a:effectRef idx="0">
-            <a:schemeClr val="dk1"/>
-          </a:effectRef>
-          <a:fontRef idx="minor">
-            <a:schemeClr val="tx1"/>
-          </a:fontRef>
-        </p:style>
-      </p:cxnSp>
-      <p:cxnSp>
-        <p:nvCxnSpPr>
-          <p:cNvPr id="72" name="Straight Arrow Connector 71">
-            <a:extLst>
-              <a:ext uri="{FF2B5EF4-FFF2-40B4-BE49-F238E27FC236}">
-                <a16:creationId xmlns:a16="http://schemas.microsoft.com/office/drawing/2014/main" id="{D008F37D-C7A1-4B76-AF72-CA24FFED2490}"/>
-              </a:ext>
-            </a:extLst>
-          </p:cNvPr>
-          <p:cNvCxnSpPr>
-            <a:cxnSpLocks/>
-            <a:stCxn id="34" idx="6"/>
-            <a:endCxn id="61" idx="2"/>
-          </p:cNvCxnSpPr>
-          <p:nvPr/>
-        </p:nvCxnSpPr>
-        <p:spPr>
-          <a:xfrm flipV="1">
-            <a:off x="2805809" y="3291383"/>
-            <a:ext cx="812372" cy="1333191"/>
-          </a:xfrm>
-          <a:prstGeom prst="straightConnector1">
-            <a:avLst/>
-          </a:prstGeom>
-          <a:ln>
-            <a:solidFill>
-              <a:schemeClr val="tx1"/>
-            </a:solidFill>
-            <a:tailEnd type="triangle"/>
-          </a:ln>
-        </p:spPr>
-        <p:style>
-          <a:lnRef idx="1">
-            <a:schemeClr val="dk1"/>
-          </a:lnRef>
-          <a:fillRef idx="0">
-            <a:schemeClr val="dk1"/>
-          </a:fillRef>
-          <a:effectRef idx="0">
-            <a:schemeClr val="dk1"/>
-          </a:effectRef>
-          <a:fontRef idx="minor">
-            <a:schemeClr val="tx1"/>
-          </a:fontRef>
-        </p:style>
-      </p:cxnSp>
-      <mc:AlternateContent xmlns:mc="http://schemas.openxmlformats.org/markup-compatibility/2006">
-        <mc:Choice xmlns:a14="http://schemas.microsoft.com/office/drawing/2010/main" Requires="a14">
-          <p:sp>
-            <p:nvSpPr>
-              <p:cNvPr id="35" name="TextBox 34">
-                <a:extLst>
-                  <a:ext uri="{FF2B5EF4-FFF2-40B4-BE49-F238E27FC236}">
-                    <a16:creationId xmlns:a16="http://schemas.microsoft.com/office/drawing/2014/main" id="{61C07BEF-74E2-49D6-92B1-9A25AD165693}"/>
-                  </a:ext>
-                </a:extLst>
-              </p:cNvPr>
-              <p:cNvSpPr txBox="1"/>
-              <p:nvPr/>
-            </p:nvSpPr>
-            <p:spPr>
-              <a:xfrm>
-                <a:off x="554012" y="5690546"/>
-                <a:ext cx="1212960" cy="999441"/>
-              </a:xfrm>
-              <a:prstGeom prst="rect">
-                <a:avLst/>
-              </a:prstGeom>
-              <a:noFill/>
-            </p:spPr>
-            <p:txBody>
-              <a:bodyPr wrap="none" rtlCol="0">
-                <a:spAutoFit/>
-              </a:bodyPr>
-              <a:lstStyle/>
-              <a:p>
-                <a:pPr/>
-                <a14:m>
-                  <m:oMathPara xmlns:m="http://schemas.openxmlformats.org/officeDocument/2006/math">
-                    <m:oMathParaPr>
-                      <m:jc m:val="centerGroup"/>
-                    </m:oMathParaPr>
-                    <m:oMath xmlns:m="http://schemas.openxmlformats.org/officeDocument/2006/math">
-                      <m:sSup>
-                        <m:sSupPr>
-                          <m:ctrlPr>
-                            <a:rPr lang="en-GB" sz="1600" i="1" smtClean="0">
-                              <a:solidFill>
-                                <a:srgbClr val="0070C0"/>
-                              </a:solidFill>
-                              <a:latin typeface="Cambria Math" panose="02040503050406030204" pitchFamily="18" charset="0"/>
-                            </a:rPr>
-                          </m:ctrlPr>
-                        </m:sSupPr>
-                        <m:e>
-                          <m:r>
-                            <a:rPr lang="en-GB" sz="1600" i="1">
-                              <a:solidFill>
-                                <a:srgbClr val="0070C0"/>
-                              </a:solidFill>
-                              <a:latin typeface="Cambria Math" panose="02040503050406030204" pitchFamily="18" charset="0"/>
-                            </a:rPr>
-                            <m:t>𝑎</m:t>
-                          </m:r>
-                        </m:e>
-                        <m:sup>
-                          <m:r>
-                            <a:rPr lang="en-GB" sz="1600" i="1">
-                              <a:solidFill>
-                                <a:srgbClr val="0070C0"/>
-                              </a:solidFill>
-                              <a:latin typeface="Cambria Math" panose="02040503050406030204" pitchFamily="18" charset="0"/>
-                            </a:rPr>
-                            <m:t>(</m:t>
-                          </m:r>
-                          <m:r>
-                            <a:rPr lang="en-GB" sz="1600" b="0" i="1" smtClean="0">
-                              <a:solidFill>
-                                <a:srgbClr val="0070C0"/>
-                              </a:solidFill>
-                              <a:latin typeface="Cambria Math" panose="02040503050406030204" pitchFamily="18" charset="0"/>
-                            </a:rPr>
-                            <m:t>1</m:t>
-                          </m:r>
-                          <m:r>
-                            <a:rPr lang="en-GB" sz="1600" i="1">
-                              <a:solidFill>
-                                <a:srgbClr val="0070C0"/>
-                              </a:solidFill>
-                              <a:latin typeface="Cambria Math" panose="02040503050406030204" pitchFamily="18" charset="0"/>
-                            </a:rPr>
-                            <m:t>)</m:t>
-                          </m:r>
-                        </m:sup>
-                      </m:sSup>
-                      <m:r>
-                        <a:rPr lang="en-GB" sz="1600" b="0" i="1" smtClean="0">
-                          <a:solidFill>
-                            <a:srgbClr val="0070C0"/>
-                          </a:solidFill>
-                          <a:latin typeface="Cambria Math" panose="02040503050406030204" pitchFamily="18" charset="0"/>
-                        </a:rPr>
-                        <m:t>=</m:t>
-                      </m:r>
-                      <m:d>
-                        <m:dPr>
-                          <m:begChr m:val="["/>
-                          <m:endChr m:val="]"/>
-                          <m:ctrlPr>
-                            <a:rPr lang="en-GB" sz="1600" i="1" smtClean="0">
-                              <a:solidFill>
-                                <a:srgbClr val="0070C0"/>
-                              </a:solidFill>
-                              <a:latin typeface="Cambria Math" panose="02040503050406030204" pitchFamily="18" charset="0"/>
-                            </a:rPr>
-                          </m:ctrlPr>
-                        </m:dPr>
-                        <m:e>
-                          <m:m>
-                            <m:mPr>
-                              <m:mcs>
-                                <m:mc>
-                                  <m:mcPr>
-                                    <m:count m:val="1"/>
-                                    <m:mcJc m:val="center"/>
-                                  </m:mcPr>
-                                </m:mc>
-                              </m:mcs>
-                              <m:ctrlPr>
-                                <a:rPr lang="en-GB" sz="1600" i="1" smtClean="0">
-                                  <a:solidFill>
-                                    <a:srgbClr val="0070C0"/>
-                                  </a:solidFill>
-                                  <a:latin typeface="Cambria Math" panose="02040503050406030204" pitchFamily="18" charset="0"/>
-                                </a:rPr>
-                              </m:ctrlPr>
-                            </m:mPr>
-                            <m:mr>
-                              <m:e>
-                                <m:r>
-                                  <m:rPr>
-                                    <m:brk m:alnAt="7"/>
-                                  </m:rPr>
-                                  <a:rPr lang="en-GB" sz="1600" b="0" i="1" smtClean="0">
-                                    <a:solidFill>
-                                      <a:srgbClr val="0070C0"/>
-                                    </a:solidFill>
-                                    <a:latin typeface="Cambria Math" panose="02040503050406030204" pitchFamily="18" charset="0"/>
-                                  </a:rPr>
-                                  <m:t>1</m:t>
-                                </m:r>
-                              </m:e>
-                            </m:mr>
-                            <m:mr>
-                              <m:e>
-                                <m:sSub>
-                                  <m:sSubPr>
-                                    <m:ctrlPr>
-                                      <a:rPr lang="en-GB" sz="1600" i="1" smtClean="0">
-                                        <a:solidFill>
-                                          <a:srgbClr val="0070C0"/>
-                                        </a:solidFill>
-                                        <a:latin typeface="Cambria Math" panose="02040503050406030204" pitchFamily="18" charset="0"/>
-                                      </a:rPr>
-                                    </m:ctrlPr>
-                                  </m:sSubPr>
-                                  <m:e>
-                                    <m:r>
-                                      <a:rPr lang="en-GB" sz="1600" b="0" i="1" smtClean="0">
-                                        <a:solidFill>
-                                          <a:srgbClr val="0070C0"/>
-                                        </a:solidFill>
-                                        <a:latin typeface="Cambria Math" panose="02040503050406030204" pitchFamily="18" charset="0"/>
-                                      </a:rPr>
-                                      <m:t>𝑥</m:t>
-                                    </m:r>
-                                  </m:e>
-                                  <m:sub>
-                                    <m:r>
-                                      <a:rPr lang="en-GB" sz="1600" b="0" i="1" smtClean="0">
-                                        <a:solidFill>
-                                          <a:srgbClr val="0070C0"/>
-                                        </a:solidFill>
-                                        <a:latin typeface="Cambria Math" panose="02040503050406030204" pitchFamily="18" charset="0"/>
-                                      </a:rPr>
-                                      <m:t>1</m:t>
-                                    </m:r>
-                                  </m:sub>
-                                </m:sSub>
-                              </m:e>
-                            </m:mr>
-                            <m:mr>
-                              <m:e>
-                                <m:m>
-                                  <m:mPr>
-                                    <m:mcs>
-                                      <m:mc>
-                                        <m:mcPr>
-                                          <m:count m:val="1"/>
-                                          <m:mcJc m:val="center"/>
-                                        </m:mcPr>
-                                      </m:mc>
-                                    </m:mcs>
-                                    <m:ctrlPr>
-                                      <a:rPr lang="en-GB" sz="1600" i="1" smtClean="0">
-                                        <a:solidFill>
-                                          <a:srgbClr val="0070C0"/>
-                                        </a:solidFill>
-                                        <a:latin typeface="Cambria Math" panose="02040503050406030204" pitchFamily="18" charset="0"/>
-                                      </a:rPr>
-                                    </m:ctrlPr>
-                                  </m:mPr>
-                                  <m:mr>
-                                    <m:e>
-                                      <m:sSub>
-                                        <m:sSubPr>
-                                          <m:ctrlPr>
-                                            <a:rPr lang="en-GB" sz="1600" i="1" smtClean="0">
-                                              <a:solidFill>
-                                                <a:srgbClr val="0070C0"/>
-                                              </a:solidFill>
-                                              <a:latin typeface="Cambria Math" panose="02040503050406030204" pitchFamily="18" charset="0"/>
-                                            </a:rPr>
-                                          </m:ctrlPr>
-                                        </m:sSubPr>
-                                        <m:e>
-                                          <m:r>
-                                            <a:rPr lang="en-GB" sz="1600" b="0" i="1" smtClean="0">
-                                              <a:solidFill>
-                                                <a:srgbClr val="0070C0"/>
-                                              </a:solidFill>
-                                              <a:latin typeface="Cambria Math" panose="02040503050406030204" pitchFamily="18" charset="0"/>
-                                            </a:rPr>
-                                            <m:t>𝑥</m:t>
-                                          </m:r>
-                                        </m:e>
-                                        <m:sub>
-                                          <m:r>
-                                            <a:rPr lang="en-GB" sz="1600" b="0" i="1" smtClean="0">
-                                              <a:solidFill>
-                                                <a:srgbClr val="0070C0"/>
-                                              </a:solidFill>
-                                              <a:latin typeface="Cambria Math" panose="02040503050406030204" pitchFamily="18" charset="0"/>
-                                            </a:rPr>
-                                            <m:t>2</m:t>
-                                          </m:r>
-                                        </m:sub>
-                                      </m:sSub>
-                                    </m:e>
-                                  </m:mr>
-                                  <m:mr>
-                                    <m:e>
-                                      <m:sSub>
-                                        <m:sSubPr>
-                                          <m:ctrlPr>
-                                            <a:rPr lang="en-GB" sz="1600" i="1" smtClean="0">
-                                              <a:solidFill>
-                                                <a:srgbClr val="0070C0"/>
-                                              </a:solidFill>
-                                              <a:latin typeface="Cambria Math" panose="02040503050406030204" pitchFamily="18" charset="0"/>
-                                            </a:rPr>
-                                          </m:ctrlPr>
-                                        </m:sSubPr>
-                                        <m:e>
-                                          <m:r>
-                                            <a:rPr lang="en-GB" sz="1600" b="0" i="1" smtClean="0">
-                                              <a:solidFill>
-                                                <a:srgbClr val="0070C0"/>
-                                              </a:solidFill>
-                                              <a:latin typeface="Cambria Math" panose="02040503050406030204" pitchFamily="18" charset="0"/>
-                                            </a:rPr>
-                                            <m:t>𝑥</m:t>
-                                          </m:r>
-                                        </m:e>
-                                        <m:sub>
-                                          <m:r>
-                                            <a:rPr lang="en-GB" sz="1600" b="0" i="1" smtClean="0">
-                                              <a:solidFill>
-                                                <a:srgbClr val="0070C0"/>
-                                              </a:solidFill>
-                                              <a:latin typeface="Cambria Math" panose="02040503050406030204" pitchFamily="18" charset="0"/>
-                                            </a:rPr>
-                                            <m:t>3</m:t>
-                                          </m:r>
-                                        </m:sub>
-                                      </m:sSub>
-                                    </m:e>
-                                  </m:mr>
-                                </m:m>
-                              </m:e>
-                            </m:mr>
-                          </m:m>
-                        </m:e>
-                      </m:d>
-                    </m:oMath>
-                  </m:oMathPara>
-                </a14:m>
-                <a:endParaRPr lang="en-GB" sz="1600" dirty="0">
-                  <a:solidFill>
-                    <a:srgbClr val="0070C0"/>
-                  </a:solidFill>
-                </a:endParaRPr>
-              </a:p>
-            </p:txBody>
-          </p:sp>
-        </mc:Choice>
-        <mc:Fallback>
-          <p:sp>
-            <p:nvSpPr>
-              <p:cNvPr id="35" name="TextBox 34">
-                <a:extLst>
-                  <a:ext uri="{FF2B5EF4-FFF2-40B4-BE49-F238E27FC236}">
-                    <a16:creationId xmlns:a16="http://schemas.microsoft.com/office/drawing/2014/main" id="{61C07BEF-74E2-49D6-92B1-9A25AD165693}"/>
-                  </a:ext>
-                </a:extLst>
-              </p:cNvPr>
-              <p:cNvSpPr txBox="1">
-                <a:spLocks noRot="1" noChangeAspect="1" noMove="1" noResize="1" noEditPoints="1" noAdjustHandles="1" noChangeArrowheads="1" noChangeShapeType="1" noTextEdit="1"/>
-              </p:cNvSpPr>
-              <p:nvPr/>
-            </p:nvSpPr>
-            <p:spPr>
-              <a:xfrm>
-                <a:off x="554012" y="5690546"/>
-                <a:ext cx="1212960" cy="999441"/>
-              </a:xfrm>
-              <a:prstGeom prst="rect">
-                <a:avLst/>
-              </a:prstGeom>
-              <a:blipFill>
-                <a:blip r:embed="rId18"/>
-                <a:stretch>
-                  <a:fillRect/>
-                </a:stretch>
-              </a:blipFill>
-            </p:spPr>
-            <p:txBody>
-              <a:bodyPr/>
-              <a:lstStyle/>
-              <a:p>
-                <a:r>
-                  <a:rPr lang="en-GB">
-                    <a:noFill/>
-                  </a:rPr>
-                  <a:t> </a:t>
-                </a:r>
-              </a:p>
-            </p:txBody>
-          </p:sp>
-        </mc:Fallback>
-      </mc:AlternateContent>
-      <mc:AlternateContent xmlns:mc="http://schemas.openxmlformats.org/markup-compatibility/2006">
-        <mc:Choice xmlns:a14="http://schemas.microsoft.com/office/drawing/2010/main" Requires="a14">
-          <p:sp>
-            <p:nvSpPr>
-              <p:cNvPr id="38" name="TextBox 37">
-                <a:extLst>
-                  <a:ext uri="{FF2B5EF4-FFF2-40B4-BE49-F238E27FC236}">
-                    <a16:creationId xmlns:a16="http://schemas.microsoft.com/office/drawing/2014/main" id="{F442B1EF-C8B4-4103-9C0C-E8A278293711}"/>
-                  </a:ext>
-                </a:extLst>
-              </p:cNvPr>
-              <p:cNvSpPr txBox="1"/>
-              <p:nvPr/>
-            </p:nvSpPr>
-            <p:spPr>
-              <a:xfrm>
-                <a:off x="1712257" y="5095959"/>
-                <a:ext cx="2435475" cy="1510157"/>
-              </a:xfrm>
-              <a:prstGeom prst="rect">
-                <a:avLst/>
-              </a:prstGeom>
-              <a:noFill/>
-            </p:spPr>
-            <p:txBody>
-              <a:bodyPr wrap="none" rtlCol="0">
-                <a:spAutoFit/>
-              </a:bodyPr>
-              <a:lstStyle/>
-              <a:p>
-                <a:pPr/>
-                <a14:m>
-                  <m:oMathPara xmlns:m="http://schemas.openxmlformats.org/officeDocument/2006/math">
-                    <m:oMathParaPr>
-                      <m:jc m:val="centerGroup"/>
-                    </m:oMathParaPr>
-                    <m:oMath xmlns:m="http://schemas.openxmlformats.org/officeDocument/2006/math">
-                      <m:sSup>
-                        <m:sSupPr>
-                          <m:ctrlPr>
-                            <a:rPr lang="en-GB" sz="1600" b="0" i="1" smtClean="0">
-                              <a:solidFill>
-                                <a:srgbClr val="00B050"/>
-                              </a:solidFill>
-                              <a:latin typeface="Cambria Math" panose="02040503050406030204" pitchFamily="18" charset="0"/>
-                            </a:rPr>
-                          </m:ctrlPr>
-                        </m:sSupPr>
-                        <m:e>
-                          <m:r>
-                            <a:rPr lang="en-GB" sz="1600" b="0" i="1" smtClean="0">
-                              <a:solidFill>
-                                <a:srgbClr val="00B050"/>
-                              </a:solidFill>
-                              <a:latin typeface="Cambria Math" panose="02040503050406030204" pitchFamily="18" charset="0"/>
-                            </a:rPr>
-                            <m:t>𝜃</m:t>
-                          </m:r>
-                        </m:e>
-                        <m:sup>
-                          <m:r>
-                            <a:rPr lang="en-GB" sz="1600" b="0" i="1" smtClean="0">
-                              <a:solidFill>
-                                <a:srgbClr val="00B050"/>
-                              </a:solidFill>
-                              <a:latin typeface="Cambria Math" panose="02040503050406030204" pitchFamily="18" charset="0"/>
-                            </a:rPr>
-                            <m:t>(1)</m:t>
-                          </m:r>
-                        </m:sup>
-                      </m:sSup>
-                      <m:r>
-                        <a:rPr lang="en-GB" sz="1600" b="0" i="1" smtClean="0">
-                          <a:solidFill>
-                            <a:srgbClr val="00B050"/>
-                          </a:solidFill>
-                          <a:latin typeface="Cambria Math" panose="02040503050406030204" pitchFamily="18" charset="0"/>
-                        </a:rPr>
-                        <m:t>=</m:t>
-                      </m:r>
-                      <m:d>
-                        <m:dPr>
-                          <m:begChr m:val="["/>
-                          <m:endChr m:val="]"/>
-                          <m:ctrlPr>
-                            <a:rPr lang="en-GB" sz="1600" i="1" smtClean="0">
-                              <a:solidFill>
-                                <a:srgbClr val="00B050"/>
-                              </a:solidFill>
-                              <a:latin typeface="Cambria Math" panose="02040503050406030204" pitchFamily="18" charset="0"/>
-                            </a:rPr>
-                          </m:ctrlPr>
-                        </m:dPr>
-                        <m:e>
-                          <m:m>
-                            <m:mPr>
-                              <m:mcs>
-                                <m:mc>
-                                  <m:mcPr>
-                                    <m:count m:val="1"/>
-                                    <m:mcJc m:val="center"/>
-                                  </m:mcPr>
-                                </m:mc>
-                              </m:mcs>
-                              <m:ctrlPr>
-                                <a:rPr lang="en-GB" sz="1600" i="1" smtClean="0">
-                                  <a:solidFill>
-                                    <a:srgbClr val="00B050"/>
-                                  </a:solidFill>
-                                  <a:latin typeface="Cambria Math" panose="02040503050406030204" pitchFamily="18" charset="0"/>
-                                </a:rPr>
-                              </m:ctrlPr>
-                            </m:mPr>
-                            <m:mr>
-                              <m:e>
-                                <m:m>
-                                  <m:mPr>
-                                    <m:mcs>
-                                      <m:mc>
-                                        <m:mcPr>
-                                          <m:count m:val="3"/>
-                                          <m:mcJc m:val="center"/>
-                                        </m:mcPr>
-                                      </m:mc>
-                                    </m:mcs>
-                                    <m:ctrlPr>
-                                      <a:rPr lang="en-GB" sz="1600" i="1" smtClean="0">
-                                        <a:solidFill>
-                                          <a:srgbClr val="00B050"/>
-                                        </a:solidFill>
-                                        <a:latin typeface="Cambria Math" panose="02040503050406030204" pitchFamily="18" charset="0"/>
-                                      </a:rPr>
-                                    </m:ctrlPr>
-                                  </m:mPr>
-                                  <m:mr>
-                                    <m:e>
-                                      <m:sSubSup>
-                                        <m:sSubSupPr>
-                                          <m:ctrlPr>
-                                            <a:rPr lang="en-GB" sz="1600" b="0" i="1" smtClean="0">
-                                              <a:solidFill>
-                                                <a:srgbClr val="00B050"/>
-                                              </a:solidFill>
-                                              <a:latin typeface="Cambria Math" panose="02040503050406030204" pitchFamily="18" charset="0"/>
-                                            </a:rPr>
-                                          </m:ctrlPr>
-                                        </m:sSubSupPr>
-                                        <m:e>
-                                          <m:r>
-                                            <a:rPr lang="en-GB" sz="1600" b="0" i="1" smtClean="0">
-                                              <a:solidFill>
-                                                <a:srgbClr val="00B050"/>
-                                              </a:solidFill>
-                                              <a:latin typeface="Cambria Math" panose="02040503050406030204" pitchFamily="18" charset="0"/>
-                                            </a:rPr>
-                                            <m:t>𝜃</m:t>
-                                          </m:r>
-                                        </m:e>
-                                        <m:sub>
-                                          <m:r>
-                                            <a:rPr lang="en-GB" sz="1600" b="0" i="1" smtClean="0">
-                                              <a:solidFill>
-                                                <a:srgbClr val="00B050"/>
-                                              </a:solidFill>
-                                              <a:latin typeface="Cambria Math" panose="02040503050406030204" pitchFamily="18" charset="0"/>
-                                            </a:rPr>
-                                            <m:t>1,0</m:t>
-                                          </m:r>
-                                        </m:sub>
-                                        <m:sup>
-                                          <m:r>
-                                            <a:rPr lang="en-GB" sz="1600" b="0" i="1" smtClean="0">
-                                              <a:solidFill>
-                                                <a:srgbClr val="00B050"/>
-                                              </a:solidFill>
-                                              <a:latin typeface="Cambria Math" panose="02040503050406030204" pitchFamily="18" charset="0"/>
-                                            </a:rPr>
-                                            <m:t>(1)</m:t>
-                                          </m:r>
-                                        </m:sup>
-                                      </m:sSubSup>
-                                    </m:e>
-                                    <m:e>
-                                      <m:sSubSup>
-                                        <m:sSubSupPr>
-                                          <m:ctrlPr>
-                                            <a:rPr lang="en-GB" sz="1600" i="1">
-                                              <a:solidFill>
-                                                <a:srgbClr val="00B050"/>
-                                              </a:solidFill>
-                                              <a:latin typeface="Cambria Math" panose="02040503050406030204" pitchFamily="18" charset="0"/>
-                                            </a:rPr>
-                                          </m:ctrlPr>
-                                        </m:sSubSupPr>
-                                        <m:e>
-                                          <m:r>
-                                            <a:rPr lang="en-GB" sz="1600" i="1">
-                                              <a:solidFill>
-                                                <a:srgbClr val="00B050"/>
-                                              </a:solidFill>
-                                              <a:latin typeface="Cambria Math" panose="02040503050406030204" pitchFamily="18" charset="0"/>
-                                            </a:rPr>
-                                            <m:t>𝜃</m:t>
-                                          </m:r>
-                                        </m:e>
-                                        <m:sub>
-                                          <m:r>
-                                            <a:rPr lang="en-GB" sz="1600" b="0" i="1" smtClean="0">
-                                              <a:solidFill>
-                                                <a:srgbClr val="00B050"/>
-                                              </a:solidFill>
-                                              <a:latin typeface="Cambria Math" panose="02040503050406030204" pitchFamily="18" charset="0"/>
-                                            </a:rPr>
-                                            <m:t>2</m:t>
-                                          </m:r>
-                                          <m:r>
-                                            <a:rPr lang="en-GB" sz="1600" i="1">
-                                              <a:solidFill>
-                                                <a:srgbClr val="00B050"/>
-                                              </a:solidFill>
-                                              <a:latin typeface="Cambria Math" panose="02040503050406030204" pitchFamily="18" charset="0"/>
-                                            </a:rPr>
-                                            <m:t>,0</m:t>
-                                          </m:r>
-                                        </m:sub>
-                                        <m:sup>
-                                          <m:r>
-                                            <a:rPr lang="en-GB" sz="1600" i="1">
-                                              <a:solidFill>
-                                                <a:srgbClr val="00B050"/>
-                                              </a:solidFill>
-                                              <a:latin typeface="Cambria Math" panose="02040503050406030204" pitchFamily="18" charset="0"/>
-                                            </a:rPr>
-                                            <m:t>(1)</m:t>
-                                          </m:r>
-                                        </m:sup>
-                                      </m:sSubSup>
-                                    </m:e>
-                                    <m:e>
-                                      <m:sSubSup>
-                                        <m:sSubSupPr>
-                                          <m:ctrlPr>
-                                            <a:rPr lang="en-GB" sz="1600" i="1">
-                                              <a:solidFill>
-                                                <a:srgbClr val="00B050"/>
-                                              </a:solidFill>
-                                              <a:latin typeface="Cambria Math" panose="02040503050406030204" pitchFamily="18" charset="0"/>
-                                            </a:rPr>
-                                          </m:ctrlPr>
-                                        </m:sSubSupPr>
-                                        <m:e>
-                                          <m:r>
-                                            <a:rPr lang="en-GB" sz="1600" i="1">
-                                              <a:solidFill>
-                                                <a:srgbClr val="00B050"/>
-                                              </a:solidFill>
-                                              <a:latin typeface="Cambria Math" panose="02040503050406030204" pitchFamily="18" charset="0"/>
-                                            </a:rPr>
-                                            <m:t>𝜃</m:t>
-                                          </m:r>
-                                        </m:e>
-                                        <m:sub>
-                                          <m:r>
-                                            <a:rPr lang="en-GB" sz="1600" b="0" i="1" smtClean="0">
-                                              <a:solidFill>
-                                                <a:srgbClr val="00B050"/>
-                                              </a:solidFill>
-                                              <a:latin typeface="Cambria Math" panose="02040503050406030204" pitchFamily="18" charset="0"/>
-                                            </a:rPr>
-                                            <m:t>3</m:t>
-                                          </m:r>
-                                          <m:r>
-                                            <a:rPr lang="en-GB" sz="1600" i="1">
-                                              <a:solidFill>
-                                                <a:srgbClr val="00B050"/>
-                                              </a:solidFill>
-                                              <a:latin typeface="Cambria Math" panose="02040503050406030204" pitchFamily="18" charset="0"/>
-                                            </a:rPr>
-                                            <m:t>,0</m:t>
-                                          </m:r>
-                                        </m:sub>
-                                        <m:sup>
-                                          <m:r>
-                                            <a:rPr lang="en-GB" sz="1600" i="1">
-                                              <a:solidFill>
-                                                <a:srgbClr val="00B050"/>
-                                              </a:solidFill>
-                                              <a:latin typeface="Cambria Math" panose="02040503050406030204" pitchFamily="18" charset="0"/>
-                                            </a:rPr>
-                                            <m:t>(1)</m:t>
-                                          </m:r>
-                                        </m:sup>
-                                      </m:sSubSup>
-                                    </m:e>
-                                  </m:mr>
-                                </m:m>
-                              </m:e>
-                            </m:mr>
-                            <m:mr>
-                              <m:e>
-                                <m:m>
-                                  <m:mPr>
-                                    <m:mcs>
-                                      <m:mc>
-                                        <m:mcPr>
-                                          <m:count m:val="3"/>
-                                          <m:mcJc m:val="center"/>
-                                        </m:mcPr>
-                                      </m:mc>
-                                    </m:mcs>
-                                    <m:ctrlPr>
-                                      <a:rPr lang="en-GB" sz="1600" b="0" i="1" smtClean="0">
-                                        <a:solidFill>
-                                          <a:srgbClr val="00B050"/>
-                                        </a:solidFill>
-                                        <a:latin typeface="Cambria Math" panose="02040503050406030204" pitchFamily="18" charset="0"/>
-                                      </a:rPr>
-                                    </m:ctrlPr>
-                                  </m:mPr>
-                                  <m:mr>
-                                    <m:e>
-                                      <m:sSubSup>
-                                        <m:sSubSupPr>
-                                          <m:ctrlPr>
-                                            <a:rPr lang="en-GB" sz="1600" i="1">
-                                              <a:solidFill>
-                                                <a:srgbClr val="00B050"/>
-                                              </a:solidFill>
-                                              <a:latin typeface="Cambria Math" panose="02040503050406030204" pitchFamily="18" charset="0"/>
-                                            </a:rPr>
-                                          </m:ctrlPr>
-                                        </m:sSubSupPr>
-                                        <m:e>
-                                          <m:r>
-                                            <a:rPr lang="en-GB" sz="1600" i="1">
-                                              <a:solidFill>
-                                                <a:srgbClr val="00B050"/>
-                                              </a:solidFill>
-                                              <a:latin typeface="Cambria Math" panose="02040503050406030204" pitchFamily="18" charset="0"/>
-                                            </a:rPr>
-                                            <m:t>𝜃</m:t>
-                                          </m:r>
-                                        </m:e>
-                                        <m:sub>
-                                          <m:r>
-                                            <a:rPr lang="en-GB" sz="1600" i="1">
-                                              <a:solidFill>
-                                                <a:srgbClr val="00B050"/>
-                                              </a:solidFill>
-                                              <a:latin typeface="Cambria Math" panose="02040503050406030204" pitchFamily="18" charset="0"/>
-                                            </a:rPr>
-                                            <m:t>1,</m:t>
-                                          </m:r>
-                                          <m:r>
-                                            <a:rPr lang="en-GB" sz="1600" b="0" i="1" smtClean="0">
-                                              <a:solidFill>
-                                                <a:srgbClr val="00B050"/>
-                                              </a:solidFill>
-                                              <a:latin typeface="Cambria Math" panose="02040503050406030204" pitchFamily="18" charset="0"/>
-                                            </a:rPr>
-                                            <m:t>1</m:t>
-                                          </m:r>
-                                        </m:sub>
-                                        <m:sup>
-                                          <m:r>
-                                            <a:rPr lang="en-GB" sz="1600" i="1">
-                                              <a:solidFill>
-                                                <a:srgbClr val="00B050"/>
-                                              </a:solidFill>
-                                              <a:latin typeface="Cambria Math" panose="02040503050406030204" pitchFamily="18" charset="0"/>
-                                            </a:rPr>
-                                            <m:t>(1)</m:t>
-                                          </m:r>
-                                        </m:sup>
-                                      </m:sSubSup>
-                                    </m:e>
-                                    <m:e>
-                                      <m:sSubSup>
-                                        <m:sSubSupPr>
-                                          <m:ctrlPr>
-                                            <a:rPr lang="en-GB" sz="1600" i="1">
-                                              <a:solidFill>
-                                                <a:srgbClr val="00B050"/>
-                                              </a:solidFill>
-                                              <a:latin typeface="Cambria Math" panose="02040503050406030204" pitchFamily="18" charset="0"/>
-                                            </a:rPr>
-                                          </m:ctrlPr>
-                                        </m:sSubSupPr>
-                                        <m:e>
-                                          <m:r>
-                                            <a:rPr lang="en-GB" sz="1600" i="1">
-                                              <a:solidFill>
-                                                <a:srgbClr val="00B050"/>
-                                              </a:solidFill>
-                                              <a:latin typeface="Cambria Math" panose="02040503050406030204" pitchFamily="18" charset="0"/>
-                                            </a:rPr>
-                                            <m:t>𝜃</m:t>
-                                          </m:r>
-                                        </m:e>
-                                        <m:sub>
-                                          <m:r>
-                                            <a:rPr lang="en-GB" sz="1600" b="0" i="1" smtClean="0">
-                                              <a:solidFill>
-                                                <a:srgbClr val="00B050"/>
-                                              </a:solidFill>
-                                              <a:latin typeface="Cambria Math" panose="02040503050406030204" pitchFamily="18" charset="0"/>
-                                            </a:rPr>
-                                            <m:t>2</m:t>
-                                          </m:r>
-                                          <m:r>
-                                            <a:rPr lang="en-GB" sz="1600" i="1">
-                                              <a:solidFill>
-                                                <a:srgbClr val="00B050"/>
-                                              </a:solidFill>
-                                              <a:latin typeface="Cambria Math" panose="02040503050406030204" pitchFamily="18" charset="0"/>
-                                            </a:rPr>
-                                            <m:t>,</m:t>
-                                          </m:r>
-                                          <m:r>
-                                            <a:rPr lang="en-GB" sz="1600" b="0" i="1" smtClean="0">
-                                              <a:solidFill>
-                                                <a:srgbClr val="00B050"/>
-                                              </a:solidFill>
-                                              <a:latin typeface="Cambria Math" panose="02040503050406030204" pitchFamily="18" charset="0"/>
-                                            </a:rPr>
-                                            <m:t>1</m:t>
-                                          </m:r>
-                                        </m:sub>
-                                        <m:sup>
-                                          <m:r>
-                                            <a:rPr lang="en-GB" sz="1600" i="1">
-                                              <a:solidFill>
-                                                <a:srgbClr val="00B050"/>
-                                              </a:solidFill>
-                                              <a:latin typeface="Cambria Math" panose="02040503050406030204" pitchFamily="18" charset="0"/>
-                                            </a:rPr>
-                                            <m:t>(1)</m:t>
-                                          </m:r>
-                                        </m:sup>
-                                      </m:sSubSup>
-                                    </m:e>
-                                    <m:e>
-                                      <m:sSubSup>
-                                        <m:sSubSupPr>
-                                          <m:ctrlPr>
-                                            <a:rPr lang="en-GB" sz="1600" i="1">
-                                              <a:solidFill>
-                                                <a:srgbClr val="00B050"/>
-                                              </a:solidFill>
-                                              <a:latin typeface="Cambria Math" panose="02040503050406030204" pitchFamily="18" charset="0"/>
-                                            </a:rPr>
-                                          </m:ctrlPr>
-                                        </m:sSubSupPr>
-                                        <m:e>
-                                          <m:r>
-                                            <a:rPr lang="en-GB" sz="1600" i="1">
-                                              <a:solidFill>
-                                                <a:srgbClr val="00B050"/>
-                                              </a:solidFill>
-                                              <a:latin typeface="Cambria Math" panose="02040503050406030204" pitchFamily="18" charset="0"/>
-                                            </a:rPr>
-                                            <m:t>𝜃</m:t>
-                                          </m:r>
-                                        </m:e>
-                                        <m:sub>
-                                          <m:r>
-                                            <a:rPr lang="en-GB" sz="1600" b="0" i="1" smtClean="0">
-                                              <a:solidFill>
-                                                <a:srgbClr val="00B050"/>
-                                              </a:solidFill>
-                                              <a:latin typeface="Cambria Math" panose="02040503050406030204" pitchFamily="18" charset="0"/>
-                                            </a:rPr>
-                                            <m:t>3</m:t>
-                                          </m:r>
-                                          <m:r>
-                                            <a:rPr lang="en-GB" sz="1600" i="1">
-                                              <a:solidFill>
-                                                <a:srgbClr val="00B050"/>
-                                              </a:solidFill>
-                                              <a:latin typeface="Cambria Math" panose="02040503050406030204" pitchFamily="18" charset="0"/>
-                                            </a:rPr>
-                                            <m:t>,</m:t>
-                                          </m:r>
-                                          <m:r>
-                                            <a:rPr lang="en-GB" sz="1600" b="0" i="1" smtClean="0">
-                                              <a:solidFill>
-                                                <a:srgbClr val="00B050"/>
-                                              </a:solidFill>
-                                              <a:latin typeface="Cambria Math" panose="02040503050406030204" pitchFamily="18" charset="0"/>
-                                            </a:rPr>
-                                            <m:t>1</m:t>
-                                          </m:r>
-                                        </m:sub>
-                                        <m:sup>
-                                          <m:r>
-                                            <a:rPr lang="en-GB" sz="1600" i="1">
-                                              <a:solidFill>
-                                                <a:srgbClr val="00B050"/>
-                                              </a:solidFill>
-                                              <a:latin typeface="Cambria Math" panose="02040503050406030204" pitchFamily="18" charset="0"/>
-                                            </a:rPr>
-                                            <m:t>(1)</m:t>
-                                          </m:r>
-                                        </m:sup>
-                                      </m:sSubSup>
-                                    </m:e>
-                                  </m:mr>
-                                </m:m>
-                              </m:e>
-                            </m:mr>
-                            <m:mr>
-                              <m:e>
-                                <m:m>
-                                  <m:mPr>
-                                    <m:mcs>
-                                      <m:mc>
-                                        <m:mcPr>
-                                          <m:count m:val="1"/>
-                                          <m:mcJc m:val="center"/>
-                                        </m:mcPr>
-                                      </m:mc>
-                                    </m:mcs>
-                                    <m:ctrlPr>
-                                      <a:rPr lang="en-GB" sz="1600" i="1" smtClean="0">
-                                        <a:solidFill>
-                                          <a:srgbClr val="00B050"/>
-                                        </a:solidFill>
-                                        <a:latin typeface="Cambria Math" panose="02040503050406030204" pitchFamily="18" charset="0"/>
-                                      </a:rPr>
-                                    </m:ctrlPr>
-                                  </m:mPr>
-                                  <m:mr>
-                                    <m:e>
-                                      <m:m>
-                                        <m:mPr>
-                                          <m:mcs>
-                                            <m:mc>
-                                              <m:mcPr>
-                                                <m:count m:val="3"/>
-                                                <m:mcJc m:val="center"/>
-                                              </m:mcPr>
-                                            </m:mc>
-                                          </m:mcs>
-                                          <m:ctrlPr>
-                                            <a:rPr lang="en-GB" sz="1600" b="0" i="1" smtClean="0">
-                                              <a:solidFill>
-                                                <a:srgbClr val="00B050"/>
-                                              </a:solidFill>
-                                              <a:latin typeface="Cambria Math" panose="02040503050406030204" pitchFamily="18" charset="0"/>
-                                            </a:rPr>
-                                          </m:ctrlPr>
-                                        </m:mPr>
-                                        <m:mr>
-                                          <m:e>
-                                            <m:sSubSup>
-                                              <m:sSubSupPr>
-                                                <m:ctrlPr>
-                                                  <a:rPr lang="en-GB" sz="1600" i="1">
-                                                    <a:solidFill>
-                                                      <a:srgbClr val="00B050"/>
-                                                    </a:solidFill>
-                                                    <a:latin typeface="Cambria Math" panose="02040503050406030204" pitchFamily="18" charset="0"/>
-                                                  </a:rPr>
-                                                </m:ctrlPr>
-                                              </m:sSubSupPr>
-                                              <m:e>
-                                                <m:r>
-                                                  <a:rPr lang="en-GB" sz="1600" i="1">
-                                                    <a:solidFill>
-                                                      <a:srgbClr val="00B050"/>
-                                                    </a:solidFill>
-                                                    <a:latin typeface="Cambria Math" panose="02040503050406030204" pitchFamily="18" charset="0"/>
-                                                  </a:rPr>
-                                                  <m:t>𝜃</m:t>
-                                                </m:r>
-                                              </m:e>
-                                              <m:sub>
-                                                <m:r>
-                                                  <a:rPr lang="en-GB" sz="1600" i="1">
-                                                    <a:solidFill>
-                                                      <a:srgbClr val="00B050"/>
-                                                    </a:solidFill>
-                                                    <a:latin typeface="Cambria Math" panose="02040503050406030204" pitchFamily="18" charset="0"/>
-                                                  </a:rPr>
-                                                  <m:t>1,</m:t>
-                                                </m:r>
-                                                <m:r>
-                                                  <a:rPr lang="en-GB" sz="1600" b="0" i="1" smtClean="0">
-                                                    <a:solidFill>
-                                                      <a:srgbClr val="00B050"/>
-                                                    </a:solidFill>
-                                                    <a:latin typeface="Cambria Math" panose="02040503050406030204" pitchFamily="18" charset="0"/>
-                                                  </a:rPr>
-                                                  <m:t>2</m:t>
-                                                </m:r>
-                                              </m:sub>
-                                              <m:sup>
-                                                <m:r>
-                                                  <a:rPr lang="en-GB" sz="1600" i="1">
-                                                    <a:solidFill>
-                                                      <a:srgbClr val="00B050"/>
-                                                    </a:solidFill>
-                                                    <a:latin typeface="Cambria Math" panose="02040503050406030204" pitchFamily="18" charset="0"/>
-                                                  </a:rPr>
-                                                  <m:t>(1)</m:t>
-                                                </m:r>
-                                              </m:sup>
-                                            </m:sSubSup>
-                                          </m:e>
-                                          <m:e>
-                                            <m:sSubSup>
-                                              <m:sSubSupPr>
-                                                <m:ctrlPr>
-                                                  <a:rPr lang="en-GB" sz="1600" i="1">
-                                                    <a:solidFill>
-                                                      <a:srgbClr val="00B050"/>
-                                                    </a:solidFill>
-                                                    <a:latin typeface="Cambria Math" panose="02040503050406030204" pitchFamily="18" charset="0"/>
-                                                  </a:rPr>
-                                                </m:ctrlPr>
-                                              </m:sSubSupPr>
-                                              <m:e>
-                                                <m:r>
-                                                  <a:rPr lang="en-GB" sz="1600" i="1">
-                                                    <a:solidFill>
-                                                      <a:srgbClr val="00B050"/>
-                                                    </a:solidFill>
-                                                    <a:latin typeface="Cambria Math" panose="02040503050406030204" pitchFamily="18" charset="0"/>
-                                                  </a:rPr>
-                                                  <m:t>𝜃</m:t>
-                                                </m:r>
-                                              </m:e>
-                                              <m:sub>
-                                                <m:r>
-                                                  <a:rPr lang="en-GB" sz="1600" b="0" i="1" smtClean="0">
-                                                    <a:solidFill>
-                                                      <a:srgbClr val="00B050"/>
-                                                    </a:solidFill>
-                                                    <a:latin typeface="Cambria Math" panose="02040503050406030204" pitchFamily="18" charset="0"/>
-                                                  </a:rPr>
-                                                  <m:t>2</m:t>
-                                                </m:r>
-                                                <m:r>
-                                                  <a:rPr lang="en-GB" sz="1600" i="1">
-                                                    <a:solidFill>
-                                                      <a:srgbClr val="00B050"/>
-                                                    </a:solidFill>
-                                                    <a:latin typeface="Cambria Math" panose="02040503050406030204" pitchFamily="18" charset="0"/>
-                                                  </a:rPr>
-                                                  <m:t>,</m:t>
-                                                </m:r>
-                                                <m:r>
-                                                  <a:rPr lang="en-GB" sz="1600" b="0" i="1" smtClean="0">
-                                                    <a:solidFill>
-                                                      <a:srgbClr val="00B050"/>
-                                                    </a:solidFill>
-                                                    <a:latin typeface="Cambria Math" panose="02040503050406030204" pitchFamily="18" charset="0"/>
-                                                  </a:rPr>
-                                                  <m:t>2</m:t>
-                                                </m:r>
-                                              </m:sub>
-                                              <m:sup>
-                                                <m:r>
-                                                  <a:rPr lang="en-GB" sz="1600" i="1">
-                                                    <a:solidFill>
-                                                      <a:srgbClr val="00B050"/>
-                                                    </a:solidFill>
-                                                    <a:latin typeface="Cambria Math" panose="02040503050406030204" pitchFamily="18" charset="0"/>
-                                                  </a:rPr>
-                                                  <m:t>(1)</m:t>
-                                                </m:r>
-                                              </m:sup>
-                                            </m:sSubSup>
-                                          </m:e>
-                                          <m:e>
-                                            <m:sSubSup>
-                                              <m:sSubSupPr>
-                                                <m:ctrlPr>
-                                                  <a:rPr lang="en-GB" sz="1600" i="1">
-                                                    <a:solidFill>
-                                                      <a:srgbClr val="00B050"/>
-                                                    </a:solidFill>
-                                                    <a:latin typeface="Cambria Math" panose="02040503050406030204" pitchFamily="18" charset="0"/>
-                                                  </a:rPr>
-                                                </m:ctrlPr>
-                                              </m:sSubSupPr>
-                                              <m:e>
-                                                <m:r>
-                                                  <a:rPr lang="en-GB" sz="1600" i="1">
-                                                    <a:solidFill>
-                                                      <a:srgbClr val="00B050"/>
-                                                    </a:solidFill>
-                                                    <a:latin typeface="Cambria Math" panose="02040503050406030204" pitchFamily="18" charset="0"/>
-                                                  </a:rPr>
-                                                  <m:t>𝜃</m:t>
-                                                </m:r>
-                                              </m:e>
-                                              <m:sub>
-                                                <m:r>
-                                                  <a:rPr lang="en-GB" sz="1600" b="0" i="1" smtClean="0">
-                                                    <a:solidFill>
-                                                      <a:srgbClr val="00B050"/>
-                                                    </a:solidFill>
-                                                    <a:latin typeface="Cambria Math" panose="02040503050406030204" pitchFamily="18" charset="0"/>
-                                                  </a:rPr>
-                                                  <m:t>3</m:t>
-                                                </m:r>
-                                                <m:r>
-                                                  <a:rPr lang="en-GB" sz="1600" i="1">
-                                                    <a:solidFill>
-                                                      <a:srgbClr val="00B050"/>
-                                                    </a:solidFill>
-                                                    <a:latin typeface="Cambria Math" panose="02040503050406030204" pitchFamily="18" charset="0"/>
-                                                  </a:rPr>
-                                                  <m:t>,</m:t>
-                                                </m:r>
-                                                <m:r>
-                                                  <a:rPr lang="en-GB" sz="1600" b="0" i="1" smtClean="0">
-                                                    <a:solidFill>
-                                                      <a:srgbClr val="00B050"/>
-                                                    </a:solidFill>
-                                                    <a:latin typeface="Cambria Math" panose="02040503050406030204" pitchFamily="18" charset="0"/>
-                                                  </a:rPr>
-                                                  <m:t>2</m:t>
-                                                </m:r>
-                                              </m:sub>
-                                              <m:sup>
-                                                <m:r>
-                                                  <a:rPr lang="en-GB" sz="1600" i="1">
-                                                    <a:solidFill>
-                                                      <a:srgbClr val="00B050"/>
-                                                    </a:solidFill>
-                                                    <a:latin typeface="Cambria Math" panose="02040503050406030204" pitchFamily="18" charset="0"/>
-                                                  </a:rPr>
-                                                  <m:t>(1)</m:t>
-                                                </m:r>
-                                              </m:sup>
-                                            </m:sSubSup>
-                                          </m:e>
-                                        </m:mr>
-                                      </m:m>
-                                    </m:e>
-                                  </m:mr>
-                                  <m:mr>
-                                    <m:e>
-                                      <m:m>
-                                        <m:mPr>
-                                          <m:mcs>
-                                            <m:mc>
-                                              <m:mcPr>
-                                                <m:count m:val="3"/>
-                                                <m:mcJc m:val="center"/>
-                                              </m:mcPr>
-                                            </m:mc>
-                                          </m:mcs>
-                                          <m:ctrlPr>
-                                            <a:rPr lang="en-GB" sz="1600" b="0" i="1" smtClean="0">
-                                              <a:solidFill>
-                                                <a:srgbClr val="00B050"/>
-                                              </a:solidFill>
-                                              <a:latin typeface="Cambria Math" panose="02040503050406030204" pitchFamily="18" charset="0"/>
-                                            </a:rPr>
-                                          </m:ctrlPr>
-                                        </m:mPr>
-                                        <m:mr>
-                                          <m:e>
-                                            <m:sSubSup>
-                                              <m:sSubSupPr>
-                                                <m:ctrlPr>
-                                                  <a:rPr lang="en-GB" sz="1600" i="1">
-                                                    <a:solidFill>
-                                                      <a:srgbClr val="00B050"/>
-                                                    </a:solidFill>
-                                                    <a:latin typeface="Cambria Math" panose="02040503050406030204" pitchFamily="18" charset="0"/>
-                                                  </a:rPr>
-                                                </m:ctrlPr>
-                                              </m:sSubSupPr>
-                                              <m:e>
-                                                <m:r>
-                                                  <a:rPr lang="en-GB" sz="1600" i="1">
-                                                    <a:solidFill>
-                                                      <a:srgbClr val="00B050"/>
-                                                    </a:solidFill>
-                                                    <a:latin typeface="Cambria Math" panose="02040503050406030204" pitchFamily="18" charset="0"/>
-                                                  </a:rPr>
-                                                  <m:t>𝜃</m:t>
-                                                </m:r>
-                                              </m:e>
-                                              <m:sub>
-                                                <m:r>
-                                                  <a:rPr lang="en-GB" sz="1600" i="1">
-                                                    <a:solidFill>
-                                                      <a:srgbClr val="00B050"/>
-                                                    </a:solidFill>
-                                                    <a:latin typeface="Cambria Math" panose="02040503050406030204" pitchFamily="18" charset="0"/>
-                                                  </a:rPr>
-                                                  <m:t>1,</m:t>
-                                                </m:r>
-                                                <m:r>
-                                                  <a:rPr lang="en-GB" sz="1600" b="0" i="1" smtClean="0">
-                                                    <a:solidFill>
-                                                      <a:srgbClr val="00B050"/>
-                                                    </a:solidFill>
-                                                    <a:latin typeface="Cambria Math" panose="02040503050406030204" pitchFamily="18" charset="0"/>
-                                                  </a:rPr>
-                                                  <m:t>3</m:t>
-                                                </m:r>
-                                              </m:sub>
-                                              <m:sup>
-                                                <m:r>
-                                                  <a:rPr lang="en-GB" sz="1600" i="1">
-                                                    <a:solidFill>
-                                                      <a:srgbClr val="00B050"/>
-                                                    </a:solidFill>
-                                                    <a:latin typeface="Cambria Math" panose="02040503050406030204" pitchFamily="18" charset="0"/>
-                                                  </a:rPr>
-                                                  <m:t>(1)</m:t>
-                                                </m:r>
-                                              </m:sup>
-                                            </m:sSubSup>
-                                          </m:e>
-                                          <m:e>
-                                            <m:sSubSup>
-                                              <m:sSubSupPr>
-                                                <m:ctrlPr>
-                                                  <a:rPr lang="en-GB" sz="1600" i="1">
-                                                    <a:solidFill>
-                                                      <a:srgbClr val="00B050"/>
-                                                    </a:solidFill>
-                                                    <a:latin typeface="Cambria Math" panose="02040503050406030204" pitchFamily="18" charset="0"/>
-                                                  </a:rPr>
-                                                </m:ctrlPr>
-                                              </m:sSubSupPr>
-                                              <m:e>
-                                                <m:r>
-                                                  <a:rPr lang="en-GB" sz="1600" i="1">
-                                                    <a:solidFill>
-                                                      <a:srgbClr val="00B050"/>
-                                                    </a:solidFill>
-                                                    <a:latin typeface="Cambria Math" panose="02040503050406030204" pitchFamily="18" charset="0"/>
-                                                  </a:rPr>
-                                                  <m:t>𝜃</m:t>
-                                                </m:r>
-                                              </m:e>
-                                              <m:sub>
-                                                <m:r>
-                                                  <a:rPr lang="en-GB" sz="1600" b="0" i="1" smtClean="0">
-                                                    <a:solidFill>
-                                                      <a:srgbClr val="00B050"/>
-                                                    </a:solidFill>
-                                                    <a:latin typeface="Cambria Math" panose="02040503050406030204" pitchFamily="18" charset="0"/>
-                                                  </a:rPr>
-                                                  <m:t>2</m:t>
-                                                </m:r>
-                                                <m:r>
-                                                  <a:rPr lang="en-GB" sz="1600" i="1">
-                                                    <a:solidFill>
-                                                      <a:srgbClr val="00B050"/>
-                                                    </a:solidFill>
-                                                    <a:latin typeface="Cambria Math" panose="02040503050406030204" pitchFamily="18" charset="0"/>
-                                                  </a:rPr>
-                                                  <m:t>,</m:t>
-                                                </m:r>
-                                                <m:r>
-                                                  <a:rPr lang="en-GB" sz="1600" b="0" i="1" smtClean="0">
-                                                    <a:solidFill>
-                                                      <a:srgbClr val="00B050"/>
-                                                    </a:solidFill>
-                                                    <a:latin typeface="Cambria Math" panose="02040503050406030204" pitchFamily="18" charset="0"/>
-                                                  </a:rPr>
-                                                  <m:t>3</m:t>
-                                                </m:r>
-                                              </m:sub>
-                                              <m:sup>
-                                                <m:r>
-                                                  <a:rPr lang="en-GB" sz="1600" i="1">
-                                                    <a:solidFill>
-                                                      <a:srgbClr val="00B050"/>
-                                                    </a:solidFill>
-                                                    <a:latin typeface="Cambria Math" panose="02040503050406030204" pitchFamily="18" charset="0"/>
-                                                  </a:rPr>
-                                                  <m:t>(1)</m:t>
-                                                </m:r>
-                                              </m:sup>
-                                            </m:sSubSup>
-                                          </m:e>
-                                          <m:e>
-                                            <m:sSubSup>
-                                              <m:sSubSupPr>
-                                                <m:ctrlPr>
-                                                  <a:rPr lang="en-GB" sz="1600" i="1">
-                                                    <a:solidFill>
-                                                      <a:srgbClr val="00B050"/>
-                                                    </a:solidFill>
-                                                    <a:latin typeface="Cambria Math" panose="02040503050406030204" pitchFamily="18" charset="0"/>
-                                                  </a:rPr>
-                                                </m:ctrlPr>
-                                              </m:sSubSupPr>
-                                              <m:e>
-                                                <m:r>
-                                                  <a:rPr lang="en-GB" sz="1600" i="1">
-                                                    <a:solidFill>
-                                                      <a:srgbClr val="00B050"/>
-                                                    </a:solidFill>
-                                                    <a:latin typeface="Cambria Math" panose="02040503050406030204" pitchFamily="18" charset="0"/>
-                                                  </a:rPr>
-                                                  <m:t>𝜃</m:t>
-                                                </m:r>
-                                              </m:e>
-                                              <m:sub>
-                                                <m:r>
-                                                  <a:rPr lang="en-GB" sz="1600" b="0" i="1" smtClean="0">
-                                                    <a:solidFill>
-                                                      <a:srgbClr val="00B050"/>
-                                                    </a:solidFill>
-                                                    <a:latin typeface="Cambria Math" panose="02040503050406030204" pitchFamily="18" charset="0"/>
-                                                  </a:rPr>
-                                                  <m:t>3</m:t>
-                                                </m:r>
-                                                <m:r>
-                                                  <a:rPr lang="en-GB" sz="1600" i="1">
-                                                    <a:solidFill>
-                                                      <a:srgbClr val="00B050"/>
-                                                    </a:solidFill>
-                                                    <a:latin typeface="Cambria Math" panose="02040503050406030204" pitchFamily="18" charset="0"/>
-                                                  </a:rPr>
-                                                  <m:t>,</m:t>
-                                                </m:r>
-                                                <m:r>
-                                                  <a:rPr lang="en-GB" sz="1600" b="0" i="1" smtClean="0">
-                                                    <a:solidFill>
-                                                      <a:srgbClr val="00B050"/>
-                                                    </a:solidFill>
-                                                    <a:latin typeface="Cambria Math" panose="02040503050406030204" pitchFamily="18" charset="0"/>
-                                                  </a:rPr>
-                                                  <m:t>3</m:t>
-                                                </m:r>
-                                              </m:sub>
-                                              <m:sup>
-                                                <m:r>
-                                                  <a:rPr lang="en-GB" sz="1600" i="1">
-                                                    <a:solidFill>
-                                                      <a:srgbClr val="00B050"/>
-                                                    </a:solidFill>
-                                                    <a:latin typeface="Cambria Math" panose="02040503050406030204" pitchFamily="18" charset="0"/>
-                                                  </a:rPr>
-                                                  <m:t>(1)</m:t>
-                                                </m:r>
-                                              </m:sup>
-                                            </m:sSubSup>
-                                          </m:e>
-                                        </m:mr>
-                                      </m:m>
-                                    </m:e>
-                                  </m:mr>
-                                </m:m>
-                              </m:e>
-                            </m:mr>
-                          </m:m>
-                        </m:e>
-                      </m:d>
-                    </m:oMath>
-                  </m:oMathPara>
-                </a14:m>
-                <a:endParaRPr lang="en-GB" sz="1600" dirty="0">
-                  <a:solidFill>
-                    <a:srgbClr val="00B050"/>
-                  </a:solidFill>
-                </a:endParaRPr>
-              </a:p>
-            </p:txBody>
-          </p:sp>
-        </mc:Choice>
-        <mc:Fallback>
-          <p:sp>
-            <p:nvSpPr>
-              <p:cNvPr id="38" name="TextBox 37">
-                <a:extLst>
-                  <a:ext uri="{FF2B5EF4-FFF2-40B4-BE49-F238E27FC236}">
-                    <a16:creationId xmlns:a16="http://schemas.microsoft.com/office/drawing/2014/main" id="{F442B1EF-C8B4-4103-9C0C-E8A278293711}"/>
-                  </a:ext>
-                </a:extLst>
-              </p:cNvPr>
-              <p:cNvSpPr txBox="1">
-                <a:spLocks noRot="1" noChangeAspect="1" noMove="1" noResize="1" noEditPoints="1" noAdjustHandles="1" noChangeArrowheads="1" noChangeShapeType="1" noTextEdit="1"/>
-              </p:cNvSpPr>
-              <p:nvPr/>
-            </p:nvSpPr>
-            <p:spPr>
-              <a:xfrm>
-                <a:off x="1712257" y="5095959"/>
-                <a:ext cx="2435475" cy="1510157"/>
-              </a:xfrm>
-              <a:prstGeom prst="rect">
-                <a:avLst/>
-              </a:prstGeom>
-              <a:blipFill>
-                <a:blip r:embed="rId19"/>
-                <a:stretch>
-                  <a:fillRect/>
-                </a:stretch>
-              </a:blipFill>
-            </p:spPr>
-            <p:txBody>
-              <a:bodyPr/>
-              <a:lstStyle/>
-              <a:p>
-                <a:r>
-                  <a:rPr lang="en-GB">
-                    <a:noFill/>
-                  </a:rPr>
-                  <a:t> </a:t>
-                </a:r>
-              </a:p>
-            </p:txBody>
-          </p:sp>
-        </mc:Fallback>
-      </mc:AlternateContent>
-      <mc:AlternateContent xmlns:mc="http://schemas.openxmlformats.org/markup-compatibility/2006">
-        <mc:Choice xmlns:a14="http://schemas.microsoft.com/office/drawing/2010/main" Requires="a14">
-          <p:sp>
-            <p:nvSpPr>
-              <p:cNvPr id="37" name="TextBox 36">
-                <a:extLst>
-                  <a:ext uri="{FF2B5EF4-FFF2-40B4-BE49-F238E27FC236}">
-                    <a16:creationId xmlns:a16="http://schemas.microsoft.com/office/drawing/2014/main" id="{A6F654A0-08BC-4C96-B8A9-C1D69049C139}"/>
-                  </a:ext>
-                </a:extLst>
-              </p:cNvPr>
-              <p:cNvSpPr txBox="1"/>
-              <p:nvPr/>
-            </p:nvSpPr>
-            <p:spPr>
-              <a:xfrm>
-                <a:off x="6976160" y="3333849"/>
-                <a:ext cx="3683957" cy="444930"/>
-              </a:xfrm>
-              <a:prstGeom prst="rect">
-                <a:avLst/>
-              </a:prstGeom>
-              <a:noFill/>
-            </p:spPr>
-            <p:txBody>
-              <a:bodyPr wrap="none" rtlCol="0">
-                <a:spAutoFit/>
-              </a:bodyPr>
-              <a:lstStyle/>
-              <a:p>
-                <a:pPr/>
-                <a14:m>
-                  <m:oMathPara xmlns:m="http://schemas.openxmlformats.org/officeDocument/2006/math">
-                    <m:oMathParaPr>
-                      <m:jc m:val="centerGroup"/>
-                    </m:oMathParaPr>
-                    <m:oMath xmlns:m="http://schemas.openxmlformats.org/officeDocument/2006/math">
-                      <m:sSubSup>
-                        <m:sSubSupPr>
-                          <m:ctrlPr>
-                            <a:rPr lang="en-GB" i="1" smtClean="0">
-                              <a:latin typeface="Cambria Math" panose="02040503050406030204" pitchFamily="18" charset="0"/>
-                            </a:rPr>
-                          </m:ctrlPr>
-                        </m:sSubSupPr>
-                        <m:e>
-                          <m:r>
-                            <a:rPr lang="en-GB" b="0" i="1" smtClean="0">
-                              <a:latin typeface="Cambria Math" panose="02040503050406030204" pitchFamily="18" charset="0"/>
-                            </a:rPr>
-                            <m:t>𝑎</m:t>
-                          </m:r>
-                        </m:e>
-                        <m:sub>
-                          <m:r>
-                            <a:rPr lang="en-GB" b="0" i="1" smtClean="0">
-                              <a:latin typeface="Cambria Math" panose="02040503050406030204" pitchFamily="18" charset="0"/>
-                            </a:rPr>
-                            <m:t>𝑖</m:t>
-                          </m:r>
-                        </m:sub>
-                        <m:sup>
-                          <m:r>
-                            <a:rPr lang="en-GB" b="0" i="1" smtClean="0">
-                              <a:latin typeface="Cambria Math" panose="02040503050406030204" pitchFamily="18" charset="0"/>
-                            </a:rPr>
-                            <m:t>(</m:t>
-                          </m:r>
-                          <m:r>
-                            <a:rPr lang="en-GB" b="0" i="1" smtClean="0">
-                              <a:latin typeface="Cambria Math" panose="02040503050406030204" pitchFamily="18" charset="0"/>
-                            </a:rPr>
-                            <m:t>𝑙</m:t>
-                          </m:r>
-                          <m:r>
-                            <a:rPr lang="en-GB" b="0" i="1" smtClean="0">
-                              <a:latin typeface="Cambria Math" panose="02040503050406030204" pitchFamily="18" charset="0"/>
-                            </a:rPr>
-                            <m:t>)</m:t>
-                          </m:r>
-                        </m:sup>
-                      </m:sSubSup>
-                      <m:r>
-                        <a:rPr lang="en-GB" b="0" i="1" smtClean="0">
-                          <a:latin typeface="Cambria Math" panose="02040503050406030204" pitchFamily="18" charset="0"/>
-                        </a:rPr>
-                        <m:t>=</m:t>
-                      </m:r>
-                      <m:r>
-                        <a:rPr lang="en-GB" b="0" i="1" smtClean="0">
-                          <a:latin typeface="Cambria Math" panose="02040503050406030204" pitchFamily="18" charset="0"/>
-                        </a:rPr>
-                        <m:t>𝑎𝑘𝑡𝑖𝑣𝑎𝑠𝑖</m:t>
-                      </m:r>
-                      <m:r>
-                        <a:rPr lang="en-GB" b="0" i="1" smtClean="0">
-                          <a:latin typeface="Cambria Math" panose="02040503050406030204" pitchFamily="18" charset="0"/>
-                        </a:rPr>
-                        <m:t> </m:t>
-                      </m:r>
-                      <m:r>
-                        <a:rPr lang="en-GB" b="0" i="1" smtClean="0">
-                          <a:latin typeface="Cambria Math" panose="02040503050406030204" pitchFamily="18" charset="0"/>
-                        </a:rPr>
-                        <m:t>𝑢𝑛𝑖𝑡</m:t>
-                      </m:r>
-                      <m:r>
-                        <a:rPr lang="en-GB" b="0" i="1" smtClean="0">
-                          <a:latin typeface="Cambria Math" panose="02040503050406030204" pitchFamily="18" charset="0"/>
-                        </a:rPr>
-                        <m:t> </m:t>
-                      </m:r>
-                      <m:r>
-                        <a:rPr lang="en-GB" b="0" i="1" smtClean="0">
-                          <a:latin typeface="Cambria Math" panose="02040503050406030204" pitchFamily="18" charset="0"/>
-                        </a:rPr>
-                        <m:t>𝑖</m:t>
-                      </m:r>
-                      <m:r>
-                        <a:rPr lang="en-GB" b="0" i="1" smtClean="0">
-                          <a:latin typeface="Cambria Math" panose="02040503050406030204" pitchFamily="18" charset="0"/>
-                        </a:rPr>
-                        <m:t> </m:t>
-                      </m:r>
-                      <m:r>
-                        <a:rPr lang="en-GB" b="0" i="1" smtClean="0">
-                          <a:latin typeface="Cambria Math" panose="02040503050406030204" pitchFamily="18" charset="0"/>
-                        </a:rPr>
-                        <m:t>𝑝𝑎𝑑𝑎</m:t>
-                      </m:r>
-                      <m:r>
-                        <a:rPr lang="en-GB" b="0" i="1" smtClean="0">
-                          <a:latin typeface="Cambria Math" panose="02040503050406030204" pitchFamily="18" charset="0"/>
-                        </a:rPr>
-                        <m:t> </m:t>
-                      </m:r>
-                      <m:r>
-                        <a:rPr lang="en-GB" b="0" i="1" smtClean="0">
-                          <a:latin typeface="Cambria Math" panose="02040503050406030204" pitchFamily="18" charset="0"/>
-                        </a:rPr>
-                        <m:t>𝑙𝑎𝑦𝑒𝑟</m:t>
-                      </m:r>
-                      <m:r>
-                        <a:rPr lang="en-GB" b="0" i="1" smtClean="0">
-                          <a:latin typeface="Cambria Math" panose="02040503050406030204" pitchFamily="18" charset="0"/>
-                        </a:rPr>
-                        <m:t> </m:t>
-                      </m:r>
-                      <m:r>
-                        <a:rPr lang="en-GB" b="0" i="1" smtClean="0">
-                          <a:latin typeface="Cambria Math" panose="02040503050406030204" pitchFamily="18" charset="0"/>
-                        </a:rPr>
-                        <m:t>𝑙</m:t>
-                      </m:r>
-                    </m:oMath>
-                  </m:oMathPara>
-                </a14:m>
-                <a:endParaRPr lang="en-GB" b="0" i="1" dirty="0">
-                  <a:latin typeface="Cambria Math" panose="02040503050406030204" pitchFamily="18" charset="0"/>
-                </a:endParaRPr>
-              </a:p>
-            </p:txBody>
-          </p:sp>
-        </mc:Choice>
-        <mc:Fallback>
-          <p:sp>
-            <p:nvSpPr>
-              <p:cNvPr id="37" name="TextBox 36">
-                <a:extLst>
-                  <a:ext uri="{FF2B5EF4-FFF2-40B4-BE49-F238E27FC236}">
-                    <a16:creationId xmlns:a16="http://schemas.microsoft.com/office/drawing/2014/main" id="{A6F654A0-08BC-4C96-B8A9-C1D69049C139}"/>
-                  </a:ext>
-                </a:extLst>
-              </p:cNvPr>
-              <p:cNvSpPr txBox="1">
-                <a:spLocks noRot="1" noChangeAspect="1" noMove="1" noResize="1" noEditPoints="1" noAdjustHandles="1" noChangeArrowheads="1" noChangeShapeType="1" noTextEdit="1"/>
-              </p:cNvSpPr>
-              <p:nvPr/>
-            </p:nvSpPr>
-            <p:spPr>
-              <a:xfrm>
-                <a:off x="6976160" y="3333849"/>
-                <a:ext cx="3683957" cy="444930"/>
-              </a:xfrm>
-              <a:prstGeom prst="rect">
-                <a:avLst/>
-              </a:prstGeom>
-              <a:blipFill>
-                <a:blip r:embed="rId20"/>
-                <a:stretch>
-                  <a:fillRect b="-6849"/>
-                </a:stretch>
-              </a:blipFill>
-            </p:spPr>
-            <p:txBody>
-              <a:bodyPr/>
-              <a:lstStyle/>
-              <a:p>
-                <a:r>
-                  <a:rPr lang="en-GB">
-                    <a:noFill/>
-                  </a:rPr>
-                  <a:t> </a:t>
-                </a:r>
-              </a:p>
-            </p:txBody>
-          </p:sp>
-        </mc:Fallback>
-      </mc:AlternateContent>
-      <mc:AlternateContent xmlns:mc="http://schemas.openxmlformats.org/markup-compatibility/2006">
-        <mc:Choice xmlns:a14="http://schemas.microsoft.com/office/drawing/2010/main" Requires="a14">
-          <p:sp>
-            <p:nvSpPr>
-              <p:cNvPr id="41" name="TextBox 40">
-                <a:extLst>
-                  <a:ext uri="{FF2B5EF4-FFF2-40B4-BE49-F238E27FC236}">
-                    <a16:creationId xmlns:a16="http://schemas.microsoft.com/office/drawing/2014/main" id="{2E7B6C9C-27D6-425C-B2D8-0DEEB67D194F}"/>
-                  </a:ext>
-                </a:extLst>
-              </p:cNvPr>
-              <p:cNvSpPr txBox="1"/>
-              <p:nvPr/>
-            </p:nvSpPr>
-            <p:spPr>
-              <a:xfrm>
-                <a:off x="6398065" y="1787243"/>
-                <a:ext cx="4990469" cy="753220"/>
-              </a:xfrm>
-              <a:prstGeom prst="rect">
-                <a:avLst/>
-              </a:prstGeom>
-              <a:noFill/>
-            </p:spPr>
-            <p:txBody>
-              <a:bodyPr wrap="none" rtlCol="0">
-                <a:spAutoFit/>
-              </a:bodyPr>
-              <a:lstStyle/>
-              <a:p>
-                <a:pPr/>
-                <a14:m>
-                  <m:oMathPara xmlns:m="http://schemas.openxmlformats.org/officeDocument/2006/math">
-                    <m:oMathParaPr>
-                      <m:jc m:val="centerGroup"/>
-                    </m:oMathParaPr>
-                    <m:oMath xmlns:m="http://schemas.openxmlformats.org/officeDocument/2006/math">
-                      <m:sSubSup>
-                        <m:sSubSupPr>
-                          <m:ctrlPr>
-                            <a:rPr lang="en-GB" i="1" smtClean="0">
-                              <a:latin typeface="Cambria Math" panose="02040503050406030204" pitchFamily="18" charset="0"/>
-                            </a:rPr>
-                          </m:ctrlPr>
-                        </m:sSubSupPr>
-                        <m:e>
-                          <m:r>
-                            <a:rPr lang="en-GB" b="0" i="1" smtClean="0">
-                              <a:latin typeface="Cambria Math" panose="02040503050406030204" pitchFamily="18" charset="0"/>
-                            </a:rPr>
-                            <m:t>𝜃</m:t>
-                          </m:r>
-                        </m:e>
-                        <m:sub>
-                          <m:r>
-                            <a:rPr lang="en-GB" b="0" i="1" smtClean="0">
-                              <a:latin typeface="Cambria Math" panose="02040503050406030204" pitchFamily="18" charset="0"/>
-                            </a:rPr>
-                            <m:t>𝑖</m:t>
-                          </m:r>
-                          <m:r>
-                            <a:rPr lang="en-GB" b="0" i="1" smtClean="0">
-                              <a:latin typeface="Cambria Math" panose="02040503050406030204" pitchFamily="18" charset="0"/>
-                            </a:rPr>
-                            <m:t>,</m:t>
-                          </m:r>
-                          <m:r>
-                            <a:rPr lang="en-GB" b="0" i="1" smtClean="0">
-                              <a:latin typeface="Cambria Math" panose="02040503050406030204" pitchFamily="18" charset="0"/>
-                            </a:rPr>
-                            <m:t>𝑗</m:t>
-                          </m:r>
-                        </m:sub>
-                        <m:sup>
-                          <m:r>
-                            <a:rPr lang="en-GB" b="0" i="1" smtClean="0">
-                              <a:latin typeface="Cambria Math" panose="02040503050406030204" pitchFamily="18" charset="0"/>
-                            </a:rPr>
-                            <m:t>(</m:t>
-                          </m:r>
-                          <m:r>
-                            <a:rPr lang="en-GB" b="0" i="1" smtClean="0">
-                              <a:latin typeface="Cambria Math" panose="02040503050406030204" pitchFamily="18" charset="0"/>
-                            </a:rPr>
-                            <m:t>𝑙</m:t>
-                          </m:r>
-                          <m:r>
-                            <a:rPr lang="en-GB" b="0" i="1" smtClean="0">
-                              <a:latin typeface="Cambria Math" panose="02040503050406030204" pitchFamily="18" charset="0"/>
-                            </a:rPr>
-                            <m:t>)</m:t>
-                          </m:r>
-                        </m:sup>
-                      </m:sSubSup>
-                      <m:r>
-                        <a:rPr lang="en-GB" b="0" i="1" smtClean="0">
-                          <a:latin typeface="Cambria Math" panose="02040503050406030204" pitchFamily="18" charset="0"/>
-                        </a:rPr>
-                        <m:t>=</m:t>
-                      </m:r>
-                      <m:r>
-                        <a:rPr lang="en-GB" b="0" i="1" smtClean="0">
-                          <a:latin typeface="Cambria Math" panose="02040503050406030204" pitchFamily="18" charset="0"/>
-                        </a:rPr>
-                        <m:t>𝑝𝑎𝑟𝑎𝑚𝑒𝑡𝑒𝑟</m:t>
-                      </m:r>
-                      <m:r>
-                        <a:rPr lang="en-GB" b="0" i="1" smtClean="0">
-                          <a:latin typeface="Cambria Math" panose="02040503050406030204" pitchFamily="18" charset="0"/>
-                        </a:rPr>
-                        <m:t> </m:t>
-                      </m:r>
-                      <m:r>
-                        <a:rPr lang="en-GB" b="0" i="1" smtClean="0">
-                          <a:latin typeface="Cambria Math" panose="02040503050406030204" pitchFamily="18" charset="0"/>
-                        </a:rPr>
-                        <m:t>𝑢𝑛𝑖𝑡</m:t>
-                      </m:r>
-                      <m:r>
-                        <a:rPr lang="en-GB" b="0" i="1" smtClean="0">
-                          <a:latin typeface="Cambria Math" panose="02040503050406030204" pitchFamily="18" charset="0"/>
-                        </a:rPr>
-                        <m:t> </m:t>
-                      </m:r>
-                      <m:r>
-                        <a:rPr lang="en-GB" b="0" i="1" smtClean="0">
-                          <a:latin typeface="Cambria Math" panose="02040503050406030204" pitchFamily="18" charset="0"/>
-                        </a:rPr>
-                        <m:t>𝑗</m:t>
-                      </m:r>
-                      <m:r>
-                        <a:rPr lang="en-GB" b="0" i="1" smtClean="0">
-                          <a:latin typeface="Cambria Math" panose="02040503050406030204" pitchFamily="18" charset="0"/>
-                        </a:rPr>
-                        <m:t> </m:t>
-                      </m:r>
-                      <m:r>
-                        <a:rPr lang="en-GB" b="0" i="1" smtClean="0">
-                          <a:latin typeface="Cambria Math" panose="02040503050406030204" pitchFamily="18" charset="0"/>
-                        </a:rPr>
-                        <m:t>𝑑𝑎𝑟𝑖</m:t>
-                      </m:r>
-                      <m:r>
-                        <a:rPr lang="en-GB" b="0" i="1" smtClean="0">
-                          <a:latin typeface="Cambria Math" panose="02040503050406030204" pitchFamily="18" charset="0"/>
-                        </a:rPr>
-                        <m:t> </m:t>
-                      </m:r>
-                      <m:r>
-                        <a:rPr lang="en-GB" b="0" i="1" smtClean="0">
-                          <a:latin typeface="Cambria Math" panose="02040503050406030204" pitchFamily="18" charset="0"/>
-                        </a:rPr>
-                        <m:t>𝑙𝑎𝑦𝑒𝑟</m:t>
-                      </m:r>
-                      <m:r>
-                        <a:rPr lang="en-GB" b="0" i="1" smtClean="0">
-                          <a:latin typeface="Cambria Math" panose="02040503050406030204" pitchFamily="18" charset="0"/>
-                        </a:rPr>
-                        <m:t> </m:t>
-                      </m:r>
-                      <m:r>
-                        <a:rPr lang="en-GB" b="0" i="1" smtClean="0">
-                          <a:latin typeface="Cambria Math" panose="02040503050406030204" pitchFamily="18" charset="0"/>
-                        </a:rPr>
-                        <m:t>𝑙</m:t>
-                      </m:r>
-                      <m:r>
-                        <a:rPr lang="en-GB" b="0" i="1" smtClean="0">
-                          <a:latin typeface="Cambria Math" panose="02040503050406030204" pitchFamily="18" charset="0"/>
-                        </a:rPr>
-                        <m:t> </m:t>
-                      </m:r>
-                    </m:oMath>
-                  </m:oMathPara>
-                </a14:m>
-                <a:br>
-                  <a:rPr lang="en-GB" b="0" i="1" dirty="0">
-                    <a:latin typeface="Cambria Math" panose="02040503050406030204" pitchFamily="18" charset="0"/>
-                  </a:rPr>
-                </a:br>
-                <a:r>
-                  <a:rPr lang="en-GB" b="0" i="1" dirty="0">
-                    <a:latin typeface="Cambria Math" panose="02040503050406030204" pitchFamily="18" charset="0"/>
-                  </a:rPr>
-                  <a:t>	</a:t>
-                </a:r>
-                <a14:m>
-                  <m:oMath xmlns:m="http://schemas.openxmlformats.org/officeDocument/2006/math">
-                    <m:r>
-                      <a:rPr lang="en-GB" b="0" i="1" smtClean="0">
-                        <a:latin typeface="Cambria Math" panose="02040503050406030204" pitchFamily="18" charset="0"/>
-                      </a:rPr>
-                      <m:t>𝑢𝑛𝑡𝑢𝑘</m:t>
-                    </m:r>
-                    <m:r>
-                      <a:rPr lang="en-GB" b="0" i="1" smtClean="0">
-                        <a:latin typeface="Cambria Math" panose="02040503050406030204" pitchFamily="18" charset="0"/>
-                      </a:rPr>
-                      <m:t> </m:t>
-                    </m:r>
-                    <m:r>
-                      <a:rPr lang="en-GB" b="0" i="1" smtClean="0">
-                        <a:latin typeface="Cambria Math" panose="02040503050406030204" pitchFamily="18" charset="0"/>
-                      </a:rPr>
-                      <m:t>𝑎𝑘𝑡𝑖𝑣𝑎𝑠𝑖</m:t>
-                    </m:r>
-                    <m:r>
-                      <a:rPr lang="en-GB" b="0" i="1" smtClean="0">
-                        <a:latin typeface="Cambria Math" panose="02040503050406030204" pitchFamily="18" charset="0"/>
-                      </a:rPr>
-                      <m:t> </m:t>
-                    </m:r>
-                    <m:r>
-                      <a:rPr lang="en-GB" b="0" i="1" smtClean="0">
-                        <a:latin typeface="Cambria Math" panose="02040503050406030204" pitchFamily="18" charset="0"/>
-                      </a:rPr>
-                      <m:t>𝑢𝑛𝑖𝑡</m:t>
-                    </m:r>
-                    <m:r>
-                      <a:rPr lang="en-GB" b="0" i="1" smtClean="0">
-                        <a:latin typeface="Cambria Math" panose="02040503050406030204" pitchFamily="18" charset="0"/>
-                      </a:rPr>
-                      <m:t> </m:t>
-                    </m:r>
-                    <m:r>
-                      <a:rPr lang="en-GB" b="0" i="1" smtClean="0">
-                        <a:latin typeface="Cambria Math" panose="02040503050406030204" pitchFamily="18" charset="0"/>
-                      </a:rPr>
-                      <m:t>𝑖</m:t>
-                    </m:r>
-                    <m:r>
-                      <a:rPr lang="en-GB" b="0" i="1" smtClean="0">
-                        <a:latin typeface="Cambria Math" panose="02040503050406030204" pitchFamily="18" charset="0"/>
-                      </a:rPr>
-                      <m:t> </m:t>
-                    </m:r>
-                    <m:r>
-                      <a:rPr lang="en-GB" b="0" i="1" smtClean="0">
-                        <a:latin typeface="Cambria Math" panose="02040503050406030204" pitchFamily="18" charset="0"/>
-                      </a:rPr>
-                      <m:t>𝑝𝑎𝑑𝑎</m:t>
-                    </m:r>
-                    <m:r>
-                      <a:rPr lang="en-GB" b="0" i="1" smtClean="0">
-                        <a:latin typeface="Cambria Math" panose="02040503050406030204" pitchFamily="18" charset="0"/>
-                      </a:rPr>
-                      <m:t> </m:t>
-                    </m:r>
-                    <m:r>
-                      <a:rPr lang="en-GB" b="0" i="1" smtClean="0">
-                        <a:latin typeface="Cambria Math" panose="02040503050406030204" pitchFamily="18" charset="0"/>
-                      </a:rPr>
-                      <m:t>𝑙𝑎𝑦𝑒𝑟</m:t>
-                    </m:r>
-                    <m:r>
-                      <a:rPr lang="en-GB" b="0" i="1" smtClean="0">
-                        <a:latin typeface="Cambria Math" panose="02040503050406030204" pitchFamily="18" charset="0"/>
-                      </a:rPr>
-                      <m:t> </m:t>
-                    </m:r>
-                    <m:r>
-                      <a:rPr lang="en-GB" b="0" i="1" smtClean="0">
-                        <a:latin typeface="Cambria Math" panose="02040503050406030204" pitchFamily="18" charset="0"/>
-                      </a:rPr>
-                      <m:t>𝑙</m:t>
-                    </m:r>
-                    <m:r>
-                      <a:rPr lang="en-GB" b="0" i="1" smtClean="0">
-                        <a:latin typeface="Cambria Math" panose="02040503050406030204" pitchFamily="18" charset="0"/>
-                      </a:rPr>
-                      <m:t>+1</m:t>
-                    </m:r>
-                  </m:oMath>
-                </a14:m>
-                <a:endParaRPr lang="en-GB" dirty="0"/>
-              </a:p>
-            </p:txBody>
-          </p:sp>
-        </mc:Choice>
-        <mc:Fallback>
-          <p:sp>
-            <p:nvSpPr>
-              <p:cNvPr id="41" name="TextBox 40">
-                <a:extLst>
-                  <a:ext uri="{FF2B5EF4-FFF2-40B4-BE49-F238E27FC236}">
-                    <a16:creationId xmlns:a16="http://schemas.microsoft.com/office/drawing/2014/main" id="{2E7B6C9C-27D6-425C-B2D8-0DEEB67D194F}"/>
-                  </a:ext>
-                </a:extLst>
-              </p:cNvPr>
-              <p:cNvSpPr txBox="1">
-                <a:spLocks noRot="1" noChangeAspect="1" noMove="1" noResize="1" noEditPoints="1" noAdjustHandles="1" noChangeArrowheads="1" noChangeShapeType="1" noTextEdit="1"/>
-              </p:cNvSpPr>
-              <p:nvPr/>
-            </p:nvSpPr>
-            <p:spPr>
-              <a:xfrm>
-                <a:off x="6398065" y="1787243"/>
-                <a:ext cx="4990469" cy="753220"/>
-              </a:xfrm>
-              <a:prstGeom prst="rect">
-                <a:avLst/>
-              </a:prstGeom>
-              <a:blipFill>
-                <a:blip r:embed="rId21"/>
-                <a:stretch>
-                  <a:fillRect b="-6452"/>
-                </a:stretch>
-              </a:blipFill>
-            </p:spPr>
-            <p:txBody>
-              <a:bodyPr/>
-              <a:lstStyle/>
-              <a:p>
-                <a:r>
-                  <a:rPr lang="en-GB">
-                    <a:noFill/>
-                  </a:rPr>
-                  <a:t> </a:t>
-                </a:r>
-              </a:p>
-            </p:txBody>
-          </p:sp>
-        </mc:Fallback>
-      </mc:AlternateContent>
-      <mc:AlternateContent xmlns:mc="http://schemas.openxmlformats.org/markup-compatibility/2006">
-        <mc:Choice xmlns:a14="http://schemas.microsoft.com/office/drawing/2010/main" Requires="a14">
-          <p:sp>
-            <p:nvSpPr>
-              <p:cNvPr id="42" name="TextBox 41">
-                <a:extLst>
-                  <a:ext uri="{FF2B5EF4-FFF2-40B4-BE49-F238E27FC236}">
-                    <a16:creationId xmlns:a16="http://schemas.microsoft.com/office/drawing/2014/main" id="{BC8679B6-E1F5-4437-BE12-44F435BB8DCA}"/>
-                  </a:ext>
-                </a:extLst>
-              </p:cNvPr>
-              <p:cNvSpPr txBox="1"/>
-              <p:nvPr/>
-            </p:nvSpPr>
-            <p:spPr>
-              <a:xfrm>
-                <a:off x="6976160" y="2568488"/>
-                <a:ext cx="4849404" cy="444930"/>
-              </a:xfrm>
-              <a:prstGeom prst="rect">
-                <a:avLst/>
-              </a:prstGeom>
-              <a:noFill/>
-            </p:spPr>
-            <p:txBody>
-              <a:bodyPr wrap="none" rtlCol="0">
-                <a:spAutoFit/>
-              </a:bodyPr>
-              <a:lstStyle/>
-              <a:p>
-                <a:pPr/>
-                <a14:m>
-                  <m:oMathPara xmlns:m="http://schemas.openxmlformats.org/officeDocument/2006/math">
-                    <m:oMathParaPr>
-                      <m:jc m:val="centerGroup"/>
-                    </m:oMathParaPr>
-                    <m:oMath xmlns:m="http://schemas.openxmlformats.org/officeDocument/2006/math">
-                      <m:sSubSup>
-                        <m:sSubSupPr>
-                          <m:ctrlPr>
-                            <a:rPr lang="en-GB" i="1" smtClean="0">
-                              <a:latin typeface="Cambria Math" panose="02040503050406030204" pitchFamily="18" charset="0"/>
-                            </a:rPr>
-                          </m:ctrlPr>
-                        </m:sSubSupPr>
-                        <m:e>
-                          <m:r>
-                            <a:rPr lang="en-GB" b="0" i="1" smtClean="0">
-                              <a:latin typeface="Cambria Math" panose="02040503050406030204" pitchFamily="18" charset="0"/>
-                            </a:rPr>
-                            <m:t>𝑧</m:t>
-                          </m:r>
-                        </m:e>
-                        <m:sub>
-                          <m:r>
-                            <a:rPr lang="en-GB" b="0" i="1" smtClean="0">
-                              <a:latin typeface="Cambria Math" panose="02040503050406030204" pitchFamily="18" charset="0"/>
-                            </a:rPr>
-                            <m:t>𝑖</m:t>
-                          </m:r>
-                        </m:sub>
-                        <m:sup>
-                          <m:r>
-                            <a:rPr lang="en-GB" b="0" i="1" smtClean="0">
-                              <a:latin typeface="Cambria Math" panose="02040503050406030204" pitchFamily="18" charset="0"/>
-                            </a:rPr>
-                            <m:t>(</m:t>
-                          </m:r>
-                          <m:r>
-                            <a:rPr lang="en-GB" b="0" i="1" smtClean="0">
-                              <a:latin typeface="Cambria Math" panose="02040503050406030204" pitchFamily="18" charset="0"/>
-                            </a:rPr>
-                            <m:t>𝑙</m:t>
-                          </m:r>
-                          <m:r>
-                            <a:rPr lang="en-GB" b="0" i="1" smtClean="0">
-                              <a:latin typeface="Cambria Math" panose="02040503050406030204" pitchFamily="18" charset="0"/>
-                            </a:rPr>
-                            <m:t>)</m:t>
-                          </m:r>
-                        </m:sup>
-                      </m:sSubSup>
-                      <m:r>
-                        <a:rPr lang="en-GB" b="0" i="1" smtClean="0">
-                          <a:latin typeface="Cambria Math" panose="02040503050406030204" pitchFamily="18" charset="0"/>
-                        </a:rPr>
-                        <m:t>=</m:t>
-                      </m:r>
-                      <m:r>
-                        <a:rPr lang="en-GB" b="0" i="1" smtClean="0">
-                          <a:latin typeface="Cambria Math" panose="02040503050406030204" pitchFamily="18" charset="0"/>
-                        </a:rPr>
-                        <m:t>𝑘𝑜𝑚𝑏𝑖𝑛𝑎𝑠𝑖</m:t>
-                      </m:r>
-                      <m:r>
-                        <a:rPr lang="en-GB" b="0" i="1" smtClean="0">
-                          <a:latin typeface="Cambria Math" panose="02040503050406030204" pitchFamily="18" charset="0"/>
-                        </a:rPr>
-                        <m:t> </m:t>
-                      </m:r>
-                      <m:r>
-                        <a:rPr lang="en-GB" b="0" i="1" smtClean="0">
-                          <a:latin typeface="Cambria Math" panose="02040503050406030204" pitchFamily="18" charset="0"/>
-                        </a:rPr>
-                        <m:t>𝑙𝑖𝑛𝑒𝑎𝑟</m:t>
-                      </m:r>
-                      <m:r>
-                        <a:rPr lang="en-GB" b="0" i="1" smtClean="0">
-                          <a:latin typeface="Cambria Math" panose="02040503050406030204" pitchFamily="18" charset="0"/>
-                        </a:rPr>
-                        <m:t> </m:t>
-                      </m:r>
-                      <m:r>
-                        <a:rPr lang="en-GB" b="0" i="1" smtClean="0">
-                          <a:latin typeface="Cambria Math" panose="02040503050406030204" pitchFamily="18" charset="0"/>
-                        </a:rPr>
-                        <m:t>𝑑𝑎𝑟𝑖</m:t>
-                      </m:r>
-                      <m:r>
-                        <a:rPr lang="en-GB" b="0" i="1" smtClean="0">
-                          <a:latin typeface="Cambria Math" panose="02040503050406030204" pitchFamily="18" charset="0"/>
-                        </a:rPr>
-                        <m:t> </m:t>
-                      </m:r>
-                      <m:sSubSup>
-                        <m:sSubSupPr>
-                          <m:ctrlPr>
-                            <a:rPr lang="en-GB" b="0" i="1" smtClean="0">
-                              <a:latin typeface="Cambria Math" panose="02040503050406030204" pitchFamily="18" charset="0"/>
-                            </a:rPr>
-                          </m:ctrlPr>
-                        </m:sSubSupPr>
-                        <m:e>
-                          <m:r>
-                            <a:rPr lang="en-GB" b="0" i="1" smtClean="0">
-                              <a:latin typeface="Cambria Math" panose="02040503050406030204" pitchFamily="18" charset="0"/>
-                            </a:rPr>
-                            <m:t>𝜃</m:t>
-                          </m:r>
-                        </m:e>
-                        <m:sub>
-                          <m:r>
-                            <a:rPr lang="en-GB" b="0" i="1" smtClean="0">
-                              <a:latin typeface="Cambria Math" panose="02040503050406030204" pitchFamily="18" charset="0"/>
-                            </a:rPr>
-                            <m:t>𝑖</m:t>
-                          </m:r>
-                        </m:sub>
-                        <m:sup>
-                          <m:r>
-                            <a:rPr lang="en-GB" b="0" i="1" smtClean="0">
-                              <a:latin typeface="Cambria Math" panose="02040503050406030204" pitchFamily="18" charset="0"/>
-                            </a:rPr>
-                            <m:t>(</m:t>
-                          </m:r>
-                          <m:r>
-                            <a:rPr lang="en-GB" b="0" i="1" smtClean="0">
-                              <a:latin typeface="Cambria Math" panose="02040503050406030204" pitchFamily="18" charset="0"/>
-                            </a:rPr>
-                            <m:t>𝑙</m:t>
-                          </m:r>
-                          <m:r>
-                            <a:rPr lang="en-GB" b="0" i="1" smtClean="0">
-                              <a:latin typeface="Cambria Math" panose="02040503050406030204" pitchFamily="18" charset="0"/>
-                            </a:rPr>
-                            <m:t>−1)</m:t>
-                          </m:r>
-                        </m:sup>
-                      </m:sSubSup>
-                      <m:r>
-                        <a:rPr lang="en-GB" b="0" i="1" smtClean="0">
-                          <a:latin typeface="Cambria Math" panose="02040503050406030204" pitchFamily="18" charset="0"/>
-                        </a:rPr>
-                        <m:t> </m:t>
-                      </m:r>
-                      <m:r>
-                        <a:rPr lang="en-GB" b="0" i="1" smtClean="0">
-                          <a:latin typeface="Cambria Math" panose="02040503050406030204" pitchFamily="18" charset="0"/>
-                        </a:rPr>
-                        <m:t>𝑑𝑎𝑛</m:t>
-                      </m:r>
-                      <m:r>
-                        <a:rPr lang="en-GB" b="0" i="1" smtClean="0">
-                          <a:latin typeface="Cambria Math" panose="02040503050406030204" pitchFamily="18" charset="0"/>
-                        </a:rPr>
-                        <m:t> </m:t>
-                      </m:r>
-                      <m:sSup>
-                        <m:sSupPr>
-                          <m:ctrlPr>
-                            <a:rPr lang="en-GB" b="0" i="1" smtClean="0">
-                              <a:latin typeface="Cambria Math" panose="02040503050406030204" pitchFamily="18" charset="0"/>
-                            </a:rPr>
-                          </m:ctrlPr>
-                        </m:sSupPr>
-                        <m:e>
-                          <m:r>
-                            <a:rPr lang="en-GB" b="0" i="1" smtClean="0">
-                              <a:latin typeface="Cambria Math" panose="02040503050406030204" pitchFamily="18" charset="0"/>
-                            </a:rPr>
-                            <m:t>𝑎</m:t>
-                          </m:r>
-                        </m:e>
-                        <m:sup>
-                          <m:r>
-                            <a:rPr lang="en-GB" b="0" i="1" smtClean="0">
-                              <a:latin typeface="Cambria Math" panose="02040503050406030204" pitchFamily="18" charset="0"/>
-                            </a:rPr>
-                            <m:t>(</m:t>
-                          </m:r>
-                          <m:r>
-                            <a:rPr lang="en-GB" b="0" i="1" smtClean="0">
-                              <a:latin typeface="Cambria Math" panose="02040503050406030204" pitchFamily="18" charset="0"/>
-                            </a:rPr>
-                            <m:t>𝑙</m:t>
-                          </m:r>
-                          <m:r>
-                            <a:rPr lang="en-GB" b="0" i="1" smtClean="0">
-                              <a:latin typeface="Cambria Math" panose="02040503050406030204" pitchFamily="18" charset="0"/>
-                            </a:rPr>
-                            <m:t>−1)</m:t>
-                          </m:r>
-                        </m:sup>
-                      </m:sSup>
-                    </m:oMath>
-                  </m:oMathPara>
-                </a14:m>
-                <a:endParaRPr lang="en-GB" dirty="0"/>
-              </a:p>
-            </p:txBody>
-          </p:sp>
-        </mc:Choice>
-        <mc:Fallback>
-          <p:sp>
-            <p:nvSpPr>
-              <p:cNvPr id="42" name="TextBox 41">
-                <a:extLst>
-                  <a:ext uri="{FF2B5EF4-FFF2-40B4-BE49-F238E27FC236}">
-                    <a16:creationId xmlns:a16="http://schemas.microsoft.com/office/drawing/2014/main" id="{BC8679B6-E1F5-4437-BE12-44F435BB8DCA}"/>
-                  </a:ext>
-                </a:extLst>
-              </p:cNvPr>
-              <p:cNvSpPr txBox="1">
-                <a:spLocks noRot="1" noChangeAspect="1" noMove="1" noResize="1" noEditPoints="1" noAdjustHandles="1" noChangeArrowheads="1" noChangeShapeType="1" noTextEdit="1"/>
-              </p:cNvSpPr>
-              <p:nvPr/>
-            </p:nvSpPr>
-            <p:spPr>
-              <a:xfrm>
-                <a:off x="6976160" y="2568488"/>
-                <a:ext cx="4849404" cy="444930"/>
-              </a:xfrm>
-              <a:prstGeom prst="rect">
-                <a:avLst/>
-              </a:prstGeom>
-              <a:blipFill>
-                <a:blip r:embed="rId22"/>
-                <a:stretch>
-                  <a:fillRect b="-4110"/>
-                </a:stretch>
-              </a:blipFill>
-            </p:spPr>
-            <p:txBody>
-              <a:bodyPr/>
-              <a:lstStyle/>
-              <a:p>
-                <a:r>
-                  <a:rPr lang="en-GB">
-                    <a:noFill/>
-                  </a:rPr>
-                  <a:t> </a:t>
-                </a:r>
-              </a:p>
-            </p:txBody>
-          </p:sp>
-        </mc:Fallback>
-      </mc:AlternateContent>
-      <mc:AlternateContent xmlns:mc="http://schemas.openxmlformats.org/markup-compatibility/2006">
-        <mc:Choice xmlns:a14="http://schemas.microsoft.com/office/drawing/2010/main" Requires="a14">
-          <p:sp>
-            <p:nvSpPr>
-              <p:cNvPr id="43" name="Rectangle 42">
-                <a:extLst>
-                  <a:ext uri="{FF2B5EF4-FFF2-40B4-BE49-F238E27FC236}">
-                    <a16:creationId xmlns:a16="http://schemas.microsoft.com/office/drawing/2014/main" id="{3A8CC9B0-2A32-4FE5-8C39-8FA0ED4DA6F8}"/>
-                  </a:ext>
-                </a:extLst>
-              </p:cNvPr>
-              <p:cNvSpPr/>
-              <p:nvPr/>
-            </p:nvSpPr>
-            <p:spPr>
-              <a:xfrm>
-                <a:off x="7175698" y="4117359"/>
-                <a:ext cx="2737352" cy="369332"/>
-              </a:xfrm>
-              <a:prstGeom prst="rect">
-                <a:avLst/>
-              </a:prstGeom>
-            </p:spPr>
-            <p:txBody>
-              <a:bodyPr wrap="none">
-                <a:spAutoFit/>
-              </a:bodyPr>
-              <a:lstStyle/>
-              <a:p>
-                <a:pPr/>
-                <a14:m>
-                  <m:oMathPara xmlns:m="http://schemas.openxmlformats.org/officeDocument/2006/math">
-                    <m:oMathParaPr>
-                      <m:jc m:val="centerGroup"/>
-                    </m:oMathParaPr>
-                    <m:oMath xmlns:m="http://schemas.openxmlformats.org/officeDocument/2006/math">
-                      <m:r>
-                        <a:rPr lang="en-GB" i="1" smtClean="0">
-                          <a:latin typeface="Cambria Math" panose="02040503050406030204" pitchFamily="18" charset="0"/>
-                        </a:rPr>
-                        <m:t>𝑔</m:t>
-                      </m:r>
-                      <m:r>
-                        <a:rPr lang="en-GB" b="0" i="1" smtClean="0">
-                          <a:latin typeface="Cambria Math" panose="02040503050406030204" pitchFamily="18" charset="0"/>
-                        </a:rPr>
-                        <m:t>=</m:t>
-                      </m:r>
-                      <m:r>
-                        <a:rPr lang="en-GB" b="0" i="1" smtClean="0">
-                          <a:latin typeface="Cambria Math" panose="02040503050406030204" pitchFamily="18" charset="0"/>
-                        </a:rPr>
-                        <m:t>𝑎𝑐𝑡𝑖𝑣𝑎𝑡𝑖𝑜𝑛</m:t>
-                      </m:r>
-                      <m:r>
-                        <a:rPr lang="en-GB" b="0" i="1" smtClean="0">
-                          <a:latin typeface="Cambria Math" panose="02040503050406030204" pitchFamily="18" charset="0"/>
-                        </a:rPr>
-                        <m:t> </m:t>
-                      </m:r>
-                      <m:r>
-                        <a:rPr lang="en-GB" b="0" i="1" smtClean="0">
-                          <a:latin typeface="Cambria Math" panose="02040503050406030204" pitchFamily="18" charset="0"/>
-                        </a:rPr>
-                        <m:t>𝑓𝑢𝑛𝑐𝑡𝑖𝑜𝑛</m:t>
-                      </m:r>
-                    </m:oMath>
-                  </m:oMathPara>
-                </a14:m>
-                <a:endParaRPr lang="en-GB" dirty="0"/>
-              </a:p>
-            </p:txBody>
-          </p:sp>
-        </mc:Choice>
-        <mc:Fallback>
-          <p:sp>
-            <p:nvSpPr>
-              <p:cNvPr id="43" name="Rectangle 42">
-                <a:extLst>
-                  <a:ext uri="{FF2B5EF4-FFF2-40B4-BE49-F238E27FC236}">
-                    <a16:creationId xmlns:a16="http://schemas.microsoft.com/office/drawing/2014/main" id="{3A8CC9B0-2A32-4FE5-8C39-8FA0ED4DA6F8}"/>
-                  </a:ext>
-                </a:extLst>
-              </p:cNvPr>
-              <p:cNvSpPr>
-                <a:spLocks noRot="1" noChangeAspect="1" noMove="1" noResize="1" noEditPoints="1" noAdjustHandles="1" noChangeArrowheads="1" noChangeShapeType="1" noTextEdit="1"/>
-              </p:cNvSpPr>
-              <p:nvPr/>
-            </p:nvSpPr>
-            <p:spPr>
-              <a:xfrm>
-                <a:off x="7175698" y="4117359"/>
-                <a:ext cx="2737352" cy="369332"/>
-              </a:xfrm>
-              <a:prstGeom prst="rect">
-                <a:avLst/>
-              </a:prstGeom>
-              <a:blipFill>
-                <a:blip r:embed="rId23"/>
-                <a:stretch>
-                  <a:fillRect b="-13115"/>
-                </a:stretch>
-              </a:blipFill>
-            </p:spPr>
-            <p:txBody>
-              <a:bodyPr/>
-              <a:lstStyle/>
-              <a:p>
-                <a:r>
-                  <a:rPr lang="en-GB">
-                    <a:noFill/>
-                  </a:rPr>
-                  <a:t> </a:t>
-                </a:r>
-              </a:p>
-            </p:txBody>
-          </p:sp>
-        </mc:Fallback>
-      </mc:AlternateContent>
-      <mc:AlternateContent xmlns:mc="http://schemas.openxmlformats.org/markup-compatibility/2006">
-        <mc:Choice xmlns:a14="http://schemas.microsoft.com/office/drawing/2010/main" Requires="a14">
+      <mc:AlternateContent xmlns:mc="http://schemas.openxmlformats.org/markup-compatibility/2006" xmlns:a14="http://schemas.microsoft.com/office/drawing/2010/main">
+        <mc:Choice Requires="a14">
           <p:sp>
             <p:nvSpPr>
               <p:cNvPr id="50" name="Oval 49">
@@ -13828,7 +10158,7 @@
             </p:txBody>
           </p:sp>
         </mc:Choice>
-        <mc:Fallback>
+        <mc:Fallback xmlns="">
           <p:sp>
             <p:nvSpPr>
               <p:cNvPr id="50" name="Oval 49">
@@ -13923,129 +10253,6 @@
           </a:fontRef>
         </p:style>
       </p:cxnSp>
-      <mc:AlternateContent xmlns:mc="http://schemas.openxmlformats.org/markup-compatibility/2006">
-        <mc:Choice xmlns:a14="http://schemas.microsoft.com/office/drawing/2010/main" Requires="a14">
-          <p:sp>
-            <p:nvSpPr>
-              <p:cNvPr id="53" name="TextBox 52">
-                <a:extLst>
-                  <a:ext uri="{FF2B5EF4-FFF2-40B4-BE49-F238E27FC236}">
-                    <a16:creationId xmlns:a16="http://schemas.microsoft.com/office/drawing/2014/main" id="{E48A1952-ABD8-4D03-A438-12732729F67D}"/>
-                  </a:ext>
-                </a:extLst>
-              </p:cNvPr>
-              <p:cNvSpPr txBox="1"/>
-              <p:nvPr/>
-            </p:nvSpPr>
-            <p:spPr>
-              <a:xfrm>
-                <a:off x="920090" y="1031198"/>
-                <a:ext cx="455446" cy="317587"/>
-              </a:xfrm>
-              <a:prstGeom prst="rect">
-                <a:avLst/>
-              </a:prstGeom>
-              <a:noFill/>
-            </p:spPr>
-            <p:txBody>
-              <a:bodyPr wrap="none" rtlCol="0">
-                <a:spAutoFit/>
-              </a:bodyPr>
-              <a:lstStyle/>
-              <a:p>
-                <a:pPr/>
-                <a14:m>
-                  <m:oMathPara xmlns:m="http://schemas.openxmlformats.org/officeDocument/2006/math">
-                    <m:oMathParaPr>
-                      <m:jc m:val="centerGroup"/>
-                    </m:oMathParaPr>
-                    <m:oMath xmlns:m="http://schemas.openxmlformats.org/officeDocument/2006/math">
-                      <m:sSubSup>
-                        <m:sSubSupPr>
-                          <m:ctrlPr>
-                            <a:rPr lang="en-GB" sz="1100" i="1" dirty="0" smtClean="0">
-                              <a:latin typeface="Cambria Math" panose="02040503050406030204" pitchFamily="18" charset="0"/>
-                            </a:rPr>
-                          </m:ctrlPr>
-                        </m:sSubSupPr>
-                        <m:e>
-                          <m:r>
-                            <a:rPr lang="en-GB" sz="1100" b="0" i="1" dirty="0" smtClean="0">
-                              <a:latin typeface="Cambria Math" panose="02040503050406030204" pitchFamily="18" charset="0"/>
-                            </a:rPr>
-                            <m:t>𝜃</m:t>
-                          </m:r>
-                        </m:e>
-                        <m:sub>
-                          <m:r>
-                            <a:rPr lang="en-GB" sz="1100" b="0" i="1" dirty="0" smtClean="0">
-                              <a:latin typeface="Cambria Math" panose="02040503050406030204" pitchFamily="18" charset="0"/>
-                            </a:rPr>
-                            <m:t>1,0</m:t>
-                          </m:r>
-                        </m:sub>
-                        <m:sup>
-                          <m:r>
-                            <a:rPr lang="en-GB" sz="1100" b="0" i="1" dirty="0" smtClean="0">
-                              <a:latin typeface="Cambria Math" panose="02040503050406030204" pitchFamily="18" charset="0"/>
-                            </a:rPr>
-                            <m:t>(1)</m:t>
-                          </m:r>
-                        </m:sup>
-                      </m:sSubSup>
-                    </m:oMath>
-                  </m:oMathPara>
-                </a14:m>
-                <a:endParaRPr lang="en-GB" sz="1100" dirty="0"/>
-              </a:p>
-            </p:txBody>
-          </p:sp>
-        </mc:Choice>
-        <mc:Fallback>
-          <p:sp>
-            <p:nvSpPr>
-              <p:cNvPr id="53" name="TextBox 52">
-                <a:extLst>
-                  <a:ext uri="{FF2B5EF4-FFF2-40B4-BE49-F238E27FC236}">
-                    <a16:creationId xmlns:a16="http://schemas.microsoft.com/office/drawing/2014/main" id="{E48A1952-ABD8-4D03-A438-12732729F67D}"/>
-                  </a:ext>
-                </a:extLst>
-              </p:cNvPr>
-              <p:cNvSpPr txBox="1">
-                <a:spLocks noRot="1" noChangeAspect="1" noMove="1" noResize="1" noEditPoints="1" noAdjustHandles="1" noChangeArrowheads="1" noChangeShapeType="1" noTextEdit="1"/>
-              </p:cNvSpPr>
-              <p:nvPr/>
-            </p:nvSpPr>
-            <p:spPr>
-              <a:xfrm>
-                <a:off x="920090" y="1031198"/>
-                <a:ext cx="455446" cy="317587"/>
-              </a:xfrm>
-              <a:prstGeom prst="rect">
-                <a:avLst/>
-              </a:prstGeom>
-              <a:blipFill>
-                <a:blip r:embed="rId25"/>
-                <a:stretch>
-                  <a:fillRect/>
-                </a:stretch>
-              </a:blipFill>
-            </p:spPr>
-            <p:txBody>
-              <a:bodyPr/>
-              <a:lstStyle/>
-              <a:p>
-                <a:r>
-                  <a:rPr lang="en-GB">
-                    <a:noFill/>
-                  </a:rPr>
-                  <a:t> </a:t>
-                </a:r>
-              </a:p>
-            </p:txBody>
-          </p:sp>
-        </mc:Fallback>
-      </mc:AlternateContent>
       <p:cxnSp>
         <p:nvCxnSpPr>
           <p:cNvPr id="54" name="Straight Arrow Connector 53">
@@ -14144,704 +10351,6 @@
         <mc:Choice xmlns:a14="http://schemas.microsoft.com/office/drawing/2010/main" Requires="a14">
           <p:sp>
             <p:nvSpPr>
-              <p:cNvPr id="57" name="TextBox 56">
-                <a:extLst>
-                  <a:ext uri="{FF2B5EF4-FFF2-40B4-BE49-F238E27FC236}">
-                    <a16:creationId xmlns:a16="http://schemas.microsoft.com/office/drawing/2014/main" id="{E57E614E-CCA4-488A-978E-87D17162A7CF}"/>
-                  </a:ext>
-                </a:extLst>
-              </p:cNvPr>
-              <p:cNvSpPr txBox="1"/>
-              <p:nvPr/>
-            </p:nvSpPr>
-            <p:spPr>
-              <a:xfrm>
-                <a:off x="2875894" y="1303808"/>
-                <a:ext cx="455446" cy="317587"/>
-              </a:xfrm>
-              <a:prstGeom prst="rect">
-                <a:avLst/>
-              </a:prstGeom>
-              <a:noFill/>
-            </p:spPr>
-            <p:txBody>
-              <a:bodyPr wrap="none" rtlCol="0">
-                <a:spAutoFit/>
-              </a:bodyPr>
-              <a:lstStyle/>
-              <a:p>
-                <a:pPr/>
-                <a14:m>
-                  <m:oMathPara xmlns:m="http://schemas.openxmlformats.org/officeDocument/2006/math">
-                    <m:oMathParaPr>
-                      <m:jc m:val="centerGroup"/>
-                    </m:oMathParaPr>
-                    <m:oMath xmlns:m="http://schemas.openxmlformats.org/officeDocument/2006/math">
-                      <m:sSubSup>
-                        <m:sSubSupPr>
-                          <m:ctrlPr>
-                            <a:rPr lang="en-GB" sz="1100" i="1" dirty="0" smtClean="0">
-                              <a:latin typeface="Cambria Math" panose="02040503050406030204" pitchFamily="18" charset="0"/>
-                            </a:rPr>
-                          </m:ctrlPr>
-                        </m:sSubSupPr>
-                        <m:e>
-                          <m:r>
-                            <a:rPr lang="en-GB" sz="1100" b="0" i="1" dirty="0" smtClean="0">
-                              <a:latin typeface="Cambria Math" panose="02040503050406030204" pitchFamily="18" charset="0"/>
-                            </a:rPr>
-                            <m:t>𝜃</m:t>
-                          </m:r>
-                        </m:e>
-                        <m:sub>
-                          <m:r>
-                            <a:rPr lang="en-GB" sz="1100" b="0" i="1" dirty="0" smtClean="0">
-                              <a:latin typeface="Cambria Math" panose="02040503050406030204" pitchFamily="18" charset="0"/>
-                            </a:rPr>
-                            <m:t>1</m:t>
-                          </m:r>
-                          <m:r>
-                            <a:rPr lang="en-GB" sz="1100" b="0" i="1" dirty="0" smtClean="0">
-                              <a:latin typeface="Cambria Math" panose="02040503050406030204" pitchFamily="18" charset="0"/>
-                            </a:rPr>
-                            <m:t>,0</m:t>
-                          </m:r>
-                        </m:sub>
-                        <m:sup>
-                          <m:r>
-                            <a:rPr lang="en-GB" sz="1100" b="0" i="1" dirty="0" smtClean="0">
-                              <a:latin typeface="Cambria Math" panose="02040503050406030204" pitchFamily="18" charset="0"/>
-                            </a:rPr>
-                            <m:t>(</m:t>
-                          </m:r>
-                          <m:r>
-                            <a:rPr lang="en-GB" sz="1100" b="0" i="1" dirty="0" smtClean="0">
-                              <a:latin typeface="Cambria Math" panose="02040503050406030204" pitchFamily="18" charset="0"/>
-                            </a:rPr>
-                            <m:t>2</m:t>
-                          </m:r>
-                          <m:r>
-                            <a:rPr lang="en-GB" sz="1100" b="0" i="1" dirty="0" smtClean="0">
-                              <a:latin typeface="Cambria Math" panose="02040503050406030204" pitchFamily="18" charset="0"/>
-                            </a:rPr>
-                            <m:t>)</m:t>
-                          </m:r>
-                        </m:sup>
-                      </m:sSubSup>
-                    </m:oMath>
-                  </m:oMathPara>
-                </a14:m>
-                <a:endParaRPr lang="en-GB" sz="1100" dirty="0"/>
-              </a:p>
-            </p:txBody>
-          </p:sp>
-        </mc:Choice>
-        <mc:Fallback>
-          <p:sp>
-            <p:nvSpPr>
-              <p:cNvPr id="57" name="TextBox 56">
-                <a:extLst>
-                  <a:ext uri="{FF2B5EF4-FFF2-40B4-BE49-F238E27FC236}">
-                    <a16:creationId xmlns:a16="http://schemas.microsoft.com/office/drawing/2014/main" id="{E57E614E-CCA4-488A-978E-87D17162A7CF}"/>
-                  </a:ext>
-                </a:extLst>
-              </p:cNvPr>
-              <p:cNvSpPr txBox="1">
-                <a:spLocks noRot="1" noChangeAspect="1" noMove="1" noResize="1" noEditPoints="1" noAdjustHandles="1" noChangeArrowheads="1" noChangeShapeType="1" noTextEdit="1"/>
-              </p:cNvSpPr>
-              <p:nvPr/>
-            </p:nvSpPr>
-            <p:spPr>
-              <a:xfrm>
-                <a:off x="2875894" y="1303808"/>
-                <a:ext cx="455446" cy="317587"/>
-              </a:xfrm>
-              <a:prstGeom prst="rect">
-                <a:avLst/>
-              </a:prstGeom>
-              <a:blipFill>
-                <a:blip r:embed="rId26"/>
-                <a:stretch>
-                  <a:fillRect/>
-                </a:stretch>
-              </a:blipFill>
-            </p:spPr>
-            <p:txBody>
-              <a:bodyPr/>
-              <a:lstStyle/>
-              <a:p>
-                <a:r>
-                  <a:rPr lang="en-GB">
-                    <a:noFill/>
-                  </a:rPr>
-                  <a:t> </a:t>
-                </a:r>
-              </a:p>
-            </p:txBody>
-          </p:sp>
-        </mc:Fallback>
-      </mc:AlternateContent>
-      <mc:AlternateContent xmlns:mc="http://schemas.openxmlformats.org/markup-compatibility/2006">
-        <mc:Choice xmlns:a14="http://schemas.microsoft.com/office/drawing/2010/main" Requires="a14">
-          <p:sp>
-            <p:nvSpPr>
-              <p:cNvPr id="59" name="TextBox 58">
-                <a:extLst>
-                  <a:ext uri="{FF2B5EF4-FFF2-40B4-BE49-F238E27FC236}">
-                    <a16:creationId xmlns:a16="http://schemas.microsoft.com/office/drawing/2014/main" id="{90761DA1-F6CA-4B3D-86AA-E1DD1AEE7FF0}"/>
-                  </a:ext>
-                </a:extLst>
-              </p:cNvPr>
-              <p:cNvSpPr txBox="1"/>
-              <p:nvPr/>
-            </p:nvSpPr>
-            <p:spPr>
-              <a:xfrm>
-                <a:off x="554012" y="1391295"/>
-                <a:ext cx="455446" cy="317587"/>
-              </a:xfrm>
-              <a:prstGeom prst="rect">
-                <a:avLst/>
-              </a:prstGeom>
-              <a:noFill/>
-            </p:spPr>
-            <p:txBody>
-              <a:bodyPr wrap="none" rtlCol="0">
-                <a:spAutoFit/>
-              </a:bodyPr>
-              <a:lstStyle/>
-              <a:p>
-                <a:pPr/>
-                <a14:m>
-                  <m:oMathPara xmlns:m="http://schemas.openxmlformats.org/officeDocument/2006/math">
-                    <m:oMathParaPr>
-                      <m:jc m:val="centerGroup"/>
-                    </m:oMathParaPr>
-                    <m:oMath xmlns:m="http://schemas.openxmlformats.org/officeDocument/2006/math">
-                      <m:sSubSup>
-                        <m:sSubSupPr>
-                          <m:ctrlPr>
-                            <a:rPr lang="en-GB" sz="1100" i="1" dirty="0" smtClean="0">
-                              <a:latin typeface="Cambria Math" panose="02040503050406030204" pitchFamily="18" charset="0"/>
-                            </a:rPr>
-                          </m:ctrlPr>
-                        </m:sSubSupPr>
-                        <m:e>
-                          <m:r>
-                            <a:rPr lang="en-GB" sz="1100" b="0" i="1" dirty="0" smtClean="0">
-                              <a:latin typeface="Cambria Math" panose="02040503050406030204" pitchFamily="18" charset="0"/>
-                            </a:rPr>
-                            <m:t>𝜃</m:t>
-                          </m:r>
-                        </m:e>
-                        <m:sub>
-                          <m:r>
-                            <a:rPr lang="en-GB" sz="1100" b="0" i="1" dirty="0" smtClean="0">
-                              <a:latin typeface="Cambria Math" panose="02040503050406030204" pitchFamily="18" charset="0"/>
-                            </a:rPr>
-                            <m:t>3,0</m:t>
-                          </m:r>
-                        </m:sub>
-                        <m:sup>
-                          <m:r>
-                            <a:rPr lang="en-GB" sz="1100" b="0" i="1" dirty="0" smtClean="0">
-                              <a:latin typeface="Cambria Math" panose="02040503050406030204" pitchFamily="18" charset="0"/>
-                            </a:rPr>
-                            <m:t>(1)</m:t>
-                          </m:r>
-                        </m:sup>
-                      </m:sSubSup>
-                    </m:oMath>
-                  </m:oMathPara>
-                </a14:m>
-                <a:endParaRPr lang="en-GB" sz="1100" dirty="0"/>
-              </a:p>
-            </p:txBody>
-          </p:sp>
-        </mc:Choice>
-        <mc:Fallback>
-          <p:sp>
-            <p:nvSpPr>
-              <p:cNvPr id="59" name="TextBox 58">
-                <a:extLst>
-                  <a:ext uri="{FF2B5EF4-FFF2-40B4-BE49-F238E27FC236}">
-                    <a16:creationId xmlns:a16="http://schemas.microsoft.com/office/drawing/2014/main" id="{90761DA1-F6CA-4B3D-86AA-E1DD1AEE7FF0}"/>
-                  </a:ext>
-                </a:extLst>
-              </p:cNvPr>
-              <p:cNvSpPr txBox="1">
-                <a:spLocks noRot="1" noChangeAspect="1" noMove="1" noResize="1" noEditPoints="1" noAdjustHandles="1" noChangeArrowheads="1" noChangeShapeType="1" noTextEdit="1"/>
-              </p:cNvSpPr>
-              <p:nvPr/>
-            </p:nvSpPr>
-            <p:spPr>
-              <a:xfrm>
-                <a:off x="554012" y="1391295"/>
-                <a:ext cx="455446" cy="317587"/>
-              </a:xfrm>
-              <a:prstGeom prst="rect">
-                <a:avLst/>
-              </a:prstGeom>
-              <a:blipFill>
-                <a:blip r:embed="rId27"/>
-                <a:stretch>
-                  <a:fillRect/>
-                </a:stretch>
-              </a:blipFill>
-            </p:spPr>
-            <p:txBody>
-              <a:bodyPr/>
-              <a:lstStyle/>
-              <a:p>
-                <a:r>
-                  <a:rPr lang="en-GB">
-                    <a:noFill/>
-                  </a:rPr>
-                  <a:t> </a:t>
-                </a:r>
-              </a:p>
-            </p:txBody>
-          </p:sp>
-        </mc:Fallback>
-      </mc:AlternateContent>
-      <mc:AlternateContent xmlns:mc="http://schemas.openxmlformats.org/markup-compatibility/2006">
-        <mc:Choice xmlns:a14="http://schemas.microsoft.com/office/drawing/2010/main" Requires="a14">
-          <p:sp>
-            <p:nvSpPr>
-              <p:cNvPr id="48" name="TextBox 47">
-                <a:extLst>
-                  <a:ext uri="{FF2B5EF4-FFF2-40B4-BE49-F238E27FC236}">
-                    <a16:creationId xmlns:a16="http://schemas.microsoft.com/office/drawing/2014/main" id="{6DF859CC-4430-4583-AFB6-8EC12236DE9C}"/>
-                  </a:ext>
-                </a:extLst>
-              </p:cNvPr>
-              <p:cNvSpPr txBox="1"/>
-              <p:nvPr/>
-            </p:nvSpPr>
-            <p:spPr>
-              <a:xfrm>
-                <a:off x="6976160" y="2939863"/>
-                <a:ext cx="4849404" cy="444930"/>
-              </a:xfrm>
-              <a:prstGeom prst="rect">
-                <a:avLst/>
-              </a:prstGeom>
-              <a:noFill/>
-            </p:spPr>
-            <p:txBody>
-              <a:bodyPr wrap="none" rtlCol="0">
-                <a:spAutoFit/>
-              </a:bodyPr>
-              <a:lstStyle/>
-              <a:p>
-                <a:pPr/>
-                <a14:m>
-                  <m:oMathPara xmlns:m="http://schemas.openxmlformats.org/officeDocument/2006/math">
-                    <m:oMathParaPr>
-                      <m:jc m:val="centerGroup"/>
-                    </m:oMathParaPr>
-                    <m:oMath xmlns:m="http://schemas.openxmlformats.org/officeDocument/2006/math">
-                      <m:sSubSup>
-                        <m:sSubSupPr>
-                          <m:ctrlPr>
-                            <a:rPr lang="en-GB" i="1" smtClean="0">
-                              <a:latin typeface="Cambria Math" panose="02040503050406030204" pitchFamily="18" charset="0"/>
-                            </a:rPr>
-                          </m:ctrlPr>
-                        </m:sSubSupPr>
-                        <m:e>
-                          <m:r>
-                            <a:rPr lang="en-GB" b="0" i="1" smtClean="0">
-                              <a:latin typeface="Cambria Math" panose="02040503050406030204" pitchFamily="18" charset="0"/>
-                            </a:rPr>
-                            <m:t>𝑧</m:t>
-                          </m:r>
-                        </m:e>
-                        <m:sub>
-                          <m:r>
-                            <a:rPr lang="en-GB" b="0" i="1" smtClean="0">
-                              <a:latin typeface="Cambria Math" panose="02040503050406030204" pitchFamily="18" charset="0"/>
-                            </a:rPr>
-                            <m:t>𝑖</m:t>
-                          </m:r>
-                        </m:sub>
-                        <m:sup>
-                          <m:r>
-                            <a:rPr lang="en-GB" b="0" i="1" smtClean="0">
-                              <a:latin typeface="Cambria Math" panose="02040503050406030204" pitchFamily="18" charset="0"/>
-                            </a:rPr>
-                            <m:t>(</m:t>
-                          </m:r>
-                          <m:r>
-                            <a:rPr lang="en-GB" b="0" i="1" smtClean="0">
-                              <a:latin typeface="Cambria Math" panose="02040503050406030204" pitchFamily="18" charset="0"/>
-                            </a:rPr>
-                            <m:t>𝑙</m:t>
-                          </m:r>
-                          <m:r>
-                            <a:rPr lang="en-GB" b="0" i="1" smtClean="0">
-                              <a:latin typeface="Cambria Math" panose="02040503050406030204" pitchFamily="18" charset="0"/>
-                            </a:rPr>
-                            <m:t>)</m:t>
-                          </m:r>
-                        </m:sup>
-                      </m:sSubSup>
-                      <m:r>
-                        <a:rPr lang="en-GB" b="0" i="1" smtClean="0">
-                          <a:latin typeface="Cambria Math" panose="02040503050406030204" pitchFamily="18" charset="0"/>
-                        </a:rPr>
-                        <m:t>=</m:t>
-                      </m:r>
-                      <m:r>
-                        <a:rPr lang="en-GB" b="0" i="1" smtClean="0">
-                          <a:latin typeface="Cambria Math" panose="02040503050406030204" pitchFamily="18" charset="0"/>
-                        </a:rPr>
-                        <m:t>𝑘𝑜𝑚𝑏𝑖𝑛𝑎𝑠𝑖</m:t>
-                      </m:r>
-                      <m:r>
-                        <a:rPr lang="en-GB" b="0" i="1" smtClean="0">
-                          <a:latin typeface="Cambria Math" panose="02040503050406030204" pitchFamily="18" charset="0"/>
-                        </a:rPr>
-                        <m:t> </m:t>
-                      </m:r>
-                      <m:r>
-                        <a:rPr lang="en-GB" b="0" i="1" smtClean="0">
-                          <a:latin typeface="Cambria Math" panose="02040503050406030204" pitchFamily="18" charset="0"/>
-                        </a:rPr>
-                        <m:t>𝑙𝑖𝑛𝑒𝑎𝑟</m:t>
-                      </m:r>
-                      <m:r>
-                        <a:rPr lang="en-GB" b="0" i="1" smtClean="0">
-                          <a:latin typeface="Cambria Math" panose="02040503050406030204" pitchFamily="18" charset="0"/>
-                        </a:rPr>
-                        <m:t> </m:t>
-                      </m:r>
-                      <m:r>
-                        <a:rPr lang="en-GB" b="0" i="1" smtClean="0">
-                          <a:latin typeface="Cambria Math" panose="02040503050406030204" pitchFamily="18" charset="0"/>
-                        </a:rPr>
-                        <m:t>𝑑𝑎𝑟𝑖</m:t>
-                      </m:r>
-                      <m:r>
-                        <a:rPr lang="en-GB" b="0" i="1" smtClean="0">
-                          <a:latin typeface="Cambria Math" panose="02040503050406030204" pitchFamily="18" charset="0"/>
-                        </a:rPr>
-                        <m:t> </m:t>
-                      </m:r>
-                      <m:sSubSup>
-                        <m:sSubSupPr>
-                          <m:ctrlPr>
-                            <a:rPr lang="en-GB" b="0" i="1" smtClean="0">
-                              <a:latin typeface="Cambria Math" panose="02040503050406030204" pitchFamily="18" charset="0"/>
-                            </a:rPr>
-                          </m:ctrlPr>
-                        </m:sSubSupPr>
-                        <m:e>
-                          <m:r>
-                            <a:rPr lang="en-GB" b="0" i="1" smtClean="0">
-                              <a:latin typeface="Cambria Math" panose="02040503050406030204" pitchFamily="18" charset="0"/>
-                            </a:rPr>
-                            <m:t>𝜃</m:t>
-                          </m:r>
-                        </m:e>
-                        <m:sub>
-                          <m:r>
-                            <a:rPr lang="en-GB" b="0" i="1" smtClean="0">
-                              <a:latin typeface="Cambria Math" panose="02040503050406030204" pitchFamily="18" charset="0"/>
-                            </a:rPr>
-                            <m:t>𝑖</m:t>
-                          </m:r>
-                        </m:sub>
-                        <m:sup>
-                          <m:r>
-                            <a:rPr lang="en-GB" b="0" i="1" smtClean="0">
-                              <a:latin typeface="Cambria Math" panose="02040503050406030204" pitchFamily="18" charset="0"/>
-                            </a:rPr>
-                            <m:t>(</m:t>
-                          </m:r>
-                          <m:r>
-                            <a:rPr lang="en-GB" b="0" i="1" smtClean="0">
-                              <a:latin typeface="Cambria Math" panose="02040503050406030204" pitchFamily="18" charset="0"/>
-                            </a:rPr>
-                            <m:t>𝑙</m:t>
-                          </m:r>
-                          <m:r>
-                            <a:rPr lang="en-GB" b="0" i="1" smtClean="0">
-                              <a:latin typeface="Cambria Math" panose="02040503050406030204" pitchFamily="18" charset="0"/>
-                            </a:rPr>
-                            <m:t>−1)</m:t>
-                          </m:r>
-                        </m:sup>
-                      </m:sSubSup>
-                      <m:r>
-                        <a:rPr lang="en-GB" b="0" i="1" smtClean="0">
-                          <a:latin typeface="Cambria Math" panose="02040503050406030204" pitchFamily="18" charset="0"/>
-                        </a:rPr>
-                        <m:t> </m:t>
-                      </m:r>
-                      <m:r>
-                        <a:rPr lang="en-GB" b="0" i="1" smtClean="0">
-                          <a:latin typeface="Cambria Math" panose="02040503050406030204" pitchFamily="18" charset="0"/>
-                        </a:rPr>
-                        <m:t>𝑑𝑎𝑛</m:t>
-                      </m:r>
-                      <m:r>
-                        <a:rPr lang="en-GB" b="0" i="1" smtClean="0">
-                          <a:latin typeface="Cambria Math" panose="02040503050406030204" pitchFamily="18" charset="0"/>
-                        </a:rPr>
-                        <m:t> </m:t>
-                      </m:r>
-                      <m:sSup>
-                        <m:sSupPr>
-                          <m:ctrlPr>
-                            <a:rPr lang="en-GB" b="0" i="1" smtClean="0">
-                              <a:latin typeface="Cambria Math" panose="02040503050406030204" pitchFamily="18" charset="0"/>
-                            </a:rPr>
-                          </m:ctrlPr>
-                        </m:sSupPr>
-                        <m:e>
-                          <m:r>
-                            <a:rPr lang="en-GB" b="0" i="1" smtClean="0">
-                              <a:latin typeface="Cambria Math" panose="02040503050406030204" pitchFamily="18" charset="0"/>
-                            </a:rPr>
-                            <m:t>𝑎</m:t>
-                          </m:r>
-                        </m:e>
-                        <m:sup>
-                          <m:r>
-                            <a:rPr lang="en-GB" b="0" i="1" smtClean="0">
-                              <a:latin typeface="Cambria Math" panose="02040503050406030204" pitchFamily="18" charset="0"/>
-                            </a:rPr>
-                            <m:t>(</m:t>
-                          </m:r>
-                          <m:r>
-                            <a:rPr lang="en-GB" b="0" i="1" smtClean="0">
-                              <a:latin typeface="Cambria Math" panose="02040503050406030204" pitchFamily="18" charset="0"/>
-                            </a:rPr>
-                            <m:t>𝑙</m:t>
-                          </m:r>
-                          <m:r>
-                            <a:rPr lang="en-GB" b="0" i="1" smtClean="0">
-                              <a:latin typeface="Cambria Math" panose="02040503050406030204" pitchFamily="18" charset="0"/>
-                            </a:rPr>
-                            <m:t>−1)</m:t>
-                          </m:r>
-                        </m:sup>
-                      </m:sSup>
-                    </m:oMath>
-                  </m:oMathPara>
-                </a14:m>
-                <a:endParaRPr lang="en-GB" dirty="0"/>
-              </a:p>
-            </p:txBody>
-          </p:sp>
-        </mc:Choice>
-        <mc:Fallback>
-          <p:sp>
-            <p:nvSpPr>
-              <p:cNvPr id="48" name="TextBox 47">
-                <a:extLst>
-                  <a:ext uri="{FF2B5EF4-FFF2-40B4-BE49-F238E27FC236}">
-                    <a16:creationId xmlns:a16="http://schemas.microsoft.com/office/drawing/2014/main" id="{6DF859CC-4430-4583-AFB6-8EC12236DE9C}"/>
-                  </a:ext>
-                </a:extLst>
-              </p:cNvPr>
-              <p:cNvSpPr txBox="1">
-                <a:spLocks noRot="1" noChangeAspect="1" noMove="1" noResize="1" noEditPoints="1" noAdjustHandles="1" noChangeArrowheads="1" noChangeShapeType="1" noTextEdit="1"/>
-              </p:cNvSpPr>
-              <p:nvPr/>
-            </p:nvSpPr>
-            <p:spPr>
-              <a:xfrm>
-                <a:off x="6976160" y="2939863"/>
-                <a:ext cx="4849404" cy="444930"/>
-              </a:xfrm>
-              <a:prstGeom prst="rect">
-                <a:avLst/>
-              </a:prstGeom>
-              <a:blipFill>
-                <a:blip r:embed="rId28"/>
-                <a:stretch>
-                  <a:fillRect b="-4110"/>
-                </a:stretch>
-              </a:blipFill>
-            </p:spPr>
-            <p:txBody>
-              <a:bodyPr/>
-              <a:lstStyle/>
-              <a:p>
-                <a:r>
-                  <a:rPr lang="en-GB">
-                    <a:noFill/>
-                  </a:rPr>
-                  <a:t> </a:t>
-                </a:r>
-              </a:p>
-            </p:txBody>
-          </p:sp>
-        </mc:Fallback>
-      </mc:AlternateContent>
-      <mc:AlternateContent xmlns:mc="http://schemas.openxmlformats.org/markup-compatibility/2006">
-        <mc:Choice xmlns:a14="http://schemas.microsoft.com/office/drawing/2010/main" Requires="a14">
-          <p:sp>
-            <p:nvSpPr>
-              <p:cNvPr id="3" name="Rectangle 2">
-                <a:extLst>
-                  <a:ext uri="{FF2B5EF4-FFF2-40B4-BE49-F238E27FC236}">
-                    <a16:creationId xmlns:a16="http://schemas.microsoft.com/office/drawing/2014/main" id="{D37F66C4-DFCE-4886-A495-40B7873AD405}"/>
-                  </a:ext>
-                </a:extLst>
-              </p:cNvPr>
-              <p:cNvSpPr/>
-              <p:nvPr/>
-            </p:nvSpPr>
-            <p:spPr>
-              <a:xfrm>
-                <a:off x="7394124" y="3668878"/>
-                <a:ext cx="1150250" cy="441403"/>
-              </a:xfrm>
-              <a:prstGeom prst="rect">
-                <a:avLst/>
-              </a:prstGeom>
-            </p:spPr>
-            <p:txBody>
-              <a:bodyPr wrap="none">
-                <a:spAutoFit/>
-              </a:bodyPr>
-              <a:lstStyle/>
-              <a:p>
-                <a:pPr/>
-                <a14:m>
-                  <m:oMathPara xmlns:m="http://schemas.openxmlformats.org/officeDocument/2006/math">
-                    <m:oMathParaPr>
-                      <m:jc m:val="centerGroup"/>
-                    </m:oMathParaPr>
-                    <m:oMath xmlns:m="http://schemas.openxmlformats.org/officeDocument/2006/math">
-                      <m:r>
-                        <a:rPr lang="en-GB" i="1">
-                          <a:latin typeface="Cambria Math" panose="02040503050406030204" pitchFamily="18" charset="0"/>
-                        </a:rPr>
-                        <m:t>=</m:t>
-                      </m:r>
-                      <m:r>
-                        <a:rPr lang="en-GB" i="1">
-                          <a:latin typeface="Cambria Math" panose="02040503050406030204" pitchFamily="18" charset="0"/>
-                        </a:rPr>
-                        <m:t>𝑔</m:t>
-                      </m:r>
-                      <m:r>
-                        <a:rPr lang="en-GB" i="1">
-                          <a:latin typeface="Cambria Math" panose="02040503050406030204" pitchFamily="18" charset="0"/>
-                        </a:rPr>
-                        <m:t>(</m:t>
-                      </m:r>
-                      <m:sSubSup>
-                        <m:sSubSupPr>
-                          <m:ctrlPr>
-                            <a:rPr lang="en-GB" i="1">
-                              <a:latin typeface="Cambria Math" panose="02040503050406030204" pitchFamily="18" charset="0"/>
-                            </a:rPr>
-                          </m:ctrlPr>
-                        </m:sSubSupPr>
-                        <m:e>
-                          <m:r>
-                            <a:rPr lang="en-GB" i="1">
-                              <a:latin typeface="Cambria Math" panose="02040503050406030204" pitchFamily="18" charset="0"/>
-                            </a:rPr>
-                            <m:t>𝑧</m:t>
-                          </m:r>
-                        </m:e>
-                        <m:sub>
-                          <m:r>
-                            <a:rPr lang="en-GB" i="1">
-                              <a:latin typeface="Cambria Math" panose="02040503050406030204" pitchFamily="18" charset="0"/>
-                            </a:rPr>
-                            <m:t>𝑖</m:t>
-                          </m:r>
-                        </m:sub>
-                        <m:sup>
-                          <m:d>
-                            <m:dPr>
-                              <m:ctrlPr>
-                                <a:rPr lang="en-GB" i="1">
-                                  <a:latin typeface="Cambria Math" panose="02040503050406030204" pitchFamily="18" charset="0"/>
-                                </a:rPr>
-                              </m:ctrlPr>
-                            </m:dPr>
-                            <m:e>
-                              <m:r>
-                                <a:rPr lang="en-GB" i="1">
-                                  <a:latin typeface="Cambria Math" panose="02040503050406030204" pitchFamily="18" charset="0"/>
-                                </a:rPr>
-                                <m:t>𝑙</m:t>
-                              </m:r>
-                            </m:e>
-                          </m:d>
-                        </m:sup>
-                      </m:sSubSup>
-                      <m:r>
-                        <a:rPr lang="en-GB" i="1">
-                          <a:latin typeface="Cambria Math" panose="02040503050406030204" pitchFamily="18" charset="0"/>
-                        </a:rPr>
-                        <m:t>)</m:t>
-                      </m:r>
-                    </m:oMath>
-                  </m:oMathPara>
-                </a14:m>
-                <a:endParaRPr lang="en-GB" dirty="0"/>
-              </a:p>
-            </p:txBody>
-          </p:sp>
-        </mc:Choice>
-        <mc:Fallback>
-          <p:sp>
-            <p:nvSpPr>
-              <p:cNvPr id="3" name="Rectangle 2">
-                <a:extLst>
-                  <a:ext uri="{FF2B5EF4-FFF2-40B4-BE49-F238E27FC236}">
-                    <a16:creationId xmlns:a16="http://schemas.microsoft.com/office/drawing/2014/main" id="{D37F66C4-DFCE-4886-A495-40B7873AD405}"/>
-                  </a:ext>
-                </a:extLst>
-              </p:cNvPr>
-              <p:cNvSpPr>
-                <a:spLocks noRot="1" noChangeAspect="1" noMove="1" noResize="1" noEditPoints="1" noAdjustHandles="1" noChangeArrowheads="1" noChangeShapeType="1" noTextEdit="1"/>
-              </p:cNvSpPr>
-              <p:nvPr/>
-            </p:nvSpPr>
-            <p:spPr>
-              <a:xfrm>
-                <a:off x="7394124" y="3668878"/>
-                <a:ext cx="1150250" cy="441403"/>
-              </a:xfrm>
-              <a:prstGeom prst="rect">
-                <a:avLst/>
-              </a:prstGeom>
-              <a:blipFill>
-                <a:blip r:embed="rId29"/>
-                <a:stretch>
-                  <a:fillRect b="-8333"/>
-                </a:stretch>
-              </a:blipFill>
-            </p:spPr>
-            <p:txBody>
-              <a:bodyPr/>
-              <a:lstStyle/>
-              <a:p>
-                <a:r>
-                  <a:rPr lang="en-GB">
-                    <a:noFill/>
-                  </a:rPr>
-                  <a:t> </a:t>
-                </a:r>
-              </a:p>
-            </p:txBody>
-          </p:sp>
-        </mc:Fallback>
-      </mc:AlternateContent>
-      <mc:AlternateContent xmlns:mc="http://schemas.openxmlformats.org/markup-compatibility/2006">
-        <mc:Choice xmlns:a14="http://schemas.microsoft.com/office/drawing/2010/main" Requires="a14">
-          <p:sp>
-            <p:nvSpPr>
               <p:cNvPr id="61" name="Oval 60">
                 <a:extLst>
                   <a:ext uri="{FF2B5EF4-FFF2-40B4-BE49-F238E27FC236}">
@@ -14883,58 +10392,25 @@
                 <a14:m>
                   <m:oMathPara xmlns:m="http://schemas.openxmlformats.org/officeDocument/2006/math">
                     <m:oMathParaPr>
-                      <m:jc m:val="right"/>
+                      <m:jc m:val="center"/>
                     </m:oMathParaPr>
                     <m:oMath xmlns:m="http://schemas.openxmlformats.org/officeDocument/2006/math">
-                      <m:sSubSup>
-                        <m:sSubSupPr>
-                          <m:ctrlPr>
-                            <a:rPr lang="en-GB" i="1" smtClean="0">
-                              <a:latin typeface="Cambria Math" panose="02040503050406030204" pitchFamily="18" charset="0"/>
-                            </a:rPr>
-                          </m:ctrlPr>
-                        </m:sSubSupPr>
-                        <m:e>
-                          <m:r>
-                            <a:rPr lang="en-GB" b="0" i="1" smtClean="0">
-                              <a:latin typeface="Cambria Math" panose="02040503050406030204" pitchFamily="18" charset="0"/>
-                            </a:rPr>
-                            <m:t>𝑎</m:t>
-                          </m:r>
-                        </m:e>
-                        <m:sub>
-                          <m:r>
-                            <a:rPr lang="en-GB" b="0" i="1" smtClean="0">
-                              <a:latin typeface="Cambria Math" panose="02040503050406030204" pitchFamily="18" charset="0"/>
-                            </a:rPr>
-                            <m:t>1</m:t>
-                          </m:r>
-                        </m:sub>
-                        <m:sup>
-                          <m:r>
-                            <a:rPr lang="en-GB" b="0" i="1" smtClean="0">
-                              <a:latin typeface="Cambria Math" panose="02040503050406030204" pitchFamily="18" charset="0"/>
-                            </a:rPr>
-                            <m:t>(</m:t>
-                          </m:r>
-                          <m:r>
-                            <a:rPr lang="en-GB" b="0" i="1" smtClean="0">
-                              <a:latin typeface="Cambria Math" panose="02040503050406030204" pitchFamily="18" charset="0"/>
-                            </a:rPr>
-                            <m:t>3</m:t>
-                          </m:r>
-                          <m:r>
-                            <a:rPr lang="en-GB" b="0" i="1" smtClean="0">
-                              <a:latin typeface="Cambria Math" panose="02040503050406030204" pitchFamily="18" charset="0"/>
-                            </a:rPr>
-                            <m:t>)</m:t>
-                          </m:r>
-                        </m:sup>
-                      </m:sSubSup>
+                      <m:r>
+                        <a:rPr lang="en-GB" sz="1400" i="1" smtClean="0">
+                          <a:latin typeface="Cambria Math" panose="02040503050406030204" pitchFamily="18" charset="0"/>
+                        </a:rPr>
+                        <m:t>𝑑</m:t>
+                      </m:r>
+                      <m:r>
+                        <a:rPr lang="en-GB" sz="1400" b="0" i="1" smtClean="0">
+                          <a:latin typeface="Cambria Math" panose="02040503050406030204" pitchFamily="18" charset="0"/>
+                        </a:rPr>
+                        <m:t>𝑜𝑔𝑒</m:t>
+                      </m:r>
                     </m:oMath>
                   </m:oMathPara>
                 </a14:m>
-                <a:endParaRPr lang="en-GB" dirty="0"/>
+                <a:endParaRPr lang="en-GB" sz="1400" dirty="0"/>
               </a:p>
             </p:txBody>
           </p:sp>
@@ -14963,9 +10439,9 @@
                 <a:avLst/>
               </a:prstGeom>
               <a:blipFill>
-                <a:blip r:embed="rId30"/>
+                <a:blip r:embed="rId25"/>
                 <a:stretch>
-                  <a:fillRect r="-6061"/>
+                  <a:fillRect/>
                 </a:stretch>
               </a:blipFill>
             </p:spPr>
@@ -14984,54 +10460,8 @@
           </p:sp>
         </mc:Fallback>
       </mc:AlternateContent>
-      <p:cxnSp>
-        <p:nvCxnSpPr>
-          <p:cNvPr id="70" name="Straight Arrow Connector 69">
-            <a:extLst>
-              <a:ext uri="{FF2B5EF4-FFF2-40B4-BE49-F238E27FC236}">
-                <a16:creationId xmlns:a16="http://schemas.microsoft.com/office/drawing/2014/main" id="{D0B85914-238E-4B15-84B5-4F76F33C335E}"/>
-              </a:ext>
-            </a:extLst>
-          </p:cNvPr>
-          <p:cNvCxnSpPr>
-            <a:cxnSpLocks/>
-            <a:stCxn id="61" idx="6"/>
-            <a:endCxn id="12" idx="1"/>
-          </p:cNvCxnSpPr>
-          <p:nvPr/>
-        </p:nvCxnSpPr>
-        <p:spPr>
-          <a:xfrm flipV="1">
-            <a:off x="4213800" y="3291382"/>
-            <a:ext cx="646617" cy="1"/>
-          </a:xfrm>
-          <a:prstGeom prst="straightConnector1">
-            <a:avLst/>
-          </a:prstGeom>
-          <a:ln>
-            <a:solidFill>
-              <a:schemeClr val="tx1"/>
-            </a:solidFill>
-            <a:tailEnd type="triangle"/>
-          </a:ln>
-        </p:spPr>
-        <p:style>
-          <a:lnRef idx="1">
-            <a:schemeClr val="dk1"/>
-          </a:lnRef>
-          <a:fillRef idx="0">
-            <a:schemeClr val="dk1"/>
-          </a:fillRef>
-          <a:effectRef idx="0">
-            <a:schemeClr val="dk1"/>
-          </a:effectRef>
-          <a:fontRef idx="minor">
-            <a:schemeClr val="tx1"/>
-          </a:fontRef>
-        </p:style>
-      </p:cxnSp>
-      <mc:AlternateContent xmlns:mc="http://schemas.openxmlformats.org/markup-compatibility/2006">
-        <mc:Choice xmlns:a14="http://schemas.microsoft.com/office/drawing/2010/main" Requires="a14">
+      <mc:AlternateContent xmlns:mc="http://schemas.openxmlformats.org/markup-compatibility/2006" xmlns:a14="http://schemas.microsoft.com/office/drawing/2010/main">
+        <mc:Choice Requires="a14">
           <p:sp>
             <p:nvSpPr>
               <p:cNvPr id="71" name="Oval 70">
@@ -15101,7 +10531,7 @@
             </p:txBody>
           </p:sp>
         </mc:Choice>
-        <mc:Fallback>
+        <mc:Fallback xmlns="">
           <p:sp>
             <p:nvSpPr>
               <p:cNvPr id="71" name="Oval 70">
@@ -15149,12 +10579,279 @@
           </p:sp>
         </mc:Fallback>
       </mc:AlternateContent>
+      <mc:AlternateContent xmlns:mc="http://schemas.openxmlformats.org/markup-compatibility/2006">
+        <mc:Choice xmlns:a14="http://schemas.microsoft.com/office/drawing/2010/main" Requires="a14">
+          <p:sp>
+            <p:nvSpPr>
+              <p:cNvPr id="78" name="Oval 77">
+                <a:extLst>
+                  <a:ext uri="{FF2B5EF4-FFF2-40B4-BE49-F238E27FC236}">
+                    <a16:creationId xmlns:a16="http://schemas.microsoft.com/office/drawing/2014/main" id="{DF0456B4-E5BD-437D-92A6-36AAB4F0200C}"/>
+                  </a:ext>
+                </a:extLst>
+              </p:cNvPr>
+              <p:cNvSpPr/>
+              <p:nvPr/>
+            </p:nvSpPr>
+            <p:spPr>
+              <a:xfrm>
+                <a:off x="3610675" y="1737501"/>
+                <a:ext cx="595619" cy="602885"/>
+              </a:xfrm>
+              <a:prstGeom prst="ellipse">
+                <a:avLst/>
+              </a:prstGeom>
+            </p:spPr>
+            <p:style>
+              <a:lnRef idx="2">
+                <a:schemeClr val="dk1"/>
+              </a:lnRef>
+              <a:fillRef idx="1">
+                <a:schemeClr val="lt1"/>
+              </a:fillRef>
+              <a:effectRef idx="0">
+                <a:schemeClr val="dk1"/>
+              </a:effectRef>
+              <a:fontRef idx="minor">
+                <a:schemeClr val="dk1"/>
+              </a:fontRef>
+            </p:style>
+            <p:txBody>
+              <a:bodyPr rtlCol="0" anchor="ctr"/>
+              <a:lstStyle/>
+              <a:p>
+                <a:pPr algn="ctr"/>
+                <a14:m>
+                  <m:oMathPara xmlns:m="http://schemas.openxmlformats.org/officeDocument/2006/math">
+                    <m:oMathParaPr>
+                      <m:jc m:val="right"/>
+                    </m:oMathParaPr>
+                    <m:oMath xmlns:m="http://schemas.openxmlformats.org/officeDocument/2006/math">
+                      <m:r>
+                        <a:rPr lang="en-GB" b="0" i="1" smtClean="0">
+                          <a:latin typeface="Cambria Math" panose="02040503050406030204" pitchFamily="18" charset="0"/>
+                        </a:rPr>
+                        <m:t>𝑐𝑎𝑡</m:t>
+                      </m:r>
+                    </m:oMath>
+                  </m:oMathPara>
+                </a14:m>
+                <a:endParaRPr lang="en-GB" dirty="0"/>
+              </a:p>
+            </p:txBody>
+          </p:sp>
+        </mc:Choice>
+        <mc:Fallback>
+          <p:sp>
+            <p:nvSpPr>
+              <p:cNvPr id="78" name="Oval 77">
+                <a:extLst>
+                  <a:ext uri="{FF2B5EF4-FFF2-40B4-BE49-F238E27FC236}">
+                    <a16:creationId xmlns:a16="http://schemas.microsoft.com/office/drawing/2014/main" id="{DF0456B4-E5BD-437D-92A6-36AAB4F0200C}"/>
+                  </a:ext>
+                </a:extLst>
+              </p:cNvPr>
+              <p:cNvSpPr>
+                <a:spLocks noRot="1" noChangeAspect="1" noMove="1" noResize="1" noEditPoints="1" noAdjustHandles="1" noChangeArrowheads="1" noChangeShapeType="1" noTextEdit="1"/>
+              </p:cNvSpPr>
+              <p:nvPr/>
+            </p:nvSpPr>
+            <p:spPr>
+              <a:xfrm>
+                <a:off x="3610675" y="1737501"/>
+                <a:ext cx="595619" cy="602885"/>
+              </a:xfrm>
+              <a:prstGeom prst="ellipse">
+                <a:avLst/>
+              </a:prstGeom>
+              <a:blipFill>
+                <a:blip r:embed="rId32"/>
+                <a:stretch>
+                  <a:fillRect/>
+                </a:stretch>
+              </a:blipFill>
+            </p:spPr>
+            <p:txBody>
+              <a:bodyPr/>
+              <a:lstStyle/>
+              <a:p>
+                <a:r>
+                  <a:rPr lang="en-GB">
+                    <a:noFill/>
+                  </a:rPr>
+                  <a:t> </a:t>
+                </a:r>
+              </a:p>
+            </p:txBody>
+          </p:sp>
+        </mc:Fallback>
+      </mc:AlternateContent>
+      <mc:AlternateContent xmlns:mc="http://schemas.openxmlformats.org/markup-compatibility/2006">
+        <mc:Choice xmlns:a14="http://schemas.microsoft.com/office/drawing/2010/main" Requires="a14">
+          <p:sp>
+            <p:nvSpPr>
+              <p:cNvPr id="80" name="Oval 79">
+                <a:extLst>
+                  <a:ext uri="{FF2B5EF4-FFF2-40B4-BE49-F238E27FC236}">
+                    <a16:creationId xmlns:a16="http://schemas.microsoft.com/office/drawing/2014/main" id="{8A2BFF23-5C8F-42C5-AE98-31AD749689C2}"/>
+                  </a:ext>
+                </a:extLst>
+              </p:cNvPr>
+              <p:cNvSpPr/>
+              <p:nvPr/>
+            </p:nvSpPr>
+            <p:spPr>
+              <a:xfrm>
+                <a:off x="3595932" y="4314420"/>
+                <a:ext cx="595619" cy="602885"/>
+              </a:xfrm>
+              <a:prstGeom prst="ellipse">
+                <a:avLst/>
+              </a:prstGeom>
+            </p:spPr>
+            <p:style>
+              <a:lnRef idx="2">
+                <a:schemeClr val="dk1"/>
+              </a:lnRef>
+              <a:fillRef idx="1">
+                <a:schemeClr val="lt1"/>
+              </a:fillRef>
+              <a:effectRef idx="0">
+                <a:schemeClr val="dk1"/>
+              </a:effectRef>
+              <a:fontRef idx="minor">
+                <a:schemeClr val="dk1"/>
+              </a:fontRef>
+            </p:style>
+            <p:txBody>
+              <a:bodyPr rtlCol="0" anchor="ctr"/>
+              <a:lstStyle/>
+              <a:p>
+                <a:pPr algn="ctr"/>
+                <a14:m>
+                  <m:oMathPara xmlns:m="http://schemas.openxmlformats.org/officeDocument/2006/math">
+                    <m:oMathParaPr>
+                      <m:jc m:val="center"/>
+                    </m:oMathParaPr>
+                    <m:oMath xmlns:m="http://schemas.openxmlformats.org/officeDocument/2006/math">
+                      <m:r>
+                        <a:rPr lang="en-GB" sz="1100" i="1" smtClean="0">
+                          <a:latin typeface="Cambria Math" panose="02040503050406030204" pitchFamily="18" charset="0"/>
+                        </a:rPr>
+                        <m:t>𝑝</m:t>
+                      </m:r>
+                      <m:r>
+                        <a:rPr lang="en-GB" sz="1100" b="0" i="1" smtClean="0">
+                          <a:latin typeface="Cambria Math" panose="02040503050406030204" pitchFamily="18" charset="0"/>
+                        </a:rPr>
+                        <m:t>𝑒𝑟𝑠𝑜𝑛</m:t>
+                      </m:r>
+                    </m:oMath>
+                  </m:oMathPara>
+                </a14:m>
+                <a:endParaRPr lang="en-GB" sz="1100" dirty="0"/>
+              </a:p>
+            </p:txBody>
+          </p:sp>
+        </mc:Choice>
+        <mc:Fallback>
+          <p:sp>
+            <p:nvSpPr>
+              <p:cNvPr id="80" name="Oval 79">
+                <a:extLst>
+                  <a:ext uri="{FF2B5EF4-FFF2-40B4-BE49-F238E27FC236}">
+                    <a16:creationId xmlns:a16="http://schemas.microsoft.com/office/drawing/2014/main" id="{8A2BFF23-5C8F-42C5-AE98-31AD749689C2}"/>
+                  </a:ext>
+                </a:extLst>
+              </p:cNvPr>
+              <p:cNvSpPr>
+                <a:spLocks noRot="1" noChangeAspect="1" noMove="1" noResize="1" noEditPoints="1" noAdjustHandles="1" noChangeArrowheads="1" noChangeShapeType="1" noTextEdit="1"/>
+              </p:cNvSpPr>
+              <p:nvPr/>
+            </p:nvSpPr>
+            <p:spPr>
+              <a:xfrm>
+                <a:off x="3595932" y="4314420"/>
+                <a:ext cx="595619" cy="602885"/>
+              </a:xfrm>
+              <a:prstGeom prst="ellipse">
+                <a:avLst/>
+              </a:prstGeom>
+              <a:blipFill>
+                <a:blip r:embed="rId33"/>
+                <a:stretch>
+                  <a:fillRect/>
+                </a:stretch>
+              </a:blipFill>
+            </p:spPr>
+            <p:txBody>
+              <a:bodyPr/>
+              <a:lstStyle/>
+              <a:p>
+                <a:r>
+                  <a:rPr lang="en-GB">
+                    <a:noFill/>
+                  </a:rPr>
+                  <a:t> </a:t>
+                </a:r>
+              </a:p>
+            </p:txBody>
+          </p:sp>
+        </mc:Fallback>
+      </mc:AlternateContent>
       <p:cxnSp>
         <p:nvCxnSpPr>
-          <p:cNvPr id="73" name="Straight Arrow Connector 72">
+          <p:cNvPr id="89" name="Straight Arrow Connector 88">
             <a:extLst>
               <a:ext uri="{FF2B5EF4-FFF2-40B4-BE49-F238E27FC236}">
-                <a16:creationId xmlns:a16="http://schemas.microsoft.com/office/drawing/2014/main" id="{0FFDA0DD-6788-492B-B432-7F45B047B821}"/>
+                <a16:creationId xmlns:a16="http://schemas.microsoft.com/office/drawing/2014/main" id="{E5384A3E-949A-413B-9912-8A89DCB97072}"/>
+              </a:ext>
+            </a:extLst>
+          </p:cNvPr>
+          <p:cNvCxnSpPr>
+            <a:cxnSpLocks/>
+            <a:stCxn id="71" idx="6"/>
+            <a:endCxn id="78" idx="2"/>
+          </p:cNvCxnSpPr>
+          <p:nvPr/>
+        </p:nvCxnSpPr>
+        <p:spPr>
+          <a:xfrm>
+            <a:off x="2805808" y="1194757"/>
+            <a:ext cx="804867" cy="844187"/>
+          </a:xfrm>
+          <a:prstGeom prst="straightConnector1">
+            <a:avLst/>
+          </a:prstGeom>
+          <a:ln>
+            <a:solidFill>
+              <a:schemeClr val="tx1"/>
+            </a:solidFill>
+            <a:prstDash val="dash"/>
+            <a:tailEnd type="triangle"/>
+          </a:ln>
+        </p:spPr>
+        <p:style>
+          <a:lnRef idx="1">
+            <a:schemeClr val="dk1"/>
+          </a:lnRef>
+          <a:fillRef idx="0">
+            <a:schemeClr val="dk1"/>
+          </a:fillRef>
+          <a:effectRef idx="0">
+            <a:schemeClr val="dk1"/>
+          </a:effectRef>
+          <a:fontRef idx="minor">
+            <a:schemeClr val="tx1"/>
+          </a:fontRef>
+        </p:style>
+      </p:cxnSp>
+      <p:cxnSp>
+        <p:nvCxnSpPr>
+          <p:cNvPr id="90" name="Straight Arrow Connector 89">
+            <a:extLst>
+              <a:ext uri="{FF2B5EF4-FFF2-40B4-BE49-F238E27FC236}">
+                <a16:creationId xmlns:a16="http://schemas.microsoft.com/office/drawing/2014/main" id="{10BFA929-D8E0-46B3-A04C-5CA0B68BA018}"/>
               </a:ext>
             </a:extLst>
           </p:cNvPr>
@@ -15196,3152 +10893,467 @@
           </a:fontRef>
         </p:style>
       </p:cxnSp>
-      <mc:AlternateContent xmlns:mc="http://schemas.openxmlformats.org/markup-compatibility/2006">
-        <mc:Choice xmlns:a14="http://schemas.microsoft.com/office/drawing/2010/main" Requires="a14">
-          <p:sp>
-            <p:nvSpPr>
-              <p:cNvPr id="74" name="TextBox 73">
-                <a:extLst>
-                  <a:ext uri="{FF2B5EF4-FFF2-40B4-BE49-F238E27FC236}">
-                    <a16:creationId xmlns:a16="http://schemas.microsoft.com/office/drawing/2014/main" id="{DAD2FFA8-1CB4-44EE-9D2D-729048A65952}"/>
-                  </a:ext>
-                </a:extLst>
-              </p:cNvPr>
-              <p:cNvSpPr txBox="1"/>
-              <p:nvPr/>
-            </p:nvSpPr>
-            <p:spPr>
-              <a:xfrm>
-                <a:off x="1072490" y="1183598"/>
-                <a:ext cx="455446" cy="317587"/>
-              </a:xfrm>
-              <a:prstGeom prst="rect">
-                <a:avLst/>
-              </a:prstGeom>
-              <a:noFill/>
-            </p:spPr>
-            <p:txBody>
-              <a:bodyPr wrap="none" rtlCol="0">
-                <a:spAutoFit/>
-              </a:bodyPr>
-              <a:lstStyle/>
-              <a:p>
-                <a:pPr/>
-                <a14:m>
-                  <m:oMathPara xmlns:m="http://schemas.openxmlformats.org/officeDocument/2006/math">
-                    <m:oMathParaPr>
-                      <m:jc m:val="centerGroup"/>
-                    </m:oMathParaPr>
-                    <m:oMath xmlns:m="http://schemas.openxmlformats.org/officeDocument/2006/math">
-                      <m:sSubSup>
-                        <m:sSubSupPr>
-                          <m:ctrlPr>
-                            <a:rPr lang="en-GB" sz="1100" i="1" dirty="0" smtClean="0">
-                              <a:latin typeface="Cambria Math" panose="02040503050406030204" pitchFamily="18" charset="0"/>
-                            </a:rPr>
-                          </m:ctrlPr>
-                        </m:sSubSupPr>
-                        <m:e>
-                          <m:r>
-                            <a:rPr lang="en-GB" sz="1100" b="0" i="1" dirty="0" smtClean="0">
-                              <a:latin typeface="Cambria Math" panose="02040503050406030204" pitchFamily="18" charset="0"/>
-                            </a:rPr>
-                            <m:t>𝜃</m:t>
-                          </m:r>
-                        </m:e>
-                        <m:sub>
-                          <m:r>
-                            <a:rPr lang="en-GB" sz="1100" b="0" i="1" dirty="0" smtClean="0">
-                              <a:latin typeface="Cambria Math" panose="02040503050406030204" pitchFamily="18" charset="0"/>
-                            </a:rPr>
-                            <m:t>1,0</m:t>
-                          </m:r>
-                        </m:sub>
-                        <m:sup>
-                          <m:r>
-                            <a:rPr lang="en-GB" sz="1100" b="0" i="1" dirty="0" smtClean="0">
-                              <a:latin typeface="Cambria Math" panose="02040503050406030204" pitchFamily="18" charset="0"/>
-                            </a:rPr>
-                            <m:t>(1)</m:t>
-                          </m:r>
-                        </m:sup>
-                      </m:sSubSup>
-                    </m:oMath>
-                  </m:oMathPara>
-                </a14:m>
-                <a:endParaRPr lang="en-GB" sz="1100" dirty="0"/>
-              </a:p>
-            </p:txBody>
-          </p:sp>
-        </mc:Choice>
-        <mc:Fallback>
-          <p:sp>
-            <p:nvSpPr>
-              <p:cNvPr id="74" name="TextBox 73">
-                <a:extLst>
-                  <a:ext uri="{FF2B5EF4-FFF2-40B4-BE49-F238E27FC236}">
-                    <a16:creationId xmlns:a16="http://schemas.microsoft.com/office/drawing/2014/main" id="{DAD2FFA8-1CB4-44EE-9D2D-729048A65952}"/>
-                  </a:ext>
-                </a:extLst>
-              </p:cNvPr>
-              <p:cNvSpPr txBox="1">
-                <a:spLocks noRot="1" noChangeAspect="1" noMove="1" noResize="1" noEditPoints="1" noAdjustHandles="1" noChangeArrowheads="1" noChangeShapeType="1" noTextEdit="1"/>
-              </p:cNvSpPr>
-              <p:nvPr/>
-            </p:nvSpPr>
-            <p:spPr>
-              <a:xfrm>
-                <a:off x="1072490" y="1183598"/>
-                <a:ext cx="455446" cy="317587"/>
-              </a:xfrm>
-              <a:prstGeom prst="rect">
-                <a:avLst/>
-              </a:prstGeom>
-              <a:blipFill>
-                <a:blip r:embed="rId25"/>
-                <a:stretch>
-                  <a:fillRect/>
-                </a:stretch>
-              </a:blipFill>
-            </p:spPr>
-            <p:txBody>
-              <a:bodyPr/>
-              <a:lstStyle/>
-              <a:p>
-                <a:r>
-                  <a:rPr lang="en-GB">
-                    <a:noFill/>
-                  </a:rPr>
-                  <a:t> </a:t>
-                </a:r>
-              </a:p>
-            </p:txBody>
-          </p:sp>
-        </mc:Fallback>
-      </mc:AlternateContent>
-      <mc:AlternateContent xmlns:mc="http://schemas.openxmlformats.org/markup-compatibility/2006">
-        <mc:Choice xmlns:a14="http://schemas.microsoft.com/office/drawing/2010/main" Requires="a14">
-          <p:sp>
-            <p:nvSpPr>
-              <p:cNvPr id="75" name="TextBox 74">
-                <a:extLst>
-                  <a:ext uri="{FF2B5EF4-FFF2-40B4-BE49-F238E27FC236}">
-                    <a16:creationId xmlns:a16="http://schemas.microsoft.com/office/drawing/2014/main" id="{E764DFA5-A00B-4D02-8F4D-368BFB1A917A}"/>
-                  </a:ext>
-                </a:extLst>
-              </p:cNvPr>
-              <p:cNvSpPr txBox="1"/>
-              <p:nvPr/>
-            </p:nvSpPr>
-            <p:spPr>
-              <a:xfrm>
-                <a:off x="2670516" y="2257907"/>
-                <a:ext cx="455446" cy="317587"/>
-              </a:xfrm>
-              <a:prstGeom prst="rect">
-                <a:avLst/>
-              </a:prstGeom>
-              <a:noFill/>
-            </p:spPr>
-            <p:txBody>
-              <a:bodyPr wrap="none" rtlCol="0">
-                <a:spAutoFit/>
-              </a:bodyPr>
-              <a:lstStyle/>
-              <a:p>
-                <a:pPr/>
-                <a14:m>
-                  <m:oMathPara xmlns:m="http://schemas.openxmlformats.org/officeDocument/2006/math">
-                    <m:oMathParaPr>
-                      <m:jc m:val="centerGroup"/>
-                    </m:oMathParaPr>
-                    <m:oMath xmlns:m="http://schemas.openxmlformats.org/officeDocument/2006/math">
-                      <m:sSubSup>
-                        <m:sSubSupPr>
-                          <m:ctrlPr>
-                            <a:rPr lang="en-GB" sz="1100" i="1" dirty="0" smtClean="0">
-                              <a:latin typeface="Cambria Math" panose="02040503050406030204" pitchFamily="18" charset="0"/>
-                            </a:rPr>
-                          </m:ctrlPr>
-                        </m:sSubSupPr>
-                        <m:e>
-                          <m:r>
-                            <a:rPr lang="en-GB" sz="1100" b="0" i="1" dirty="0" smtClean="0">
-                              <a:latin typeface="Cambria Math" panose="02040503050406030204" pitchFamily="18" charset="0"/>
-                            </a:rPr>
-                            <m:t>𝜃</m:t>
-                          </m:r>
-                        </m:e>
-                        <m:sub>
-                          <m:r>
-                            <a:rPr lang="en-GB" sz="1100" b="0" i="1" dirty="0" smtClean="0">
-                              <a:latin typeface="Cambria Math" panose="02040503050406030204" pitchFamily="18" charset="0"/>
-                            </a:rPr>
-                            <m:t>1</m:t>
-                          </m:r>
-                          <m:r>
-                            <a:rPr lang="en-GB" sz="1100" b="0" i="1" dirty="0" smtClean="0">
-                              <a:latin typeface="Cambria Math" panose="02040503050406030204" pitchFamily="18" charset="0"/>
-                            </a:rPr>
-                            <m:t>,</m:t>
-                          </m:r>
-                          <m:r>
-                            <a:rPr lang="en-GB" sz="1100" b="0" i="1" dirty="0" smtClean="0">
-                              <a:latin typeface="Cambria Math" panose="02040503050406030204" pitchFamily="18" charset="0"/>
-                            </a:rPr>
-                            <m:t>1</m:t>
-                          </m:r>
-                        </m:sub>
-                        <m:sup>
-                          <m:r>
-                            <a:rPr lang="en-GB" sz="1100" b="0" i="1" dirty="0" smtClean="0">
-                              <a:latin typeface="Cambria Math" panose="02040503050406030204" pitchFamily="18" charset="0"/>
-                            </a:rPr>
-                            <m:t>(</m:t>
-                          </m:r>
-                          <m:r>
-                            <a:rPr lang="en-GB" sz="1100" b="0" i="1" dirty="0" smtClean="0">
-                              <a:latin typeface="Cambria Math" panose="02040503050406030204" pitchFamily="18" charset="0"/>
-                            </a:rPr>
-                            <m:t>2</m:t>
-                          </m:r>
-                          <m:r>
-                            <a:rPr lang="en-GB" sz="1100" b="0" i="1" dirty="0" smtClean="0">
-                              <a:latin typeface="Cambria Math" panose="02040503050406030204" pitchFamily="18" charset="0"/>
-                            </a:rPr>
-                            <m:t>)</m:t>
-                          </m:r>
-                        </m:sup>
-                      </m:sSubSup>
-                    </m:oMath>
-                  </m:oMathPara>
-                </a14:m>
-                <a:endParaRPr lang="en-GB" sz="1100" dirty="0"/>
-              </a:p>
-            </p:txBody>
-          </p:sp>
-        </mc:Choice>
-        <mc:Fallback>
-          <p:sp>
-            <p:nvSpPr>
-              <p:cNvPr id="75" name="TextBox 74">
-                <a:extLst>
-                  <a:ext uri="{FF2B5EF4-FFF2-40B4-BE49-F238E27FC236}">
-                    <a16:creationId xmlns:a16="http://schemas.microsoft.com/office/drawing/2014/main" id="{E764DFA5-A00B-4D02-8F4D-368BFB1A917A}"/>
-                  </a:ext>
-                </a:extLst>
-              </p:cNvPr>
-              <p:cNvSpPr txBox="1">
-                <a:spLocks noRot="1" noChangeAspect="1" noMove="1" noResize="1" noEditPoints="1" noAdjustHandles="1" noChangeArrowheads="1" noChangeShapeType="1" noTextEdit="1"/>
-              </p:cNvSpPr>
-              <p:nvPr/>
-            </p:nvSpPr>
-            <p:spPr>
-              <a:xfrm>
-                <a:off x="2670516" y="2257907"/>
-                <a:ext cx="455446" cy="317587"/>
-              </a:xfrm>
-              <a:prstGeom prst="rect">
-                <a:avLst/>
-              </a:prstGeom>
-              <a:blipFill>
-                <a:blip r:embed="rId32"/>
-                <a:stretch>
-                  <a:fillRect/>
-                </a:stretch>
-              </a:blipFill>
-            </p:spPr>
-            <p:txBody>
-              <a:bodyPr/>
-              <a:lstStyle/>
-              <a:p>
-                <a:r>
-                  <a:rPr lang="en-GB">
-                    <a:noFill/>
-                  </a:rPr>
-                  <a:t> </a:t>
-                </a:r>
-              </a:p>
-            </p:txBody>
-          </p:sp>
-        </mc:Fallback>
-      </mc:AlternateContent>
-      <mc:AlternateContent xmlns:mc="http://schemas.openxmlformats.org/markup-compatibility/2006">
-        <mc:Choice xmlns:a14="http://schemas.microsoft.com/office/drawing/2010/main" Requires="a14">
-          <p:sp>
-            <p:nvSpPr>
-              <p:cNvPr id="76" name="TextBox 75">
-                <a:extLst>
-                  <a:ext uri="{FF2B5EF4-FFF2-40B4-BE49-F238E27FC236}">
-                    <a16:creationId xmlns:a16="http://schemas.microsoft.com/office/drawing/2014/main" id="{FB3937E3-F01B-4C03-B9D4-781243EC2D26}"/>
-                  </a:ext>
-                </a:extLst>
-              </p:cNvPr>
-              <p:cNvSpPr txBox="1"/>
-              <p:nvPr/>
-            </p:nvSpPr>
-            <p:spPr>
-              <a:xfrm>
-                <a:off x="2755602" y="3249019"/>
-                <a:ext cx="455446" cy="317587"/>
-              </a:xfrm>
-              <a:prstGeom prst="rect">
-                <a:avLst/>
-              </a:prstGeom>
-              <a:noFill/>
-            </p:spPr>
-            <p:txBody>
-              <a:bodyPr wrap="none" rtlCol="0">
-                <a:spAutoFit/>
-              </a:bodyPr>
-              <a:lstStyle/>
-              <a:p>
-                <a:pPr/>
-                <a14:m>
-                  <m:oMathPara xmlns:m="http://schemas.openxmlformats.org/officeDocument/2006/math">
-                    <m:oMathParaPr>
-                      <m:jc m:val="centerGroup"/>
-                    </m:oMathParaPr>
-                    <m:oMath xmlns:m="http://schemas.openxmlformats.org/officeDocument/2006/math">
-                      <m:sSubSup>
-                        <m:sSubSupPr>
-                          <m:ctrlPr>
-                            <a:rPr lang="en-GB" sz="1100" i="1" dirty="0" smtClean="0">
-                              <a:latin typeface="Cambria Math" panose="02040503050406030204" pitchFamily="18" charset="0"/>
-                            </a:rPr>
-                          </m:ctrlPr>
-                        </m:sSubSupPr>
-                        <m:e>
-                          <m:r>
-                            <a:rPr lang="en-GB" sz="1100" b="0" i="1" dirty="0" smtClean="0">
-                              <a:latin typeface="Cambria Math" panose="02040503050406030204" pitchFamily="18" charset="0"/>
-                            </a:rPr>
-                            <m:t>𝜃</m:t>
-                          </m:r>
-                        </m:e>
-                        <m:sub>
-                          <m:r>
-                            <a:rPr lang="en-GB" sz="1100" b="0" i="1" dirty="0" smtClean="0">
-                              <a:latin typeface="Cambria Math" panose="02040503050406030204" pitchFamily="18" charset="0"/>
-                            </a:rPr>
-                            <m:t>1</m:t>
-                          </m:r>
-                          <m:r>
-                            <a:rPr lang="en-GB" sz="1100" b="0" i="1" dirty="0" smtClean="0">
-                              <a:latin typeface="Cambria Math" panose="02040503050406030204" pitchFamily="18" charset="0"/>
-                            </a:rPr>
-                            <m:t>,</m:t>
-                          </m:r>
-                          <m:r>
-                            <a:rPr lang="en-GB" sz="1100" b="0" i="1" dirty="0" smtClean="0">
-                              <a:latin typeface="Cambria Math" panose="02040503050406030204" pitchFamily="18" charset="0"/>
-                            </a:rPr>
-                            <m:t>2</m:t>
-                          </m:r>
-                        </m:sub>
-                        <m:sup>
-                          <m:r>
-                            <a:rPr lang="en-GB" sz="1100" b="0" i="1" dirty="0" smtClean="0">
-                              <a:latin typeface="Cambria Math" panose="02040503050406030204" pitchFamily="18" charset="0"/>
-                            </a:rPr>
-                            <m:t>(</m:t>
-                          </m:r>
-                          <m:r>
-                            <a:rPr lang="en-GB" sz="1100" b="0" i="1" dirty="0" smtClean="0">
-                              <a:latin typeface="Cambria Math" panose="02040503050406030204" pitchFamily="18" charset="0"/>
-                            </a:rPr>
-                            <m:t>2</m:t>
-                          </m:r>
-                          <m:r>
-                            <a:rPr lang="en-GB" sz="1100" b="0" i="1" dirty="0" smtClean="0">
-                              <a:latin typeface="Cambria Math" panose="02040503050406030204" pitchFamily="18" charset="0"/>
-                            </a:rPr>
-                            <m:t>)</m:t>
-                          </m:r>
-                        </m:sup>
-                      </m:sSubSup>
-                    </m:oMath>
-                  </m:oMathPara>
-                </a14:m>
-                <a:endParaRPr lang="en-GB" sz="1100" dirty="0"/>
-              </a:p>
-            </p:txBody>
-          </p:sp>
-        </mc:Choice>
-        <mc:Fallback>
-          <p:sp>
-            <p:nvSpPr>
-              <p:cNvPr id="76" name="TextBox 75">
-                <a:extLst>
-                  <a:ext uri="{FF2B5EF4-FFF2-40B4-BE49-F238E27FC236}">
-                    <a16:creationId xmlns:a16="http://schemas.microsoft.com/office/drawing/2014/main" id="{FB3937E3-F01B-4C03-B9D4-781243EC2D26}"/>
-                  </a:ext>
-                </a:extLst>
-              </p:cNvPr>
-              <p:cNvSpPr txBox="1">
-                <a:spLocks noRot="1" noChangeAspect="1" noMove="1" noResize="1" noEditPoints="1" noAdjustHandles="1" noChangeArrowheads="1" noChangeShapeType="1" noTextEdit="1"/>
-              </p:cNvSpPr>
-              <p:nvPr/>
-            </p:nvSpPr>
-            <p:spPr>
-              <a:xfrm>
-                <a:off x="2755602" y="3249019"/>
-                <a:ext cx="455446" cy="317587"/>
-              </a:xfrm>
-              <a:prstGeom prst="rect">
-                <a:avLst/>
-              </a:prstGeom>
-              <a:blipFill>
-                <a:blip r:embed="rId33"/>
-                <a:stretch>
-                  <a:fillRect/>
-                </a:stretch>
-              </a:blipFill>
-            </p:spPr>
-            <p:txBody>
-              <a:bodyPr/>
-              <a:lstStyle/>
-              <a:p>
-                <a:r>
-                  <a:rPr lang="en-GB">
-                    <a:noFill/>
-                  </a:rPr>
-                  <a:t> </a:t>
-                </a:r>
-              </a:p>
-            </p:txBody>
-          </p:sp>
-        </mc:Fallback>
-      </mc:AlternateContent>
-      <mc:AlternateContent xmlns:mc="http://schemas.openxmlformats.org/markup-compatibility/2006">
-        <mc:Choice xmlns:a14="http://schemas.microsoft.com/office/drawing/2010/main" Requires="a14">
-          <p:sp>
-            <p:nvSpPr>
-              <p:cNvPr id="77" name="TextBox 76">
-                <a:extLst>
-                  <a:ext uri="{FF2B5EF4-FFF2-40B4-BE49-F238E27FC236}">
-                    <a16:creationId xmlns:a16="http://schemas.microsoft.com/office/drawing/2014/main" id="{05A03B9E-F5E1-4035-89FC-D712925CE2BE}"/>
-                  </a:ext>
-                </a:extLst>
-              </p:cNvPr>
-              <p:cNvSpPr txBox="1"/>
-              <p:nvPr/>
-            </p:nvSpPr>
-            <p:spPr>
-              <a:xfrm>
-                <a:off x="2805808" y="4371785"/>
-                <a:ext cx="455446" cy="317587"/>
-              </a:xfrm>
-              <a:prstGeom prst="rect">
-                <a:avLst/>
-              </a:prstGeom>
-              <a:noFill/>
-            </p:spPr>
-            <p:txBody>
-              <a:bodyPr wrap="none" rtlCol="0">
-                <a:spAutoFit/>
-              </a:bodyPr>
-              <a:lstStyle/>
-              <a:p>
-                <a:pPr/>
-                <a14:m>
-                  <m:oMathPara xmlns:m="http://schemas.openxmlformats.org/officeDocument/2006/math">
-                    <m:oMathParaPr>
-                      <m:jc m:val="centerGroup"/>
-                    </m:oMathParaPr>
-                    <m:oMath xmlns:m="http://schemas.openxmlformats.org/officeDocument/2006/math">
-                      <m:sSubSup>
-                        <m:sSubSupPr>
-                          <m:ctrlPr>
-                            <a:rPr lang="en-GB" sz="1100" i="1" dirty="0" smtClean="0">
-                              <a:latin typeface="Cambria Math" panose="02040503050406030204" pitchFamily="18" charset="0"/>
-                            </a:rPr>
-                          </m:ctrlPr>
-                        </m:sSubSupPr>
-                        <m:e>
-                          <m:r>
-                            <a:rPr lang="en-GB" sz="1100" b="0" i="1" dirty="0" smtClean="0">
-                              <a:latin typeface="Cambria Math" panose="02040503050406030204" pitchFamily="18" charset="0"/>
-                            </a:rPr>
-                            <m:t>𝜃</m:t>
-                          </m:r>
-                        </m:e>
-                        <m:sub>
-                          <m:r>
-                            <a:rPr lang="en-GB" sz="1100" b="0" i="1" dirty="0" smtClean="0">
-                              <a:latin typeface="Cambria Math" panose="02040503050406030204" pitchFamily="18" charset="0"/>
-                            </a:rPr>
-                            <m:t>1</m:t>
-                          </m:r>
-                          <m:r>
-                            <a:rPr lang="en-GB" sz="1100" b="0" i="1" dirty="0" smtClean="0">
-                              <a:latin typeface="Cambria Math" panose="02040503050406030204" pitchFamily="18" charset="0"/>
-                            </a:rPr>
-                            <m:t>,</m:t>
-                          </m:r>
-                          <m:r>
-                            <a:rPr lang="en-GB" sz="1100" b="0" i="1" dirty="0" smtClean="0">
-                              <a:latin typeface="Cambria Math" panose="02040503050406030204" pitchFamily="18" charset="0"/>
-                            </a:rPr>
-                            <m:t>3</m:t>
-                          </m:r>
-                        </m:sub>
-                        <m:sup>
-                          <m:r>
-                            <a:rPr lang="en-GB" sz="1100" b="0" i="1" dirty="0" smtClean="0">
-                              <a:latin typeface="Cambria Math" panose="02040503050406030204" pitchFamily="18" charset="0"/>
-                            </a:rPr>
-                            <m:t>(</m:t>
-                          </m:r>
-                          <m:r>
-                            <a:rPr lang="en-GB" sz="1100" b="0" i="1" dirty="0" smtClean="0">
-                              <a:latin typeface="Cambria Math" panose="02040503050406030204" pitchFamily="18" charset="0"/>
-                            </a:rPr>
-                            <m:t>2</m:t>
-                          </m:r>
-                          <m:r>
-                            <a:rPr lang="en-GB" sz="1100" b="0" i="1" dirty="0" smtClean="0">
-                              <a:latin typeface="Cambria Math" panose="02040503050406030204" pitchFamily="18" charset="0"/>
-                            </a:rPr>
-                            <m:t>)</m:t>
-                          </m:r>
-                        </m:sup>
-                      </m:sSubSup>
-                    </m:oMath>
-                  </m:oMathPara>
-                </a14:m>
-                <a:endParaRPr lang="en-GB" sz="1100" dirty="0"/>
-              </a:p>
-            </p:txBody>
-          </p:sp>
-        </mc:Choice>
-        <mc:Fallback>
-          <p:sp>
-            <p:nvSpPr>
-              <p:cNvPr id="77" name="TextBox 76">
-                <a:extLst>
-                  <a:ext uri="{FF2B5EF4-FFF2-40B4-BE49-F238E27FC236}">
-                    <a16:creationId xmlns:a16="http://schemas.microsoft.com/office/drawing/2014/main" id="{05A03B9E-F5E1-4035-89FC-D712925CE2BE}"/>
-                  </a:ext>
-                </a:extLst>
-              </p:cNvPr>
-              <p:cNvSpPr txBox="1">
-                <a:spLocks noRot="1" noChangeAspect="1" noMove="1" noResize="1" noEditPoints="1" noAdjustHandles="1" noChangeArrowheads="1" noChangeShapeType="1" noTextEdit="1"/>
-              </p:cNvSpPr>
-              <p:nvPr/>
-            </p:nvSpPr>
-            <p:spPr>
-              <a:xfrm>
-                <a:off x="2805808" y="4371785"/>
-                <a:ext cx="455446" cy="317587"/>
-              </a:xfrm>
-              <a:prstGeom prst="rect">
-                <a:avLst/>
-              </a:prstGeom>
-              <a:blipFill>
-                <a:blip r:embed="rId34"/>
-                <a:stretch>
-                  <a:fillRect/>
-                </a:stretch>
-              </a:blipFill>
-            </p:spPr>
-            <p:txBody>
-              <a:bodyPr/>
-              <a:lstStyle/>
-              <a:p>
-                <a:r>
-                  <a:rPr lang="en-GB">
-                    <a:noFill/>
-                  </a:rPr>
-                  <a:t> </a:t>
-                </a:r>
-              </a:p>
-            </p:txBody>
-          </p:sp>
-        </mc:Fallback>
-      </mc:AlternateContent>
-      <mc:AlternateContent xmlns:mc="http://schemas.openxmlformats.org/markup-compatibility/2006">
-        <mc:Choice xmlns:a14="http://schemas.microsoft.com/office/drawing/2010/main" Requires="a14">
-          <p:sp>
-            <p:nvSpPr>
-              <p:cNvPr id="79" name="TextBox 78">
-                <a:extLst>
-                  <a:ext uri="{FF2B5EF4-FFF2-40B4-BE49-F238E27FC236}">
-                    <a16:creationId xmlns:a16="http://schemas.microsoft.com/office/drawing/2014/main" id="{EADC3B41-04CF-45E6-8E7C-C5AB600D8555}"/>
-                  </a:ext>
-                </a:extLst>
-              </p:cNvPr>
-              <p:cNvSpPr txBox="1"/>
-              <p:nvPr/>
-            </p:nvSpPr>
-            <p:spPr>
-              <a:xfrm>
-                <a:off x="8159241" y="4987855"/>
-                <a:ext cx="1333890" cy="1509901"/>
-              </a:xfrm>
-              <a:prstGeom prst="rect">
-                <a:avLst/>
-              </a:prstGeom>
-              <a:noFill/>
-            </p:spPr>
-            <p:txBody>
-              <a:bodyPr wrap="none" rtlCol="0">
-                <a:spAutoFit/>
-              </a:bodyPr>
-              <a:lstStyle/>
-              <a:p>
-                <a:pPr/>
-                <a14:m>
-                  <m:oMathPara xmlns:m="http://schemas.openxmlformats.org/officeDocument/2006/math">
-                    <m:oMathParaPr>
-                      <m:jc m:val="centerGroup"/>
-                    </m:oMathParaPr>
-                    <m:oMath xmlns:m="http://schemas.openxmlformats.org/officeDocument/2006/math">
-                      <m:sSup>
-                        <m:sSupPr>
-                          <m:ctrlPr>
-                            <a:rPr lang="en-GB" sz="1600" b="0" i="1" smtClean="0">
-                              <a:solidFill>
-                                <a:srgbClr val="00B050"/>
-                              </a:solidFill>
-                              <a:latin typeface="Cambria Math" panose="02040503050406030204" pitchFamily="18" charset="0"/>
-                            </a:rPr>
-                          </m:ctrlPr>
-                        </m:sSupPr>
-                        <m:e>
-                          <m:r>
-                            <a:rPr lang="en-GB" sz="1600" b="0" i="1" smtClean="0">
-                              <a:solidFill>
-                                <a:srgbClr val="00B050"/>
-                              </a:solidFill>
-                              <a:latin typeface="Cambria Math" panose="02040503050406030204" pitchFamily="18" charset="0"/>
-                            </a:rPr>
-                            <m:t>𝜃</m:t>
-                          </m:r>
-                        </m:e>
-                        <m:sup>
-                          <m:r>
-                            <a:rPr lang="en-GB" sz="1600" b="0" i="1" smtClean="0">
-                              <a:solidFill>
-                                <a:srgbClr val="00B050"/>
-                              </a:solidFill>
-                              <a:latin typeface="Cambria Math" panose="02040503050406030204" pitchFamily="18" charset="0"/>
-                            </a:rPr>
-                            <m:t>(</m:t>
-                          </m:r>
-                          <m:r>
-                            <a:rPr lang="en-GB" sz="1600" b="0" i="1" smtClean="0">
-                              <a:solidFill>
-                                <a:srgbClr val="00B050"/>
-                              </a:solidFill>
-                              <a:latin typeface="Cambria Math" panose="02040503050406030204" pitchFamily="18" charset="0"/>
-                            </a:rPr>
-                            <m:t>2</m:t>
-                          </m:r>
-                          <m:r>
-                            <a:rPr lang="en-GB" sz="1600" b="0" i="1" smtClean="0">
-                              <a:solidFill>
-                                <a:srgbClr val="00B050"/>
-                              </a:solidFill>
-                              <a:latin typeface="Cambria Math" panose="02040503050406030204" pitchFamily="18" charset="0"/>
-                            </a:rPr>
-                            <m:t>)</m:t>
-                          </m:r>
-                        </m:sup>
-                      </m:sSup>
-                      <m:r>
-                        <a:rPr lang="en-GB" sz="1600" b="0" i="1" smtClean="0">
-                          <a:solidFill>
-                            <a:srgbClr val="00B050"/>
-                          </a:solidFill>
-                          <a:latin typeface="Cambria Math" panose="02040503050406030204" pitchFamily="18" charset="0"/>
-                        </a:rPr>
-                        <m:t>=</m:t>
-                      </m:r>
-                      <m:d>
-                        <m:dPr>
-                          <m:begChr m:val="["/>
-                          <m:endChr m:val="]"/>
-                          <m:ctrlPr>
-                            <a:rPr lang="en-GB" sz="1600" i="1" smtClean="0">
-                              <a:solidFill>
-                                <a:srgbClr val="00B050"/>
-                              </a:solidFill>
-                              <a:latin typeface="Cambria Math" panose="02040503050406030204" pitchFamily="18" charset="0"/>
-                            </a:rPr>
-                          </m:ctrlPr>
-                        </m:dPr>
-                        <m:e>
-                          <m:m>
-                            <m:mPr>
-                              <m:mcs>
-                                <m:mc>
-                                  <m:mcPr>
-                                    <m:count m:val="1"/>
-                                    <m:mcJc m:val="center"/>
-                                  </m:mcPr>
-                                </m:mc>
-                              </m:mcs>
-                              <m:ctrlPr>
-                                <a:rPr lang="en-GB" sz="1600" i="1" smtClean="0">
-                                  <a:solidFill>
-                                    <a:srgbClr val="00B050"/>
-                                  </a:solidFill>
-                                  <a:latin typeface="Cambria Math" panose="02040503050406030204" pitchFamily="18" charset="0"/>
-                                </a:rPr>
-                              </m:ctrlPr>
-                            </m:mPr>
-                            <m:mr>
-                              <m:e>
-                                <m:sSubSup>
-                                  <m:sSubSupPr>
-                                    <m:ctrlPr>
-                                      <a:rPr lang="en-GB" sz="1600" i="1" dirty="0">
-                                        <a:solidFill>
-                                          <a:srgbClr val="00B050"/>
-                                        </a:solidFill>
-                                        <a:latin typeface="Cambria Math" panose="02040503050406030204" pitchFamily="18" charset="0"/>
-                                      </a:rPr>
-                                    </m:ctrlPr>
-                                  </m:sSubSupPr>
-                                  <m:e>
-                                    <m:r>
-                                      <a:rPr lang="en-GB" sz="1600" i="1" dirty="0">
-                                        <a:solidFill>
-                                          <a:srgbClr val="00B050"/>
-                                        </a:solidFill>
-                                        <a:latin typeface="Cambria Math" panose="02040503050406030204" pitchFamily="18" charset="0"/>
-                                      </a:rPr>
-                                      <m:t>𝜃</m:t>
-                                    </m:r>
-                                  </m:e>
-                                  <m:sub>
-                                    <m:r>
-                                      <a:rPr lang="en-GB" sz="1600" i="1" dirty="0">
-                                        <a:solidFill>
-                                          <a:srgbClr val="00B050"/>
-                                        </a:solidFill>
-                                        <a:latin typeface="Cambria Math" panose="02040503050406030204" pitchFamily="18" charset="0"/>
-                                      </a:rPr>
-                                      <m:t>1,0</m:t>
-                                    </m:r>
-                                  </m:sub>
-                                  <m:sup>
-                                    <m:r>
-                                      <a:rPr lang="en-GB" sz="1600" i="1" dirty="0">
-                                        <a:solidFill>
-                                          <a:srgbClr val="00B050"/>
-                                        </a:solidFill>
-                                        <a:latin typeface="Cambria Math" panose="02040503050406030204" pitchFamily="18" charset="0"/>
-                                      </a:rPr>
-                                      <m:t>(2)</m:t>
-                                    </m:r>
-                                  </m:sup>
-                                </m:sSubSup>
-                              </m:e>
-                            </m:mr>
-                            <m:mr>
-                              <m:e>
-                                <m:sSubSup>
-                                  <m:sSubSupPr>
-                                    <m:ctrlPr>
-                                      <a:rPr lang="en-GB" sz="1600" i="1" dirty="0">
-                                        <a:solidFill>
-                                          <a:srgbClr val="00B050"/>
-                                        </a:solidFill>
-                                        <a:latin typeface="Cambria Math" panose="02040503050406030204" pitchFamily="18" charset="0"/>
-                                      </a:rPr>
-                                    </m:ctrlPr>
-                                  </m:sSubSupPr>
-                                  <m:e>
-                                    <m:r>
-                                      <a:rPr lang="en-GB" sz="1600" i="1" dirty="0">
-                                        <a:solidFill>
-                                          <a:srgbClr val="00B050"/>
-                                        </a:solidFill>
-                                        <a:latin typeface="Cambria Math" panose="02040503050406030204" pitchFamily="18" charset="0"/>
-                                      </a:rPr>
-                                      <m:t>𝜃</m:t>
-                                    </m:r>
-                                  </m:e>
-                                  <m:sub>
-                                    <m:r>
-                                      <a:rPr lang="en-GB" sz="1600" i="1" dirty="0">
-                                        <a:solidFill>
-                                          <a:srgbClr val="00B050"/>
-                                        </a:solidFill>
-                                        <a:latin typeface="Cambria Math" panose="02040503050406030204" pitchFamily="18" charset="0"/>
-                                      </a:rPr>
-                                      <m:t>1,1</m:t>
-                                    </m:r>
-                                  </m:sub>
-                                  <m:sup>
-                                    <m:r>
-                                      <a:rPr lang="en-GB" sz="1600" i="1" dirty="0">
-                                        <a:solidFill>
-                                          <a:srgbClr val="00B050"/>
-                                        </a:solidFill>
-                                        <a:latin typeface="Cambria Math" panose="02040503050406030204" pitchFamily="18" charset="0"/>
-                                      </a:rPr>
-                                      <m:t>(2)</m:t>
-                                    </m:r>
-                                  </m:sup>
-                                </m:sSubSup>
-                              </m:e>
-                            </m:mr>
-                            <m:mr>
-                              <m:e>
-                                <m:m>
-                                  <m:mPr>
-                                    <m:mcs>
-                                      <m:mc>
-                                        <m:mcPr>
-                                          <m:count m:val="1"/>
-                                          <m:mcJc m:val="center"/>
-                                        </m:mcPr>
-                                      </m:mc>
-                                    </m:mcs>
-                                    <m:ctrlPr>
-                                      <a:rPr lang="en-GB" sz="1600" i="1" smtClean="0">
-                                        <a:solidFill>
-                                          <a:srgbClr val="00B050"/>
-                                        </a:solidFill>
-                                        <a:latin typeface="Cambria Math" panose="02040503050406030204" pitchFamily="18" charset="0"/>
-                                      </a:rPr>
-                                    </m:ctrlPr>
-                                  </m:mPr>
-                                  <m:mr>
-                                    <m:e>
-                                      <m:sSubSup>
-                                        <m:sSubSupPr>
-                                          <m:ctrlPr>
-                                            <a:rPr lang="en-GB" sz="1600" i="1" dirty="0">
-                                              <a:solidFill>
-                                                <a:srgbClr val="00B050"/>
-                                              </a:solidFill>
-                                              <a:latin typeface="Cambria Math" panose="02040503050406030204" pitchFamily="18" charset="0"/>
-                                            </a:rPr>
-                                          </m:ctrlPr>
-                                        </m:sSubSupPr>
-                                        <m:e>
-                                          <m:r>
-                                            <a:rPr lang="en-GB" sz="1600" i="1" dirty="0">
-                                              <a:solidFill>
-                                                <a:srgbClr val="00B050"/>
-                                              </a:solidFill>
-                                              <a:latin typeface="Cambria Math" panose="02040503050406030204" pitchFamily="18" charset="0"/>
-                                            </a:rPr>
-                                            <m:t>𝜃</m:t>
-                                          </m:r>
-                                        </m:e>
-                                        <m:sub>
-                                          <m:r>
-                                            <a:rPr lang="en-GB" sz="1600" i="1" dirty="0">
-                                              <a:solidFill>
-                                                <a:srgbClr val="00B050"/>
-                                              </a:solidFill>
-                                              <a:latin typeface="Cambria Math" panose="02040503050406030204" pitchFamily="18" charset="0"/>
-                                            </a:rPr>
-                                            <m:t>1,2</m:t>
-                                          </m:r>
-                                        </m:sub>
-                                        <m:sup>
-                                          <m:r>
-                                            <a:rPr lang="en-GB" sz="1600" i="1" dirty="0">
-                                              <a:solidFill>
-                                                <a:srgbClr val="00B050"/>
-                                              </a:solidFill>
-                                              <a:latin typeface="Cambria Math" panose="02040503050406030204" pitchFamily="18" charset="0"/>
-                                            </a:rPr>
-                                            <m:t>(2)</m:t>
-                                          </m:r>
-                                        </m:sup>
-                                      </m:sSubSup>
-                                    </m:e>
-                                  </m:mr>
-                                  <m:mr>
-                                    <m:e>
-                                      <m:sSubSup>
-                                        <m:sSubSupPr>
-                                          <m:ctrlPr>
-                                            <a:rPr lang="en-GB" sz="1600" i="1" dirty="0">
-                                              <a:solidFill>
-                                                <a:srgbClr val="00B050"/>
-                                              </a:solidFill>
-                                              <a:latin typeface="Cambria Math" panose="02040503050406030204" pitchFamily="18" charset="0"/>
-                                            </a:rPr>
-                                          </m:ctrlPr>
-                                        </m:sSubSupPr>
-                                        <m:e>
-                                          <m:r>
-                                            <a:rPr lang="en-GB" sz="1600" i="1" dirty="0">
-                                              <a:solidFill>
-                                                <a:srgbClr val="00B050"/>
-                                              </a:solidFill>
-                                              <a:latin typeface="Cambria Math" panose="02040503050406030204" pitchFamily="18" charset="0"/>
-                                            </a:rPr>
-                                            <m:t>𝜃</m:t>
-                                          </m:r>
-                                        </m:e>
-                                        <m:sub>
-                                          <m:r>
-                                            <a:rPr lang="en-GB" sz="1600" i="1" dirty="0">
-                                              <a:solidFill>
-                                                <a:srgbClr val="00B050"/>
-                                              </a:solidFill>
-                                              <a:latin typeface="Cambria Math" panose="02040503050406030204" pitchFamily="18" charset="0"/>
-                                            </a:rPr>
-                                            <m:t>1,3</m:t>
-                                          </m:r>
-                                        </m:sub>
-                                        <m:sup>
-                                          <m:r>
-                                            <a:rPr lang="en-GB" sz="1600" i="1" dirty="0">
-                                              <a:solidFill>
-                                                <a:srgbClr val="00B050"/>
-                                              </a:solidFill>
-                                              <a:latin typeface="Cambria Math" panose="02040503050406030204" pitchFamily="18" charset="0"/>
-                                            </a:rPr>
-                                            <m:t>(2)</m:t>
-                                          </m:r>
-                                        </m:sup>
-                                      </m:sSubSup>
-                                    </m:e>
-                                  </m:mr>
-                                </m:m>
-                              </m:e>
-                            </m:mr>
-                          </m:m>
-                        </m:e>
-                      </m:d>
-                    </m:oMath>
-                  </m:oMathPara>
-                </a14:m>
-                <a:endParaRPr lang="en-GB" sz="1600" dirty="0">
-                  <a:solidFill>
-                    <a:srgbClr val="00B050"/>
-                  </a:solidFill>
-                </a:endParaRPr>
-              </a:p>
-            </p:txBody>
-          </p:sp>
-        </mc:Choice>
-        <mc:Fallback>
-          <p:sp>
-            <p:nvSpPr>
-              <p:cNvPr id="79" name="TextBox 78">
-                <a:extLst>
-                  <a:ext uri="{FF2B5EF4-FFF2-40B4-BE49-F238E27FC236}">
-                    <a16:creationId xmlns:a16="http://schemas.microsoft.com/office/drawing/2014/main" id="{EADC3B41-04CF-45E6-8E7C-C5AB600D8555}"/>
-                  </a:ext>
-                </a:extLst>
-              </p:cNvPr>
-              <p:cNvSpPr txBox="1">
-                <a:spLocks noRot="1" noChangeAspect="1" noMove="1" noResize="1" noEditPoints="1" noAdjustHandles="1" noChangeArrowheads="1" noChangeShapeType="1" noTextEdit="1"/>
-              </p:cNvSpPr>
-              <p:nvPr/>
-            </p:nvSpPr>
-            <p:spPr>
-              <a:xfrm>
-                <a:off x="8159241" y="4987855"/>
-                <a:ext cx="1333890" cy="1509901"/>
-              </a:xfrm>
-              <a:prstGeom prst="rect">
-                <a:avLst/>
-              </a:prstGeom>
-              <a:blipFill>
-                <a:blip r:embed="rId35"/>
-                <a:stretch>
-                  <a:fillRect/>
-                </a:stretch>
-              </a:blipFill>
-            </p:spPr>
-            <p:txBody>
-              <a:bodyPr/>
-              <a:lstStyle/>
-              <a:p>
-                <a:r>
-                  <a:rPr lang="en-GB">
-                    <a:noFill/>
-                  </a:rPr>
-                  <a:t> </a:t>
-                </a:r>
-              </a:p>
-            </p:txBody>
-          </p:sp>
-        </mc:Fallback>
-      </mc:AlternateContent>
-      <mc:AlternateContent xmlns:mc="http://schemas.openxmlformats.org/markup-compatibility/2006">
-        <mc:Choice xmlns:a14="http://schemas.microsoft.com/office/drawing/2010/main" Requires="a14">
-          <p:sp>
-            <p:nvSpPr>
-              <p:cNvPr id="81" name="TextBox 80">
-                <a:extLst>
-                  <a:ext uri="{FF2B5EF4-FFF2-40B4-BE49-F238E27FC236}">
-                    <a16:creationId xmlns:a16="http://schemas.microsoft.com/office/drawing/2014/main" id="{2B244C61-64A5-4EA0-A590-27F4F2489235}"/>
-                  </a:ext>
-                </a:extLst>
-              </p:cNvPr>
-              <p:cNvSpPr txBox="1"/>
-              <p:nvPr/>
-            </p:nvSpPr>
-            <p:spPr>
-              <a:xfrm>
-                <a:off x="5928887" y="4594529"/>
-                <a:ext cx="2230354" cy="1087477"/>
-              </a:xfrm>
-              <a:prstGeom prst="rect">
-                <a:avLst/>
-              </a:prstGeom>
-              <a:noFill/>
-            </p:spPr>
-            <p:txBody>
-              <a:bodyPr wrap="none" rtlCol="0">
-                <a:spAutoFit/>
-              </a:bodyPr>
-              <a:lstStyle/>
-              <a:p>
-                <a:pPr/>
-                <a14:m>
-                  <m:oMathPara xmlns:m="http://schemas.openxmlformats.org/officeDocument/2006/math">
-                    <m:oMathParaPr>
-                      <m:jc m:val="centerGroup"/>
-                    </m:oMathParaPr>
-                    <m:oMath xmlns:m="http://schemas.openxmlformats.org/officeDocument/2006/math">
-                      <m:sSup>
-                        <m:sSupPr>
-                          <m:ctrlPr>
-                            <a:rPr lang="en-GB" sz="1600" b="0" i="1" smtClean="0">
-                              <a:latin typeface="Cambria Math" panose="02040503050406030204" pitchFamily="18" charset="0"/>
-                            </a:rPr>
-                          </m:ctrlPr>
-                        </m:sSupPr>
-                        <m:e>
-                          <m:r>
-                            <a:rPr lang="en-GB" sz="1600" b="0" i="1" smtClean="0">
-                              <a:latin typeface="Cambria Math" panose="02040503050406030204" pitchFamily="18" charset="0"/>
-                            </a:rPr>
-                            <m:t>𝑎</m:t>
-                          </m:r>
-                        </m:e>
-                        <m:sup>
-                          <m:r>
-                            <a:rPr lang="en-GB" sz="1600" b="0" i="1" smtClean="0">
-                              <a:latin typeface="Cambria Math" panose="02040503050406030204" pitchFamily="18" charset="0"/>
-                            </a:rPr>
-                            <m:t>(</m:t>
-                          </m:r>
-                          <m:r>
-                            <a:rPr lang="en-GB" sz="1600" b="0" i="1" smtClean="0">
-                              <a:latin typeface="Cambria Math" panose="02040503050406030204" pitchFamily="18" charset="0"/>
-                            </a:rPr>
-                            <m:t>2</m:t>
-                          </m:r>
-                          <m:r>
-                            <a:rPr lang="en-GB" sz="1600" b="0" i="1" smtClean="0">
-                              <a:latin typeface="Cambria Math" panose="02040503050406030204" pitchFamily="18" charset="0"/>
-                            </a:rPr>
-                            <m:t>)</m:t>
-                          </m:r>
-                        </m:sup>
-                      </m:sSup>
-                      <m:r>
-                        <a:rPr lang="en-GB" sz="1600" b="0" i="1" smtClean="0">
-                          <a:latin typeface="Cambria Math" panose="02040503050406030204" pitchFamily="18" charset="0"/>
-                        </a:rPr>
-                        <m:t>=</m:t>
-                      </m:r>
-                      <m:r>
-                        <a:rPr lang="en-GB" sz="1600" b="0" i="1" smtClean="0">
-                          <a:latin typeface="Cambria Math" panose="02040503050406030204" pitchFamily="18" charset="0"/>
-                        </a:rPr>
-                        <m:t>𝑔</m:t>
-                      </m:r>
-                      <m:d>
-                        <m:dPr>
-                          <m:ctrlPr>
-                            <a:rPr lang="en-GB" sz="1600" b="0" i="1" smtClean="0">
-                              <a:latin typeface="Cambria Math" panose="02040503050406030204" pitchFamily="18" charset="0"/>
-                            </a:rPr>
-                          </m:ctrlPr>
-                        </m:dPr>
-                        <m:e>
-                          <m:sSup>
-                            <m:sSupPr>
-                              <m:ctrlPr>
-                                <a:rPr lang="en-GB" sz="1600" i="1" smtClean="0">
-                                  <a:solidFill>
-                                    <a:srgbClr val="FF0000"/>
-                                  </a:solidFill>
-                                  <a:latin typeface="Cambria Math" panose="02040503050406030204" pitchFamily="18" charset="0"/>
-                                </a:rPr>
-                              </m:ctrlPr>
-                            </m:sSupPr>
-                            <m:e>
-                              <m:r>
-                                <a:rPr lang="en-GB" sz="1600" i="1">
-                                  <a:solidFill>
-                                    <a:srgbClr val="FF0000"/>
-                                  </a:solidFill>
-                                  <a:latin typeface="Cambria Math" panose="02040503050406030204" pitchFamily="18" charset="0"/>
-                                </a:rPr>
-                                <m:t>𝑧</m:t>
-                              </m:r>
-                            </m:e>
-                            <m:sup>
-                              <m:d>
-                                <m:dPr>
-                                  <m:ctrlPr>
-                                    <a:rPr lang="en-GB" sz="1600" i="1">
-                                      <a:solidFill>
-                                        <a:srgbClr val="FF0000"/>
-                                      </a:solidFill>
-                                      <a:latin typeface="Cambria Math" panose="02040503050406030204" pitchFamily="18" charset="0"/>
-                                    </a:rPr>
-                                  </m:ctrlPr>
-                                </m:dPr>
-                                <m:e>
-                                  <m:r>
-                                    <a:rPr lang="en-GB" sz="1600" i="1">
-                                      <a:solidFill>
-                                        <a:srgbClr val="FF0000"/>
-                                      </a:solidFill>
-                                      <a:latin typeface="Cambria Math" panose="02040503050406030204" pitchFamily="18" charset="0"/>
-                                    </a:rPr>
-                                    <m:t>2</m:t>
-                                  </m:r>
-                                </m:e>
-                              </m:d>
-                            </m:sup>
-                          </m:sSup>
-                        </m:e>
-                      </m:d>
-                      <m:r>
-                        <a:rPr lang="en-GB" sz="1600" b="0" i="1" smtClean="0">
-                          <a:latin typeface="Cambria Math" panose="02040503050406030204" pitchFamily="18" charset="0"/>
-                        </a:rPr>
-                        <m:t>=</m:t>
-                      </m:r>
-                      <m:d>
-                        <m:dPr>
-                          <m:begChr m:val="["/>
-                          <m:endChr m:val="]"/>
-                          <m:ctrlPr>
-                            <a:rPr lang="en-GB" sz="1600" i="1" smtClean="0">
-                              <a:latin typeface="Cambria Math" panose="02040503050406030204" pitchFamily="18" charset="0"/>
-                            </a:rPr>
-                          </m:ctrlPr>
-                        </m:dPr>
-                        <m:e>
-                          <m:m>
-                            <m:mPr>
-                              <m:mcs>
-                                <m:mc>
-                                  <m:mcPr>
-                                    <m:count m:val="1"/>
-                                    <m:mcJc m:val="center"/>
-                                  </m:mcPr>
-                                </m:mc>
-                              </m:mcs>
-                              <m:ctrlPr>
-                                <a:rPr lang="en-GB" sz="1600" i="1" smtClean="0">
-                                  <a:latin typeface="Cambria Math" panose="02040503050406030204" pitchFamily="18" charset="0"/>
-                                </a:rPr>
-                              </m:ctrlPr>
-                            </m:mPr>
-                            <m:mr>
-                              <m:e>
-                                <m:sSubSup>
-                                  <m:sSubSupPr>
-                                    <m:ctrlPr>
-                                      <a:rPr lang="en-GB" sz="1600" i="1" dirty="0">
-                                        <a:latin typeface="Cambria Math" panose="02040503050406030204" pitchFamily="18" charset="0"/>
-                                      </a:rPr>
-                                    </m:ctrlPr>
-                                  </m:sSubSupPr>
-                                  <m:e>
-                                    <m:r>
-                                      <a:rPr lang="en-GB" sz="1600" i="1" dirty="0">
-                                        <a:latin typeface="Cambria Math" panose="02040503050406030204" pitchFamily="18" charset="0"/>
-                                      </a:rPr>
-                                      <m:t>𝑎</m:t>
-                                    </m:r>
-                                  </m:e>
-                                  <m:sub>
-                                    <m:r>
-                                      <a:rPr lang="en-GB" sz="1600" i="1" dirty="0">
-                                        <a:latin typeface="Cambria Math" panose="02040503050406030204" pitchFamily="18" charset="0"/>
-                                      </a:rPr>
-                                      <m:t>1</m:t>
-                                    </m:r>
-                                  </m:sub>
-                                  <m:sup>
-                                    <m:r>
-                                      <a:rPr lang="en-GB" sz="1600" i="1" dirty="0">
-                                        <a:latin typeface="Cambria Math" panose="02040503050406030204" pitchFamily="18" charset="0"/>
-                                      </a:rPr>
-                                      <m:t>(2)</m:t>
-                                    </m:r>
-                                  </m:sup>
-                                </m:sSubSup>
-                              </m:e>
-                            </m:mr>
-                            <m:mr>
-                              <m:e>
-                                <m:sSubSup>
-                                  <m:sSubSupPr>
-                                    <m:ctrlPr>
-                                      <a:rPr lang="en-GB" sz="1600" i="1" dirty="0">
-                                        <a:latin typeface="Cambria Math" panose="02040503050406030204" pitchFamily="18" charset="0"/>
-                                      </a:rPr>
-                                    </m:ctrlPr>
-                                  </m:sSubSupPr>
-                                  <m:e>
-                                    <m:r>
-                                      <a:rPr lang="en-GB" sz="1600" i="1" dirty="0">
-                                        <a:latin typeface="Cambria Math" panose="02040503050406030204" pitchFamily="18" charset="0"/>
-                                      </a:rPr>
-                                      <m:t>𝑎</m:t>
-                                    </m:r>
-                                  </m:e>
-                                  <m:sub>
-                                    <m:r>
-                                      <a:rPr lang="en-GB" sz="1600" i="1" dirty="0">
-                                        <a:latin typeface="Cambria Math" panose="02040503050406030204" pitchFamily="18" charset="0"/>
-                                      </a:rPr>
-                                      <m:t>2</m:t>
-                                    </m:r>
-                                  </m:sub>
-                                  <m:sup>
-                                    <m:r>
-                                      <a:rPr lang="en-GB" sz="1600" i="1" dirty="0">
-                                        <a:latin typeface="Cambria Math" panose="02040503050406030204" pitchFamily="18" charset="0"/>
-                                      </a:rPr>
-                                      <m:t>(2)</m:t>
-                                    </m:r>
-                                  </m:sup>
-                                </m:sSubSup>
-                              </m:e>
-                            </m:mr>
-                            <m:mr>
-                              <m:e>
-                                <m:sSubSup>
-                                  <m:sSubSupPr>
-                                    <m:ctrlPr>
-                                      <a:rPr lang="en-GB" sz="1600" i="1" dirty="0">
-                                        <a:latin typeface="Cambria Math" panose="02040503050406030204" pitchFamily="18" charset="0"/>
-                                      </a:rPr>
-                                    </m:ctrlPr>
-                                  </m:sSubSupPr>
-                                  <m:e>
-                                    <m:r>
-                                      <a:rPr lang="en-GB" sz="1600" i="1" dirty="0">
-                                        <a:latin typeface="Cambria Math" panose="02040503050406030204" pitchFamily="18" charset="0"/>
-                                      </a:rPr>
-                                      <m:t>𝑎</m:t>
-                                    </m:r>
-                                  </m:e>
-                                  <m:sub>
-                                    <m:r>
-                                      <a:rPr lang="en-GB" sz="1600" i="1" dirty="0">
-                                        <a:latin typeface="Cambria Math" panose="02040503050406030204" pitchFamily="18" charset="0"/>
-                                      </a:rPr>
-                                      <m:t>3</m:t>
-                                    </m:r>
-                                  </m:sub>
-                                  <m:sup>
-                                    <m:r>
-                                      <a:rPr lang="en-GB" sz="1600" i="1" dirty="0">
-                                        <a:latin typeface="Cambria Math" panose="02040503050406030204" pitchFamily="18" charset="0"/>
-                                      </a:rPr>
-                                      <m:t>(2)</m:t>
-                                    </m:r>
-                                  </m:sup>
-                                </m:sSubSup>
-                              </m:e>
-                            </m:mr>
-                          </m:m>
-                        </m:e>
-                      </m:d>
-                    </m:oMath>
-                  </m:oMathPara>
-                </a14:m>
-                <a:endParaRPr lang="en-GB" sz="1600" dirty="0"/>
-              </a:p>
-            </p:txBody>
-          </p:sp>
-        </mc:Choice>
-        <mc:Fallback>
-          <p:sp>
-            <p:nvSpPr>
-              <p:cNvPr id="81" name="TextBox 80">
-                <a:extLst>
-                  <a:ext uri="{FF2B5EF4-FFF2-40B4-BE49-F238E27FC236}">
-                    <a16:creationId xmlns:a16="http://schemas.microsoft.com/office/drawing/2014/main" id="{2B244C61-64A5-4EA0-A590-27F4F2489235}"/>
-                  </a:ext>
-                </a:extLst>
-              </p:cNvPr>
-              <p:cNvSpPr txBox="1">
-                <a:spLocks noRot="1" noChangeAspect="1" noMove="1" noResize="1" noEditPoints="1" noAdjustHandles="1" noChangeArrowheads="1" noChangeShapeType="1" noTextEdit="1"/>
-              </p:cNvSpPr>
-              <p:nvPr/>
-            </p:nvSpPr>
-            <p:spPr>
-              <a:xfrm>
-                <a:off x="5928887" y="4594529"/>
-                <a:ext cx="2230354" cy="1087477"/>
-              </a:xfrm>
-              <a:prstGeom prst="rect">
-                <a:avLst/>
-              </a:prstGeom>
-              <a:blipFill>
-                <a:blip r:embed="rId36"/>
-                <a:stretch>
-                  <a:fillRect/>
-                </a:stretch>
-              </a:blipFill>
-            </p:spPr>
-            <p:txBody>
-              <a:bodyPr/>
-              <a:lstStyle/>
-              <a:p>
-                <a:r>
-                  <a:rPr lang="en-GB">
-                    <a:noFill/>
-                  </a:rPr>
-                  <a:t> </a:t>
-                </a:r>
-              </a:p>
-            </p:txBody>
-          </p:sp>
-        </mc:Fallback>
-      </mc:AlternateContent>
-      <mc:AlternateContent xmlns:mc="http://schemas.openxmlformats.org/markup-compatibility/2006">
-        <mc:Choice xmlns:a14="http://schemas.microsoft.com/office/drawing/2010/main" Requires="a14">
-          <p:sp>
-            <p:nvSpPr>
-              <p:cNvPr id="82" name="TextBox 81">
-                <a:extLst>
-                  <a:ext uri="{FF2B5EF4-FFF2-40B4-BE49-F238E27FC236}">
-                    <a16:creationId xmlns:a16="http://schemas.microsoft.com/office/drawing/2014/main" id="{489E403E-ABBC-4C4B-BB01-598ADA5C2D81}"/>
-                  </a:ext>
-                </a:extLst>
-              </p:cNvPr>
-              <p:cNvSpPr txBox="1"/>
-              <p:nvPr/>
-            </p:nvSpPr>
-            <p:spPr>
-              <a:xfrm>
-                <a:off x="10006000" y="5764724"/>
-                <a:ext cx="2236638" cy="459036"/>
-              </a:xfrm>
-              <a:prstGeom prst="rect">
-                <a:avLst/>
-              </a:prstGeom>
-              <a:noFill/>
-            </p:spPr>
-            <p:txBody>
-              <a:bodyPr wrap="none" rtlCol="0">
-                <a:spAutoFit/>
-              </a:bodyPr>
-              <a:lstStyle/>
-              <a:p>
-                <a:pPr/>
-                <a14:m>
-                  <m:oMathPara xmlns:m="http://schemas.openxmlformats.org/officeDocument/2006/math">
-                    <m:oMathParaPr>
-                      <m:jc m:val="centerGroup"/>
-                    </m:oMathParaPr>
-                    <m:oMath xmlns:m="http://schemas.openxmlformats.org/officeDocument/2006/math">
-                      <m:sSup>
-                        <m:sSupPr>
-                          <m:ctrlPr>
-                            <a:rPr lang="en-GB" sz="1600" b="0" i="1" smtClean="0">
-                              <a:solidFill>
-                                <a:schemeClr val="tx1"/>
-                              </a:solidFill>
-                              <a:latin typeface="Cambria Math" panose="02040503050406030204" pitchFamily="18" charset="0"/>
-                            </a:rPr>
-                          </m:ctrlPr>
-                        </m:sSupPr>
-                        <m:e>
-                          <m:r>
-                            <a:rPr lang="en-GB" sz="1600" b="0" i="1" smtClean="0">
-                              <a:solidFill>
-                                <a:schemeClr val="tx1"/>
-                              </a:solidFill>
-                              <a:latin typeface="Cambria Math" panose="02040503050406030204" pitchFamily="18" charset="0"/>
-                            </a:rPr>
-                            <m:t>𝑎</m:t>
-                          </m:r>
-                        </m:e>
-                        <m:sup>
-                          <m:r>
-                            <a:rPr lang="en-GB" sz="1600" b="0" i="1" smtClean="0">
-                              <a:solidFill>
-                                <a:schemeClr val="tx1"/>
-                              </a:solidFill>
-                              <a:latin typeface="Cambria Math" panose="02040503050406030204" pitchFamily="18" charset="0"/>
-                            </a:rPr>
-                            <m:t>(</m:t>
-                          </m:r>
-                          <m:r>
-                            <a:rPr lang="en-GB" sz="1600" b="0" i="1" smtClean="0">
-                              <a:solidFill>
-                                <a:schemeClr val="tx1"/>
-                              </a:solidFill>
-                              <a:latin typeface="Cambria Math" panose="02040503050406030204" pitchFamily="18" charset="0"/>
-                            </a:rPr>
-                            <m:t>3</m:t>
-                          </m:r>
-                          <m:r>
-                            <a:rPr lang="en-GB" sz="1600" b="0" i="1" smtClean="0">
-                              <a:solidFill>
-                                <a:schemeClr val="tx1"/>
-                              </a:solidFill>
-                              <a:latin typeface="Cambria Math" panose="02040503050406030204" pitchFamily="18" charset="0"/>
-                            </a:rPr>
-                            <m:t>)</m:t>
-                          </m:r>
-                        </m:sup>
-                      </m:sSup>
-                      <m:r>
-                        <a:rPr lang="en-GB" sz="1600" b="0" i="1" smtClean="0">
-                          <a:solidFill>
-                            <a:schemeClr val="tx1"/>
-                          </a:solidFill>
-                          <a:latin typeface="Cambria Math" panose="02040503050406030204" pitchFamily="18" charset="0"/>
-                        </a:rPr>
-                        <m:t>=</m:t>
-                      </m:r>
-                      <m:r>
-                        <a:rPr lang="en-GB" sz="1600" i="1">
-                          <a:solidFill>
-                            <a:schemeClr val="tx1"/>
-                          </a:solidFill>
-                          <a:latin typeface="Cambria Math" panose="02040503050406030204" pitchFamily="18" charset="0"/>
-                        </a:rPr>
-                        <m:t>𝑔</m:t>
-                      </m:r>
-                      <m:d>
-                        <m:dPr>
-                          <m:ctrlPr>
-                            <a:rPr lang="en-GB" sz="1600" i="1">
-                              <a:solidFill>
-                                <a:schemeClr val="tx1"/>
-                              </a:solidFill>
-                              <a:latin typeface="Cambria Math" panose="02040503050406030204" pitchFamily="18" charset="0"/>
-                            </a:rPr>
-                          </m:ctrlPr>
-                        </m:dPr>
-                        <m:e>
-                          <m:sSup>
-                            <m:sSupPr>
-                              <m:ctrlPr>
-                                <a:rPr lang="en-GB" sz="1600" i="1">
-                                  <a:solidFill>
-                                    <a:schemeClr val="tx1"/>
-                                  </a:solidFill>
-                                  <a:latin typeface="Cambria Math" panose="02040503050406030204" pitchFamily="18" charset="0"/>
-                                </a:rPr>
-                              </m:ctrlPr>
-                            </m:sSupPr>
-                            <m:e>
-                              <m:r>
-                                <a:rPr lang="en-GB" sz="1600" i="1">
-                                  <a:solidFill>
-                                    <a:schemeClr val="tx1"/>
-                                  </a:solidFill>
-                                  <a:latin typeface="Cambria Math" panose="02040503050406030204" pitchFamily="18" charset="0"/>
-                                </a:rPr>
-                                <m:t>𝑧</m:t>
-                              </m:r>
-                            </m:e>
-                            <m:sup>
-                              <m:d>
-                                <m:dPr>
-                                  <m:ctrlPr>
-                                    <a:rPr lang="en-GB" sz="1600" i="1">
-                                      <a:solidFill>
-                                        <a:schemeClr val="tx1"/>
-                                      </a:solidFill>
-                                      <a:latin typeface="Cambria Math" panose="02040503050406030204" pitchFamily="18" charset="0"/>
-                                    </a:rPr>
-                                  </m:ctrlPr>
-                                </m:dPr>
-                                <m:e>
-                                  <m:r>
-                                    <a:rPr lang="en-GB" sz="1600" b="0" i="1" smtClean="0">
-                                      <a:solidFill>
-                                        <a:schemeClr val="tx1"/>
-                                      </a:solidFill>
-                                      <a:latin typeface="Cambria Math" panose="02040503050406030204" pitchFamily="18" charset="0"/>
-                                    </a:rPr>
-                                    <m:t>3</m:t>
-                                  </m:r>
-                                </m:e>
-                              </m:d>
-                            </m:sup>
-                          </m:sSup>
-                        </m:e>
-                      </m:d>
-                      <m:r>
-                        <a:rPr lang="en-GB" sz="1600" b="0" i="1" smtClean="0">
-                          <a:solidFill>
-                            <a:schemeClr val="tx1"/>
-                          </a:solidFill>
-                          <a:latin typeface="Cambria Math" panose="02040503050406030204" pitchFamily="18" charset="0"/>
-                        </a:rPr>
-                        <m:t>=</m:t>
-                      </m:r>
-                      <m:d>
-                        <m:dPr>
-                          <m:begChr m:val="["/>
-                          <m:endChr m:val="]"/>
-                          <m:ctrlPr>
-                            <a:rPr lang="en-GB" sz="1600" i="1" smtClean="0">
-                              <a:solidFill>
-                                <a:schemeClr val="tx1"/>
-                              </a:solidFill>
-                              <a:latin typeface="Cambria Math" panose="02040503050406030204" pitchFamily="18" charset="0"/>
-                            </a:rPr>
-                          </m:ctrlPr>
-                        </m:dPr>
-                        <m:e>
-                          <m:sSubSup>
-                            <m:sSubSupPr>
-                              <m:ctrlPr>
-                                <a:rPr lang="en-GB" sz="1600" i="1">
-                                  <a:solidFill>
-                                    <a:schemeClr val="tx1"/>
-                                  </a:solidFill>
-                                  <a:latin typeface="Cambria Math" panose="02040503050406030204" pitchFamily="18" charset="0"/>
-                                </a:rPr>
-                              </m:ctrlPr>
-                            </m:sSubSupPr>
-                            <m:e>
-                              <m:r>
-                                <a:rPr lang="en-GB" sz="1600" i="1">
-                                  <a:solidFill>
-                                    <a:schemeClr val="tx1"/>
-                                  </a:solidFill>
-                                  <a:latin typeface="Cambria Math" panose="02040503050406030204" pitchFamily="18" charset="0"/>
-                                </a:rPr>
-                                <m:t>𝑎</m:t>
-                              </m:r>
-                            </m:e>
-                            <m:sub>
-                              <m:r>
-                                <a:rPr lang="en-GB" sz="1600" i="1">
-                                  <a:solidFill>
-                                    <a:schemeClr val="tx1"/>
-                                  </a:solidFill>
-                                  <a:latin typeface="Cambria Math" panose="02040503050406030204" pitchFamily="18" charset="0"/>
-                                </a:rPr>
-                                <m:t>1</m:t>
-                              </m:r>
-                            </m:sub>
-                            <m:sup>
-                              <m:r>
-                                <a:rPr lang="en-GB" sz="1600" i="1">
-                                  <a:solidFill>
-                                    <a:schemeClr val="tx1"/>
-                                  </a:solidFill>
-                                  <a:latin typeface="Cambria Math" panose="02040503050406030204" pitchFamily="18" charset="0"/>
-                                </a:rPr>
-                                <m:t>(3)</m:t>
-                              </m:r>
-                            </m:sup>
-                          </m:sSubSup>
-                        </m:e>
-                      </m:d>
-                    </m:oMath>
-                  </m:oMathPara>
-                </a14:m>
-                <a:endParaRPr lang="en-GB" sz="1600" dirty="0">
-                  <a:solidFill>
-                    <a:schemeClr val="tx1"/>
-                  </a:solidFill>
-                </a:endParaRPr>
-              </a:p>
-            </p:txBody>
-          </p:sp>
-        </mc:Choice>
-        <mc:Fallback>
-          <p:sp>
-            <p:nvSpPr>
-              <p:cNvPr id="82" name="TextBox 81">
-                <a:extLst>
-                  <a:ext uri="{FF2B5EF4-FFF2-40B4-BE49-F238E27FC236}">
-                    <a16:creationId xmlns:a16="http://schemas.microsoft.com/office/drawing/2014/main" id="{489E403E-ABBC-4C4B-BB01-598ADA5C2D81}"/>
-                  </a:ext>
-                </a:extLst>
-              </p:cNvPr>
-              <p:cNvSpPr txBox="1">
-                <a:spLocks noRot="1" noChangeAspect="1" noMove="1" noResize="1" noEditPoints="1" noAdjustHandles="1" noChangeArrowheads="1" noChangeShapeType="1" noTextEdit="1"/>
-              </p:cNvSpPr>
-              <p:nvPr/>
-            </p:nvSpPr>
-            <p:spPr>
-              <a:xfrm>
-                <a:off x="10006000" y="5764724"/>
-                <a:ext cx="2236638" cy="459036"/>
-              </a:xfrm>
-              <a:prstGeom prst="rect">
-                <a:avLst/>
-              </a:prstGeom>
-              <a:blipFill>
-                <a:blip r:embed="rId37"/>
-                <a:stretch>
-                  <a:fillRect/>
-                </a:stretch>
-              </a:blipFill>
-            </p:spPr>
-            <p:txBody>
-              <a:bodyPr/>
-              <a:lstStyle/>
-              <a:p>
-                <a:r>
-                  <a:rPr lang="en-GB">
-                    <a:noFill/>
-                  </a:rPr>
-                  <a:t> </a:t>
-                </a:r>
-              </a:p>
-            </p:txBody>
-          </p:sp>
-        </mc:Fallback>
-      </mc:AlternateContent>
-      <mc:AlternateContent xmlns:mc="http://schemas.openxmlformats.org/markup-compatibility/2006">
-        <mc:Choice xmlns:a14="http://schemas.microsoft.com/office/drawing/2010/main" Requires="a14">
-          <p:sp>
-            <p:nvSpPr>
-              <p:cNvPr id="83" name="TextBox 82">
-                <a:extLst>
-                  <a:ext uri="{FF2B5EF4-FFF2-40B4-BE49-F238E27FC236}">
-                    <a16:creationId xmlns:a16="http://schemas.microsoft.com/office/drawing/2014/main" id="{C37268C0-E41F-4913-AFCE-7C855A92E173}"/>
-                  </a:ext>
-                </a:extLst>
-              </p:cNvPr>
-              <p:cNvSpPr txBox="1"/>
-              <p:nvPr/>
-            </p:nvSpPr>
-            <p:spPr>
-              <a:xfrm>
-                <a:off x="4287356" y="5345449"/>
-                <a:ext cx="2358723" cy="1087477"/>
-              </a:xfrm>
-              <a:prstGeom prst="rect">
-                <a:avLst/>
-              </a:prstGeom>
-              <a:noFill/>
-            </p:spPr>
-            <p:txBody>
-              <a:bodyPr wrap="none" rtlCol="0">
-                <a:spAutoFit/>
-              </a:bodyPr>
-              <a:lstStyle/>
-              <a:p>
-                <a:pPr/>
-                <a14:m>
-                  <m:oMathPara xmlns:m="http://schemas.openxmlformats.org/officeDocument/2006/math">
-                    <m:oMathParaPr>
-                      <m:jc m:val="centerGroup"/>
-                    </m:oMathParaPr>
-                    <m:oMath xmlns:m="http://schemas.openxmlformats.org/officeDocument/2006/math">
-                      <m:sSup>
-                        <m:sSupPr>
-                          <m:ctrlPr>
-                            <a:rPr lang="en-GB" sz="1600" b="0" i="1" smtClean="0">
-                              <a:solidFill>
-                                <a:srgbClr val="FF0000"/>
-                              </a:solidFill>
-                              <a:latin typeface="Cambria Math" panose="02040503050406030204" pitchFamily="18" charset="0"/>
-                            </a:rPr>
-                          </m:ctrlPr>
-                        </m:sSupPr>
-                        <m:e>
-                          <m:r>
-                            <a:rPr lang="en-GB" sz="1600" b="0" i="1" smtClean="0">
-                              <a:solidFill>
-                                <a:srgbClr val="FF0000"/>
-                              </a:solidFill>
-                              <a:latin typeface="Cambria Math" panose="02040503050406030204" pitchFamily="18" charset="0"/>
-                            </a:rPr>
-                            <m:t>𝑧</m:t>
-                          </m:r>
-                        </m:e>
-                        <m:sup>
-                          <m:r>
-                            <a:rPr lang="en-GB" sz="1600" b="0" i="1" smtClean="0">
-                              <a:solidFill>
-                                <a:srgbClr val="FF0000"/>
-                              </a:solidFill>
-                              <a:latin typeface="Cambria Math" panose="02040503050406030204" pitchFamily="18" charset="0"/>
-                            </a:rPr>
-                            <m:t>(</m:t>
-                          </m:r>
-                          <m:r>
-                            <a:rPr lang="en-GB" sz="1600" b="0" i="1" smtClean="0">
-                              <a:solidFill>
-                                <a:srgbClr val="FF0000"/>
-                              </a:solidFill>
-                              <a:latin typeface="Cambria Math" panose="02040503050406030204" pitchFamily="18" charset="0"/>
-                            </a:rPr>
-                            <m:t>2</m:t>
-                          </m:r>
-                          <m:r>
-                            <a:rPr lang="en-GB" sz="1600" b="0" i="1" smtClean="0">
-                              <a:solidFill>
-                                <a:srgbClr val="FF0000"/>
-                              </a:solidFill>
-                              <a:latin typeface="Cambria Math" panose="02040503050406030204" pitchFamily="18" charset="0"/>
-                            </a:rPr>
-                            <m:t>)</m:t>
-                          </m:r>
-                        </m:sup>
-                      </m:sSup>
-                      <m:r>
-                        <a:rPr lang="en-GB" sz="1600" b="0" i="1" smtClean="0">
-                          <a:solidFill>
-                            <a:srgbClr val="FF0000"/>
-                          </a:solidFill>
-                          <a:latin typeface="Cambria Math" panose="02040503050406030204" pitchFamily="18" charset="0"/>
-                        </a:rPr>
-                        <m:t>=</m:t>
-                      </m:r>
-                      <m:sSup>
-                        <m:sSupPr>
-                          <m:ctrlPr>
-                            <a:rPr lang="en-GB" sz="1600" b="0" i="1" smtClean="0">
-                              <a:solidFill>
-                                <a:srgbClr val="00B050"/>
-                              </a:solidFill>
-                              <a:latin typeface="Cambria Math" panose="02040503050406030204" pitchFamily="18" charset="0"/>
-                            </a:rPr>
-                          </m:ctrlPr>
-                        </m:sSupPr>
-                        <m:e>
-                          <m:sSup>
-                            <m:sSupPr>
-                              <m:ctrlPr>
-                                <a:rPr lang="en-GB" sz="1600" i="1">
-                                  <a:solidFill>
-                                    <a:srgbClr val="00B050"/>
-                                  </a:solidFill>
-                                  <a:latin typeface="Cambria Math" panose="02040503050406030204" pitchFamily="18" charset="0"/>
-                                </a:rPr>
-                              </m:ctrlPr>
-                            </m:sSupPr>
-                            <m:e>
-                              <m:r>
-                                <a:rPr lang="en-GB" sz="1600" i="1">
-                                  <a:solidFill>
-                                    <a:srgbClr val="00B050"/>
-                                  </a:solidFill>
-                                  <a:latin typeface="Cambria Math" panose="02040503050406030204" pitchFamily="18" charset="0"/>
-                                </a:rPr>
-                                <m:t>𝜃</m:t>
-                              </m:r>
-                            </m:e>
-                            <m:sup>
-                              <m:r>
-                                <a:rPr lang="en-GB" sz="1600" i="1">
-                                  <a:solidFill>
-                                    <a:srgbClr val="00B050"/>
-                                  </a:solidFill>
-                                  <a:latin typeface="Cambria Math" panose="02040503050406030204" pitchFamily="18" charset="0"/>
-                                </a:rPr>
-                                <m:t>(1)</m:t>
-                              </m:r>
-                            </m:sup>
-                          </m:sSup>
-                        </m:e>
-                        <m:sup>
-                          <m:r>
-                            <a:rPr lang="en-GB" sz="1600" b="0" i="1" smtClean="0">
-                              <a:solidFill>
-                                <a:srgbClr val="00B050"/>
-                              </a:solidFill>
-                              <a:latin typeface="Cambria Math" panose="02040503050406030204" pitchFamily="18" charset="0"/>
-                            </a:rPr>
-                            <m:t>𝑇</m:t>
-                          </m:r>
-                        </m:sup>
-                      </m:sSup>
-                      <m:sSup>
-                        <m:sSupPr>
-                          <m:ctrlPr>
-                            <a:rPr lang="en-GB" sz="1600" i="1" smtClean="0">
-                              <a:solidFill>
-                                <a:srgbClr val="0070C0"/>
-                              </a:solidFill>
-                              <a:latin typeface="Cambria Math" panose="02040503050406030204" pitchFamily="18" charset="0"/>
-                            </a:rPr>
-                          </m:ctrlPr>
-                        </m:sSupPr>
-                        <m:e>
-                          <m:r>
-                            <a:rPr lang="en-GB" sz="1600" i="1">
-                              <a:solidFill>
-                                <a:srgbClr val="0070C0"/>
-                              </a:solidFill>
-                              <a:latin typeface="Cambria Math" panose="02040503050406030204" pitchFamily="18" charset="0"/>
-                            </a:rPr>
-                            <m:t>𝑎</m:t>
-                          </m:r>
-                        </m:e>
-                        <m:sup>
-                          <m:r>
-                            <a:rPr lang="en-GB" sz="1600" i="1">
-                              <a:solidFill>
-                                <a:srgbClr val="0070C0"/>
-                              </a:solidFill>
-                              <a:latin typeface="Cambria Math" panose="02040503050406030204" pitchFamily="18" charset="0"/>
-                            </a:rPr>
-                            <m:t>(</m:t>
-                          </m:r>
-                          <m:r>
-                            <a:rPr lang="en-GB" sz="1600" i="1">
-                              <a:solidFill>
-                                <a:srgbClr val="0070C0"/>
-                              </a:solidFill>
-                              <a:latin typeface="Cambria Math" panose="02040503050406030204" pitchFamily="18" charset="0"/>
-                            </a:rPr>
-                            <m:t>1</m:t>
-                          </m:r>
-                          <m:r>
-                            <a:rPr lang="en-GB" sz="1600" i="1">
-                              <a:solidFill>
-                                <a:srgbClr val="0070C0"/>
-                              </a:solidFill>
-                              <a:latin typeface="Cambria Math" panose="02040503050406030204" pitchFamily="18" charset="0"/>
-                            </a:rPr>
-                            <m:t>)</m:t>
-                          </m:r>
-                        </m:sup>
-                      </m:sSup>
-                      <m:r>
-                        <a:rPr lang="en-GB" sz="1600" b="0" i="1" smtClean="0">
-                          <a:solidFill>
-                            <a:srgbClr val="FF0000"/>
-                          </a:solidFill>
-                          <a:latin typeface="Cambria Math" panose="02040503050406030204" pitchFamily="18" charset="0"/>
-                        </a:rPr>
-                        <m:t>=</m:t>
-                      </m:r>
-                      <m:d>
-                        <m:dPr>
-                          <m:begChr m:val="["/>
-                          <m:endChr m:val="]"/>
-                          <m:ctrlPr>
-                            <a:rPr lang="en-GB" sz="1600" i="1" smtClean="0">
-                              <a:solidFill>
-                                <a:srgbClr val="FF0000"/>
-                              </a:solidFill>
-                              <a:latin typeface="Cambria Math" panose="02040503050406030204" pitchFamily="18" charset="0"/>
-                            </a:rPr>
-                          </m:ctrlPr>
-                        </m:dPr>
-                        <m:e>
-                          <m:m>
-                            <m:mPr>
-                              <m:mcs>
-                                <m:mc>
-                                  <m:mcPr>
-                                    <m:count m:val="1"/>
-                                    <m:mcJc m:val="center"/>
-                                  </m:mcPr>
-                                </m:mc>
-                              </m:mcs>
-                              <m:ctrlPr>
-                                <a:rPr lang="en-GB" sz="1600" i="1" smtClean="0">
-                                  <a:solidFill>
-                                    <a:srgbClr val="FF0000"/>
-                                  </a:solidFill>
-                                  <a:latin typeface="Cambria Math" panose="02040503050406030204" pitchFamily="18" charset="0"/>
-                                </a:rPr>
-                              </m:ctrlPr>
-                            </m:mPr>
-                            <m:mr>
-                              <m:e>
-                                <m:sSubSup>
-                                  <m:sSubSupPr>
-                                    <m:ctrlPr>
-                                      <a:rPr lang="en-GB" sz="1600" i="1" dirty="0">
-                                        <a:solidFill>
-                                          <a:srgbClr val="FF0000"/>
-                                        </a:solidFill>
-                                        <a:latin typeface="Cambria Math" panose="02040503050406030204" pitchFamily="18" charset="0"/>
-                                      </a:rPr>
-                                    </m:ctrlPr>
-                                  </m:sSubSupPr>
-                                  <m:e>
-                                    <m:r>
-                                      <a:rPr lang="en-GB" sz="1600" b="0" i="1" dirty="0" smtClean="0">
-                                        <a:solidFill>
-                                          <a:srgbClr val="FF0000"/>
-                                        </a:solidFill>
-                                        <a:latin typeface="Cambria Math" panose="02040503050406030204" pitchFamily="18" charset="0"/>
-                                      </a:rPr>
-                                      <m:t>𝑧</m:t>
-                                    </m:r>
-                                  </m:e>
-                                  <m:sub>
-                                    <m:r>
-                                      <a:rPr lang="en-GB" sz="1600" i="1" dirty="0">
-                                        <a:solidFill>
-                                          <a:srgbClr val="FF0000"/>
-                                        </a:solidFill>
-                                        <a:latin typeface="Cambria Math" panose="02040503050406030204" pitchFamily="18" charset="0"/>
-                                      </a:rPr>
-                                      <m:t>1</m:t>
-                                    </m:r>
-                                  </m:sub>
-                                  <m:sup>
-                                    <m:r>
-                                      <a:rPr lang="en-GB" sz="1600" i="1" dirty="0">
-                                        <a:solidFill>
-                                          <a:srgbClr val="FF0000"/>
-                                        </a:solidFill>
-                                        <a:latin typeface="Cambria Math" panose="02040503050406030204" pitchFamily="18" charset="0"/>
-                                      </a:rPr>
-                                      <m:t>(2)</m:t>
-                                    </m:r>
-                                  </m:sup>
-                                </m:sSubSup>
-                              </m:e>
-                            </m:mr>
-                            <m:mr>
-                              <m:e>
-                                <m:sSubSup>
-                                  <m:sSubSupPr>
-                                    <m:ctrlPr>
-                                      <a:rPr lang="en-GB" sz="1600" i="1" dirty="0">
-                                        <a:solidFill>
-                                          <a:srgbClr val="FF0000"/>
-                                        </a:solidFill>
-                                        <a:latin typeface="Cambria Math" panose="02040503050406030204" pitchFamily="18" charset="0"/>
-                                      </a:rPr>
-                                    </m:ctrlPr>
-                                  </m:sSubSupPr>
-                                  <m:e>
-                                    <m:r>
-                                      <a:rPr lang="en-GB" sz="1600" b="0" i="1" dirty="0" smtClean="0">
-                                        <a:solidFill>
-                                          <a:srgbClr val="FF0000"/>
-                                        </a:solidFill>
-                                        <a:latin typeface="Cambria Math" panose="02040503050406030204" pitchFamily="18" charset="0"/>
-                                      </a:rPr>
-                                      <m:t>𝑧</m:t>
-                                    </m:r>
-                                  </m:e>
-                                  <m:sub>
-                                    <m:r>
-                                      <a:rPr lang="en-GB" sz="1600" i="1" dirty="0">
-                                        <a:solidFill>
-                                          <a:srgbClr val="FF0000"/>
-                                        </a:solidFill>
-                                        <a:latin typeface="Cambria Math" panose="02040503050406030204" pitchFamily="18" charset="0"/>
-                                      </a:rPr>
-                                      <m:t>2</m:t>
-                                    </m:r>
-                                  </m:sub>
-                                  <m:sup>
-                                    <m:r>
-                                      <a:rPr lang="en-GB" sz="1600" i="1" dirty="0">
-                                        <a:solidFill>
-                                          <a:srgbClr val="FF0000"/>
-                                        </a:solidFill>
-                                        <a:latin typeface="Cambria Math" panose="02040503050406030204" pitchFamily="18" charset="0"/>
-                                      </a:rPr>
-                                      <m:t>(2)</m:t>
-                                    </m:r>
-                                  </m:sup>
-                                </m:sSubSup>
-                              </m:e>
-                            </m:mr>
-                            <m:mr>
-                              <m:e>
-                                <m:sSubSup>
-                                  <m:sSubSupPr>
-                                    <m:ctrlPr>
-                                      <a:rPr lang="en-GB" sz="1600" i="1" dirty="0">
-                                        <a:solidFill>
-                                          <a:srgbClr val="FF0000"/>
-                                        </a:solidFill>
-                                        <a:latin typeface="Cambria Math" panose="02040503050406030204" pitchFamily="18" charset="0"/>
-                                      </a:rPr>
-                                    </m:ctrlPr>
-                                  </m:sSubSupPr>
-                                  <m:e>
-                                    <m:r>
-                                      <a:rPr lang="en-GB" sz="1600" b="0" i="1" dirty="0" smtClean="0">
-                                        <a:solidFill>
-                                          <a:srgbClr val="FF0000"/>
-                                        </a:solidFill>
-                                        <a:latin typeface="Cambria Math" panose="02040503050406030204" pitchFamily="18" charset="0"/>
-                                      </a:rPr>
-                                      <m:t>𝑧</m:t>
-                                    </m:r>
-                                  </m:e>
-                                  <m:sub>
-                                    <m:r>
-                                      <a:rPr lang="en-GB" sz="1600" i="1" dirty="0">
-                                        <a:solidFill>
-                                          <a:srgbClr val="FF0000"/>
-                                        </a:solidFill>
-                                        <a:latin typeface="Cambria Math" panose="02040503050406030204" pitchFamily="18" charset="0"/>
-                                      </a:rPr>
-                                      <m:t>3</m:t>
-                                    </m:r>
-                                  </m:sub>
-                                  <m:sup>
-                                    <m:r>
-                                      <a:rPr lang="en-GB" sz="1600" i="1" dirty="0">
-                                        <a:solidFill>
-                                          <a:srgbClr val="FF0000"/>
-                                        </a:solidFill>
-                                        <a:latin typeface="Cambria Math" panose="02040503050406030204" pitchFamily="18" charset="0"/>
-                                      </a:rPr>
-                                      <m:t>(2)</m:t>
-                                    </m:r>
-                                  </m:sup>
-                                </m:sSubSup>
-                              </m:e>
-                            </m:mr>
-                          </m:m>
-                        </m:e>
-                      </m:d>
-                    </m:oMath>
-                  </m:oMathPara>
-                </a14:m>
-                <a:endParaRPr lang="en-GB" sz="1600" dirty="0">
-                  <a:solidFill>
-                    <a:srgbClr val="FF0000"/>
-                  </a:solidFill>
-                </a:endParaRPr>
-              </a:p>
-            </p:txBody>
-          </p:sp>
-        </mc:Choice>
-        <mc:Fallback>
-          <p:sp>
-            <p:nvSpPr>
-              <p:cNvPr id="83" name="TextBox 82">
-                <a:extLst>
-                  <a:ext uri="{FF2B5EF4-FFF2-40B4-BE49-F238E27FC236}">
-                    <a16:creationId xmlns:a16="http://schemas.microsoft.com/office/drawing/2014/main" id="{C37268C0-E41F-4913-AFCE-7C855A92E173}"/>
-                  </a:ext>
-                </a:extLst>
-              </p:cNvPr>
-              <p:cNvSpPr txBox="1">
-                <a:spLocks noRot="1" noChangeAspect="1" noMove="1" noResize="1" noEditPoints="1" noAdjustHandles="1" noChangeArrowheads="1" noChangeShapeType="1" noTextEdit="1"/>
-              </p:cNvSpPr>
-              <p:nvPr/>
-            </p:nvSpPr>
-            <p:spPr>
-              <a:xfrm>
-                <a:off x="4287356" y="5345449"/>
-                <a:ext cx="2358723" cy="1087477"/>
-              </a:xfrm>
-              <a:prstGeom prst="rect">
-                <a:avLst/>
-              </a:prstGeom>
-              <a:blipFill>
-                <a:blip r:embed="rId38"/>
-                <a:stretch>
-                  <a:fillRect/>
-                </a:stretch>
-              </a:blipFill>
-            </p:spPr>
-            <p:txBody>
-              <a:bodyPr/>
-              <a:lstStyle/>
-              <a:p>
-                <a:r>
-                  <a:rPr lang="en-GB">
-                    <a:noFill/>
-                  </a:rPr>
-                  <a:t> </a:t>
-                </a:r>
-              </a:p>
-            </p:txBody>
-          </p:sp>
-        </mc:Fallback>
-      </mc:AlternateContent>
-      <mc:AlternateContent xmlns:mc="http://schemas.openxmlformats.org/markup-compatibility/2006">
-        <mc:Choice xmlns:a14="http://schemas.microsoft.com/office/drawing/2010/main" Requires="a14">
-          <p:sp>
-            <p:nvSpPr>
-              <p:cNvPr id="84" name="TextBox 83">
-                <a:extLst>
-                  <a:ext uri="{FF2B5EF4-FFF2-40B4-BE49-F238E27FC236}">
-                    <a16:creationId xmlns:a16="http://schemas.microsoft.com/office/drawing/2014/main" id="{7719B555-6FD7-4CAE-81C0-0CD68076B343}"/>
-                  </a:ext>
-                </a:extLst>
-              </p:cNvPr>
-              <p:cNvSpPr txBox="1"/>
-              <p:nvPr/>
-            </p:nvSpPr>
-            <p:spPr>
-              <a:xfrm>
-                <a:off x="6815365" y="5682006"/>
-                <a:ext cx="1320553" cy="1291316"/>
-              </a:xfrm>
-              <a:prstGeom prst="rect">
-                <a:avLst/>
-              </a:prstGeom>
-              <a:noFill/>
-            </p:spPr>
-            <p:txBody>
-              <a:bodyPr wrap="none" rtlCol="0">
-                <a:spAutoFit/>
-              </a:bodyPr>
-              <a:lstStyle/>
-              <a:p>
-                <a:pPr/>
-                <a14:m>
-                  <m:oMathPara xmlns:m="http://schemas.openxmlformats.org/officeDocument/2006/math">
-                    <m:oMathParaPr>
-                      <m:jc m:val="centerGroup"/>
-                    </m:oMathParaPr>
-                    <m:oMath xmlns:m="http://schemas.openxmlformats.org/officeDocument/2006/math">
-                      <m:sSup>
-                        <m:sSupPr>
-                          <m:ctrlPr>
-                            <a:rPr lang="en-GB" sz="1600" b="0" i="1" smtClean="0">
-                              <a:solidFill>
-                                <a:srgbClr val="0070C0"/>
-                              </a:solidFill>
-                              <a:latin typeface="Cambria Math" panose="02040503050406030204" pitchFamily="18" charset="0"/>
-                            </a:rPr>
-                          </m:ctrlPr>
-                        </m:sSupPr>
-                        <m:e>
-                          <m:r>
-                            <a:rPr lang="en-GB" sz="1600" b="0" i="1" smtClean="0">
-                              <a:solidFill>
-                                <a:srgbClr val="0070C0"/>
-                              </a:solidFill>
-                              <a:latin typeface="Cambria Math" panose="02040503050406030204" pitchFamily="18" charset="0"/>
-                            </a:rPr>
-                            <m:t>𝑎</m:t>
-                          </m:r>
-                        </m:e>
-                        <m:sup>
-                          <m:r>
-                            <a:rPr lang="en-GB" sz="1600" b="0" i="1" smtClean="0">
-                              <a:solidFill>
-                                <a:srgbClr val="0070C0"/>
-                              </a:solidFill>
-                              <a:latin typeface="Cambria Math" panose="02040503050406030204" pitchFamily="18" charset="0"/>
-                            </a:rPr>
-                            <m:t>(</m:t>
-                          </m:r>
-                          <m:r>
-                            <a:rPr lang="en-GB" sz="1600" b="0" i="1" smtClean="0">
-                              <a:solidFill>
-                                <a:srgbClr val="0070C0"/>
-                              </a:solidFill>
-                              <a:latin typeface="Cambria Math" panose="02040503050406030204" pitchFamily="18" charset="0"/>
-                            </a:rPr>
-                            <m:t>2</m:t>
-                          </m:r>
-                          <m:r>
-                            <a:rPr lang="en-GB" sz="1600" b="0" i="1" smtClean="0">
-                              <a:solidFill>
-                                <a:srgbClr val="0070C0"/>
-                              </a:solidFill>
-                              <a:latin typeface="Cambria Math" panose="02040503050406030204" pitchFamily="18" charset="0"/>
-                            </a:rPr>
-                            <m:t>)</m:t>
-                          </m:r>
-                        </m:sup>
-                      </m:sSup>
-                      <m:r>
-                        <a:rPr lang="en-GB" sz="1600" b="0" i="1" smtClean="0">
-                          <a:solidFill>
-                            <a:srgbClr val="0070C0"/>
-                          </a:solidFill>
-                          <a:latin typeface="Cambria Math" panose="02040503050406030204" pitchFamily="18" charset="0"/>
-                        </a:rPr>
-                        <m:t>=</m:t>
-                      </m:r>
-                      <m:d>
-                        <m:dPr>
-                          <m:begChr m:val="["/>
-                          <m:endChr m:val="]"/>
-                          <m:ctrlPr>
-                            <a:rPr lang="en-GB" sz="1600" i="1" smtClean="0">
-                              <a:solidFill>
-                                <a:srgbClr val="0070C0"/>
-                              </a:solidFill>
-                              <a:latin typeface="Cambria Math" panose="02040503050406030204" pitchFamily="18" charset="0"/>
-                            </a:rPr>
-                          </m:ctrlPr>
-                        </m:dPr>
-                        <m:e>
-                          <m:m>
-                            <m:mPr>
-                              <m:mcs>
-                                <m:mc>
-                                  <m:mcPr>
-                                    <m:count m:val="1"/>
-                                    <m:mcJc m:val="center"/>
-                                  </m:mcPr>
-                                </m:mc>
-                              </m:mcs>
-                              <m:ctrlPr>
-                                <a:rPr lang="en-GB" sz="1600" i="1" smtClean="0">
-                                  <a:solidFill>
-                                    <a:srgbClr val="0070C0"/>
-                                  </a:solidFill>
-                                  <a:latin typeface="Cambria Math" panose="02040503050406030204" pitchFamily="18" charset="0"/>
-                                </a:rPr>
-                              </m:ctrlPr>
-                            </m:mPr>
-                            <m:mr>
-                              <m:e>
-                                <m:r>
-                                  <m:rPr>
-                                    <m:brk m:alnAt="7"/>
-                                  </m:rPr>
-                                  <a:rPr lang="en-GB" sz="1600" b="0" i="1" smtClean="0">
-                                    <a:solidFill>
-                                      <a:srgbClr val="0070C0"/>
-                                    </a:solidFill>
-                                    <a:latin typeface="Cambria Math" panose="02040503050406030204" pitchFamily="18" charset="0"/>
-                                  </a:rPr>
-                                  <m:t>1</m:t>
-                                </m:r>
-                              </m:e>
-                            </m:mr>
-                            <m:mr>
-                              <m:e>
-                                <m:sSubSup>
-                                  <m:sSubSupPr>
-                                    <m:ctrlPr>
-                                      <a:rPr lang="en-GB" sz="1600" i="1" dirty="0">
-                                        <a:solidFill>
-                                          <a:srgbClr val="0070C0"/>
-                                        </a:solidFill>
-                                        <a:latin typeface="Cambria Math" panose="02040503050406030204" pitchFamily="18" charset="0"/>
-                                      </a:rPr>
-                                    </m:ctrlPr>
-                                  </m:sSubSupPr>
-                                  <m:e>
-                                    <m:r>
-                                      <a:rPr lang="en-GB" sz="1600" i="1" dirty="0">
-                                        <a:solidFill>
-                                          <a:srgbClr val="0070C0"/>
-                                        </a:solidFill>
-                                        <a:latin typeface="Cambria Math" panose="02040503050406030204" pitchFamily="18" charset="0"/>
-                                      </a:rPr>
-                                      <m:t>𝑎</m:t>
-                                    </m:r>
-                                  </m:e>
-                                  <m:sub>
-                                    <m:r>
-                                      <a:rPr lang="en-GB" sz="1600" i="1" dirty="0">
-                                        <a:solidFill>
-                                          <a:srgbClr val="0070C0"/>
-                                        </a:solidFill>
-                                        <a:latin typeface="Cambria Math" panose="02040503050406030204" pitchFamily="18" charset="0"/>
-                                      </a:rPr>
-                                      <m:t>1</m:t>
-                                    </m:r>
-                                  </m:sub>
-                                  <m:sup>
-                                    <m:r>
-                                      <a:rPr lang="en-GB" sz="1600" i="1" dirty="0">
-                                        <a:solidFill>
-                                          <a:srgbClr val="0070C0"/>
-                                        </a:solidFill>
-                                        <a:latin typeface="Cambria Math" panose="02040503050406030204" pitchFamily="18" charset="0"/>
-                                      </a:rPr>
-                                      <m:t>(2)</m:t>
-                                    </m:r>
-                                  </m:sup>
-                                </m:sSubSup>
-                              </m:e>
-                            </m:mr>
-                            <m:mr>
-                              <m:e>
-                                <m:m>
-                                  <m:mPr>
-                                    <m:mcs>
-                                      <m:mc>
-                                        <m:mcPr>
-                                          <m:count m:val="1"/>
-                                          <m:mcJc m:val="center"/>
-                                        </m:mcPr>
-                                      </m:mc>
-                                    </m:mcs>
-                                    <m:ctrlPr>
-                                      <a:rPr lang="en-GB" sz="1600" i="1" smtClean="0">
-                                        <a:solidFill>
-                                          <a:srgbClr val="0070C0"/>
-                                        </a:solidFill>
-                                        <a:latin typeface="Cambria Math" panose="02040503050406030204" pitchFamily="18" charset="0"/>
-                                      </a:rPr>
-                                    </m:ctrlPr>
-                                  </m:mPr>
-                                  <m:mr>
-                                    <m:e>
-                                      <m:sSubSup>
-                                        <m:sSubSupPr>
-                                          <m:ctrlPr>
-                                            <a:rPr lang="en-GB" sz="1600" i="1" dirty="0">
-                                              <a:solidFill>
-                                                <a:srgbClr val="0070C0"/>
-                                              </a:solidFill>
-                                              <a:latin typeface="Cambria Math" panose="02040503050406030204" pitchFamily="18" charset="0"/>
-                                            </a:rPr>
-                                          </m:ctrlPr>
-                                        </m:sSubSupPr>
-                                        <m:e>
-                                          <m:r>
-                                            <a:rPr lang="en-GB" sz="1600" i="1" dirty="0">
-                                              <a:solidFill>
-                                                <a:srgbClr val="0070C0"/>
-                                              </a:solidFill>
-                                              <a:latin typeface="Cambria Math" panose="02040503050406030204" pitchFamily="18" charset="0"/>
-                                            </a:rPr>
-                                            <m:t>𝑎</m:t>
-                                          </m:r>
-                                        </m:e>
-                                        <m:sub>
-                                          <m:r>
-                                            <a:rPr lang="en-GB" sz="1600" i="1" dirty="0">
-                                              <a:solidFill>
-                                                <a:srgbClr val="0070C0"/>
-                                              </a:solidFill>
-                                              <a:latin typeface="Cambria Math" panose="02040503050406030204" pitchFamily="18" charset="0"/>
-                                            </a:rPr>
-                                            <m:t>2</m:t>
-                                          </m:r>
-                                        </m:sub>
-                                        <m:sup>
-                                          <m:r>
-                                            <a:rPr lang="en-GB" sz="1600" i="1" dirty="0">
-                                              <a:solidFill>
-                                                <a:srgbClr val="0070C0"/>
-                                              </a:solidFill>
-                                              <a:latin typeface="Cambria Math" panose="02040503050406030204" pitchFamily="18" charset="0"/>
-                                            </a:rPr>
-                                            <m:t>(2)</m:t>
-                                          </m:r>
-                                        </m:sup>
-                                      </m:sSubSup>
-                                    </m:e>
-                                  </m:mr>
-                                  <m:mr>
-                                    <m:e>
-                                      <m:sSubSup>
-                                        <m:sSubSupPr>
-                                          <m:ctrlPr>
-                                            <a:rPr lang="en-GB" sz="1600" i="1" dirty="0">
-                                              <a:solidFill>
-                                                <a:srgbClr val="0070C0"/>
-                                              </a:solidFill>
-                                              <a:latin typeface="Cambria Math" panose="02040503050406030204" pitchFamily="18" charset="0"/>
-                                            </a:rPr>
-                                          </m:ctrlPr>
-                                        </m:sSubSupPr>
-                                        <m:e>
-                                          <m:r>
-                                            <a:rPr lang="en-GB" sz="1600" i="1" dirty="0">
-                                              <a:solidFill>
-                                                <a:srgbClr val="0070C0"/>
-                                              </a:solidFill>
-                                              <a:latin typeface="Cambria Math" panose="02040503050406030204" pitchFamily="18" charset="0"/>
-                                            </a:rPr>
-                                            <m:t>𝑎</m:t>
-                                          </m:r>
-                                        </m:e>
-                                        <m:sub>
-                                          <m:r>
-                                            <a:rPr lang="en-GB" sz="1600" i="1" dirty="0">
-                                              <a:solidFill>
-                                                <a:srgbClr val="0070C0"/>
-                                              </a:solidFill>
-                                              <a:latin typeface="Cambria Math" panose="02040503050406030204" pitchFamily="18" charset="0"/>
-                                            </a:rPr>
-                                            <m:t>3</m:t>
-                                          </m:r>
-                                        </m:sub>
-                                        <m:sup>
-                                          <m:r>
-                                            <a:rPr lang="en-GB" sz="1600" i="1" dirty="0">
-                                              <a:solidFill>
-                                                <a:srgbClr val="0070C0"/>
-                                              </a:solidFill>
-                                              <a:latin typeface="Cambria Math" panose="02040503050406030204" pitchFamily="18" charset="0"/>
-                                            </a:rPr>
-                                            <m:t>(2)</m:t>
-                                          </m:r>
-                                        </m:sup>
-                                      </m:sSubSup>
-                                    </m:e>
-                                  </m:mr>
-                                </m:m>
-                              </m:e>
-                            </m:mr>
-                          </m:m>
-                        </m:e>
-                      </m:d>
-                    </m:oMath>
-                  </m:oMathPara>
-                </a14:m>
-                <a:endParaRPr lang="en-GB" sz="1600" dirty="0">
-                  <a:solidFill>
-                    <a:srgbClr val="0070C0"/>
-                  </a:solidFill>
-                </a:endParaRPr>
-              </a:p>
-            </p:txBody>
-          </p:sp>
-        </mc:Choice>
-        <mc:Fallback>
-          <p:sp>
-            <p:nvSpPr>
-              <p:cNvPr id="84" name="TextBox 83">
-                <a:extLst>
-                  <a:ext uri="{FF2B5EF4-FFF2-40B4-BE49-F238E27FC236}">
-                    <a16:creationId xmlns:a16="http://schemas.microsoft.com/office/drawing/2014/main" id="{7719B555-6FD7-4CAE-81C0-0CD68076B343}"/>
-                  </a:ext>
-                </a:extLst>
-              </p:cNvPr>
-              <p:cNvSpPr txBox="1">
-                <a:spLocks noRot="1" noChangeAspect="1" noMove="1" noResize="1" noEditPoints="1" noAdjustHandles="1" noChangeArrowheads="1" noChangeShapeType="1" noTextEdit="1"/>
-              </p:cNvSpPr>
-              <p:nvPr/>
-            </p:nvSpPr>
-            <p:spPr>
-              <a:xfrm>
-                <a:off x="6815365" y="5682006"/>
-                <a:ext cx="1320553" cy="1291316"/>
-              </a:xfrm>
-              <a:prstGeom prst="rect">
-                <a:avLst/>
-              </a:prstGeom>
-              <a:blipFill>
-                <a:blip r:embed="rId39"/>
-                <a:stretch>
-                  <a:fillRect/>
-                </a:stretch>
-              </a:blipFill>
-            </p:spPr>
-            <p:txBody>
-              <a:bodyPr/>
-              <a:lstStyle/>
-              <a:p>
-                <a:r>
-                  <a:rPr lang="en-GB">
-                    <a:noFill/>
-                  </a:rPr>
-                  <a:t> </a:t>
-                </a:r>
-              </a:p>
-            </p:txBody>
-          </p:sp>
-        </mc:Fallback>
-      </mc:AlternateContent>
-      <mc:AlternateContent xmlns:mc="http://schemas.openxmlformats.org/markup-compatibility/2006">
-        <mc:Choice xmlns:a14="http://schemas.microsoft.com/office/drawing/2010/main" Requires="a14">
-          <p:sp>
-            <p:nvSpPr>
-              <p:cNvPr id="85" name="TextBox 84">
-                <a:extLst>
-                  <a:ext uri="{FF2B5EF4-FFF2-40B4-BE49-F238E27FC236}">
-                    <a16:creationId xmlns:a16="http://schemas.microsoft.com/office/drawing/2014/main" id="{2F6E82FF-24EB-4143-97F6-D416DDCA8346}"/>
-                  </a:ext>
-                </a:extLst>
-              </p:cNvPr>
-              <p:cNvSpPr txBox="1"/>
-              <p:nvPr/>
-            </p:nvSpPr>
-            <p:spPr>
-              <a:xfrm>
-                <a:off x="189652" y="4940489"/>
-                <a:ext cx="1586973" cy="744178"/>
-              </a:xfrm>
-              <a:prstGeom prst="rect">
-                <a:avLst/>
-              </a:prstGeom>
-              <a:noFill/>
-            </p:spPr>
-            <p:txBody>
-              <a:bodyPr wrap="none" rtlCol="0">
-                <a:spAutoFit/>
-              </a:bodyPr>
-              <a:lstStyle/>
-              <a:p>
-                <a:pPr/>
-                <a14:m>
-                  <m:oMathPara xmlns:m="http://schemas.openxmlformats.org/officeDocument/2006/math">
-                    <m:oMathParaPr>
-                      <m:jc m:val="centerGroup"/>
-                    </m:oMathParaPr>
-                    <m:oMath xmlns:m="http://schemas.openxmlformats.org/officeDocument/2006/math">
-                      <m:r>
-                        <a:rPr lang="en-GB" sz="1600" b="0" i="1" smtClean="0">
-                          <a:latin typeface="Cambria Math" panose="02040503050406030204" pitchFamily="18" charset="0"/>
-                        </a:rPr>
-                        <m:t>𝑥</m:t>
-                      </m:r>
-                      <m:r>
-                        <a:rPr lang="en-GB" sz="1600" b="0" i="1" smtClean="0">
-                          <a:latin typeface="Cambria Math" panose="02040503050406030204" pitchFamily="18" charset="0"/>
-                        </a:rPr>
-                        <m:t>=</m:t>
-                      </m:r>
-                      <m:sSup>
-                        <m:sSupPr>
-                          <m:ctrlPr>
-                            <a:rPr lang="en-GB" sz="1600" i="1">
-                              <a:latin typeface="Cambria Math" panose="02040503050406030204" pitchFamily="18" charset="0"/>
-                            </a:rPr>
-                          </m:ctrlPr>
-                        </m:sSupPr>
-                        <m:e>
-                          <m:r>
-                            <a:rPr lang="en-GB" sz="1600" i="1">
-                              <a:latin typeface="Cambria Math" panose="02040503050406030204" pitchFamily="18" charset="0"/>
-                            </a:rPr>
-                            <m:t>𝑎</m:t>
-                          </m:r>
-                        </m:e>
-                        <m:sup>
-                          <m:r>
-                            <a:rPr lang="en-GB" sz="1600" i="1">
-                              <a:latin typeface="Cambria Math" panose="02040503050406030204" pitchFamily="18" charset="0"/>
-                            </a:rPr>
-                            <m:t>(</m:t>
-                          </m:r>
-                          <m:r>
-                            <a:rPr lang="en-GB" sz="1600" b="0" i="1" smtClean="0">
-                              <a:latin typeface="Cambria Math" panose="02040503050406030204" pitchFamily="18" charset="0"/>
-                            </a:rPr>
-                            <m:t>1</m:t>
-                          </m:r>
-                          <m:r>
-                            <a:rPr lang="en-GB" sz="1600" i="1">
-                              <a:latin typeface="Cambria Math" panose="02040503050406030204" pitchFamily="18" charset="0"/>
-                            </a:rPr>
-                            <m:t>)</m:t>
-                          </m:r>
-                        </m:sup>
-                      </m:sSup>
-                      <m:r>
-                        <a:rPr lang="en-GB" sz="1600" b="0" i="1" smtClean="0">
-                          <a:latin typeface="Cambria Math" panose="02040503050406030204" pitchFamily="18" charset="0"/>
-                        </a:rPr>
-                        <m:t>=</m:t>
-                      </m:r>
-                      <m:d>
-                        <m:dPr>
-                          <m:begChr m:val="["/>
-                          <m:endChr m:val="]"/>
-                          <m:ctrlPr>
-                            <a:rPr lang="en-GB" sz="1600" i="1" smtClean="0">
-                              <a:latin typeface="Cambria Math" panose="02040503050406030204" pitchFamily="18" charset="0"/>
-                            </a:rPr>
-                          </m:ctrlPr>
-                        </m:dPr>
-                        <m:e>
-                          <m:m>
-                            <m:mPr>
-                              <m:mcs>
-                                <m:mc>
-                                  <m:mcPr>
-                                    <m:count m:val="1"/>
-                                    <m:mcJc m:val="center"/>
-                                  </m:mcPr>
-                                </m:mc>
-                              </m:mcs>
-                              <m:ctrlPr>
-                                <a:rPr lang="en-GB" sz="1600" i="1" smtClean="0">
-                                  <a:latin typeface="Cambria Math" panose="02040503050406030204" pitchFamily="18" charset="0"/>
-                                </a:rPr>
-                              </m:ctrlPr>
-                            </m:mPr>
-                            <m:mr>
-                              <m:e>
-                                <m:sSub>
-                                  <m:sSubPr>
-                                    <m:ctrlPr>
-                                      <a:rPr lang="en-GB" sz="1600" i="1">
-                                        <a:latin typeface="Cambria Math" panose="02040503050406030204" pitchFamily="18" charset="0"/>
-                                      </a:rPr>
-                                    </m:ctrlPr>
-                                  </m:sSubPr>
-                                  <m:e>
-                                    <m:r>
-                                      <a:rPr lang="en-GB" sz="1600" i="1">
-                                        <a:latin typeface="Cambria Math" panose="02040503050406030204" pitchFamily="18" charset="0"/>
-                                      </a:rPr>
-                                      <m:t>𝑥</m:t>
-                                    </m:r>
-                                  </m:e>
-                                  <m:sub>
-                                    <m:r>
-                                      <a:rPr lang="en-GB" sz="1600" i="1">
-                                        <a:latin typeface="Cambria Math" panose="02040503050406030204" pitchFamily="18" charset="0"/>
-                                      </a:rPr>
-                                      <m:t>1</m:t>
-                                    </m:r>
-                                  </m:sub>
-                                </m:sSub>
-                              </m:e>
-                            </m:mr>
-                            <m:mr>
-                              <m:e>
-                                <m:sSub>
-                                  <m:sSubPr>
-                                    <m:ctrlPr>
-                                      <a:rPr lang="en-GB" sz="1600" i="1">
-                                        <a:latin typeface="Cambria Math" panose="02040503050406030204" pitchFamily="18" charset="0"/>
-                                      </a:rPr>
-                                    </m:ctrlPr>
-                                  </m:sSubPr>
-                                  <m:e>
-                                    <m:r>
-                                      <a:rPr lang="en-GB" sz="1600" i="1">
-                                        <a:latin typeface="Cambria Math" panose="02040503050406030204" pitchFamily="18" charset="0"/>
-                                      </a:rPr>
-                                      <m:t>𝑥</m:t>
-                                    </m:r>
-                                  </m:e>
-                                  <m:sub>
-                                    <m:r>
-                                      <a:rPr lang="en-GB" sz="1600" i="1">
-                                        <a:latin typeface="Cambria Math" panose="02040503050406030204" pitchFamily="18" charset="0"/>
-                                      </a:rPr>
-                                      <m:t>2</m:t>
-                                    </m:r>
-                                  </m:sub>
-                                </m:sSub>
-                              </m:e>
-                            </m:mr>
-                            <m:mr>
-                              <m:e>
-                                <m:sSub>
-                                  <m:sSubPr>
-                                    <m:ctrlPr>
-                                      <a:rPr lang="en-GB" sz="1600" i="1">
-                                        <a:latin typeface="Cambria Math" panose="02040503050406030204" pitchFamily="18" charset="0"/>
-                                      </a:rPr>
-                                    </m:ctrlPr>
-                                  </m:sSubPr>
-                                  <m:e>
-                                    <m:r>
-                                      <a:rPr lang="en-GB" sz="1600" i="1">
-                                        <a:latin typeface="Cambria Math" panose="02040503050406030204" pitchFamily="18" charset="0"/>
-                                      </a:rPr>
-                                      <m:t>𝑥</m:t>
-                                    </m:r>
-                                  </m:e>
-                                  <m:sub>
-                                    <m:r>
-                                      <a:rPr lang="en-GB" sz="1600" i="1">
-                                        <a:latin typeface="Cambria Math" panose="02040503050406030204" pitchFamily="18" charset="0"/>
-                                      </a:rPr>
-                                      <m:t>3</m:t>
-                                    </m:r>
-                                  </m:sub>
-                                </m:sSub>
-                              </m:e>
-                            </m:mr>
-                          </m:m>
-                        </m:e>
-                      </m:d>
-                    </m:oMath>
-                  </m:oMathPara>
-                </a14:m>
-                <a:endParaRPr lang="en-GB" sz="1600" dirty="0"/>
-              </a:p>
-            </p:txBody>
-          </p:sp>
-        </mc:Choice>
-        <mc:Fallback>
-          <p:sp>
-            <p:nvSpPr>
-              <p:cNvPr id="85" name="TextBox 84">
-                <a:extLst>
-                  <a:ext uri="{FF2B5EF4-FFF2-40B4-BE49-F238E27FC236}">
-                    <a16:creationId xmlns:a16="http://schemas.microsoft.com/office/drawing/2014/main" id="{2F6E82FF-24EB-4143-97F6-D416DDCA8346}"/>
-                  </a:ext>
-                </a:extLst>
-              </p:cNvPr>
-              <p:cNvSpPr txBox="1">
-                <a:spLocks noRot="1" noChangeAspect="1" noMove="1" noResize="1" noEditPoints="1" noAdjustHandles="1" noChangeArrowheads="1" noChangeShapeType="1" noTextEdit="1"/>
-              </p:cNvSpPr>
-              <p:nvPr/>
-            </p:nvSpPr>
-            <p:spPr>
-              <a:xfrm>
-                <a:off x="189652" y="4940489"/>
-                <a:ext cx="1586973" cy="744178"/>
-              </a:xfrm>
-              <a:prstGeom prst="rect">
-                <a:avLst/>
-              </a:prstGeom>
-              <a:blipFill>
-                <a:blip r:embed="rId40"/>
-                <a:stretch>
-                  <a:fillRect/>
-                </a:stretch>
-              </a:blipFill>
-            </p:spPr>
-            <p:txBody>
-              <a:bodyPr/>
-              <a:lstStyle/>
-              <a:p>
-                <a:r>
-                  <a:rPr lang="en-GB">
-                    <a:noFill/>
-                  </a:rPr>
-                  <a:t> </a:t>
-                </a:r>
-              </a:p>
-            </p:txBody>
-          </p:sp>
-        </mc:Fallback>
-      </mc:AlternateContent>
-      <mc:AlternateContent xmlns:mc="http://schemas.openxmlformats.org/markup-compatibility/2006">
-        <mc:Choice xmlns:a14="http://schemas.microsoft.com/office/drawing/2010/main" Requires="a14">
-          <p:sp>
-            <p:nvSpPr>
-              <p:cNvPr id="86" name="TextBox 85">
-                <a:extLst>
-                  <a:ext uri="{FF2B5EF4-FFF2-40B4-BE49-F238E27FC236}">
-                    <a16:creationId xmlns:a16="http://schemas.microsoft.com/office/drawing/2014/main" id="{622E6058-8A87-41E7-9829-4D81BE55DBAB}"/>
-                  </a:ext>
-                </a:extLst>
-              </p:cNvPr>
-              <p:cNvSpPr txBox="1"/>
-              <p:nvPr/>
-            </p:nvSpPr>
-            <p:spPr>
-              <a:xfrm>
-                <a:off x="9868270" y="5220341"/>
-                <a:ext cx="2374368" cy="461665"/>
-              </a:xfrm>
-              <a:prstGeom prst="rect">
-                <a:avLst/>
-              </a:prstGeom>
-              <a:noFill/>
-            </p:spPr>
-            <p:txBody>
-              <a:bodyPr wrap="none" rtlCol="0">
-                <a:spAutoFit/>
-              </a:bodyPr>
-              <a:lstStyle/>
-              <a:p>
-                <a:pPr/>
-                <a14:m>
-                  <m:oMathPara xmlns:m="http://schemas.openxmlformats.org/officeDocument/2006/math">
-                    <m:oMathParaPr>
-                      <m:jc m:val="centerGroup"/>
-                    </m:oMathParaPr>
-                    <m:oMath xmlns:m="http://schemas.openxmlformats.org/officeDocument/2006/math">
-                      <m:sSup>
-                        <m:sSupPr>
-                          <m:ctrlPr>
-                            <a:rPr lang="en-GB" sz="1600" b="0" i="1" smtClean="0">
-                              <a:solidFill>
-                                <a:srgbClr val="FF0000"/>
-                              </a:solidFill>
-                              <a:latin typeface="Cambria Math" panose="02040503050406030204" pitchFamily="18" charset="0"/>
-                            </a:rPr>
-                          </m:ctrlPr>
-                        </m:sSupPr>
-                        <m:e>
-                          <m:r>
-                            <a:rPr lang="en-GB" sz="1600" b="0" i="1" smtClean="0">
-                              <a:solidFill>
-                                <a:srgbClr val="FF0000"/>
-                              </a:solidFill>
-                              <a:latin typeface="Cambria Math" panose="02040503050406030204" pitchFamily="18" charset="0"/>
-                            </a:rPr>
-                            <m:t>𝑧</m:t>
-                          </m:r>
-                        </m:e>
-                        <m:sup>
-                          <m:r>
-                            <a:rPr lang="en-GB" sz="1600" b="0" i="1" smtClean="0">
-                              <a:solidFill>
-                                <a:srgbClr val="FF0000"/>
-                              </a:solidFill>
-                              <a:latin typeface="Cambria Math" panose="02040503050406030204" pitchFamily="18" charset="0"/>
-                            </a:rPr>
-                            <m:t>(</m:t>
-                          </m:r>
-                          <m:r>
-                            <a:rPr lang="en-GB" sz="1600" b="0" i="1" smtClean="0">
-                              <a:solidFill>
-                                <a:srgbClr val="FF0000"/>
-                              </a:solidFill>
-                              <a:latin typeface="Cambria Math" panose="02040503050406030204" pitchFamily="18" charset="0"/>
-                            </a:rPr>
-                            <m:t>3</m:t>
-                          </m:r>
-                          <m:r>
-                            <a:rPr lang="en-GB" sz="1600" b="0" i="1" smtClean="0">
-                              <a:solidFill>
-                                <a:srgbClr val="FF0000"/>
-                              </a:solidFill>
-                              <a:latin typeface="Cambria Math" panose="02040503050406030204" pitchFamily="18" charset="0"/>
-                            </a:rPr>
-                            <m:t>)</m:t>
-                          </m:r>
-                        </m:sup>
-                      </m:sSup>
-                      <m:r>
-                        <a:rPr lang="en-GB" sz="1600" b="0" i="1" smtClean="0">
-                          <a:solidFill>
-                            <a:srgbClr val="FF0000"/>
-                          </a:solidFill>
-                          <a:latin typeface="Cambria Math" panose="02040503050406030204" pitchFamily="18" charset="0"/>
-                        </a:rPr>
-                        <m:t>=</m:t>
-                      </m:r>
-                      <m:sSup>
-                        <m:sSupPr>
-                          <m:ctrlPr>
-                            <a:rPr lang="en-GB" sz="1600" b="0" i="1" smtClean="0">
-                              <a:solidFill>
-                                <a:srgbClr val="00B050"/>
-                              </a:solidFill>
-                              <a:latin typeface="Cambria Math" panose="02040503050406030204" pitchFamily="18" charset="0"/>
-                            </a:rPr>
-                          </m:ctrlPr>
-                        </m:sSupPr>
-                        <m:e>
-                          <m:sSup>
-                            <m:sSupPr>
-                              <m:ctrlPr>
-                                <a:rPr lang="en-GB" sz="1600" i="1">
-                                  <a:solidFill>
-                                    <a:srgbClr val="00B050"/>
-                                  </a:solidFill>
-                                  <a:latin typeface="Cambria Math" panose="02040503050406030204" pitchFamily="18" charset="0"/>
-                                </a:rPr>
-                              </m:ctrlPr>
-                            </m:sSupPr>
-                            <m:e>
-                              <m:r>
-                                <a:rPr lang="en-GB" sz="1600" i="1">
-                                  <a:solidFill>
-                                    <a:srgbClr val="00B050"/>
-                                  </a:solidFill>
-                                  <a:latin typeface="Cambria Math" panose="02040503050406030204" pitchFamily="18" charset="0"/>
-                                </a:rPr>
-                                <m:t>𝜃</m:t>
-                              </m:r>
-                            </m:e>
-                            <m:sup>
-                              <m:r>
-                                <a:rPr lang="en-GB" sz="1600" i="1">
-                                  <a:solidFill>
-                                    <a:srgbClr val="00B050"/>
-                                  </a:solidFill>
-                                  <a:latin typeface="Cambria Math" panose="02040503050406030204" pitchFamily="18" charset="0"/>
-                                </a:rPr>
-                                <m:t>(</m:t>
-                              </m:r>
-                              <m:r>
-                                <a:rPr lang="en-GB" sz="1600" b="0" i="1" smtClean="0">
-                                  <a:solidFill>
-                                    <a:srgbClr val="00B050"/>
-                                  </a:solidFill>
-                                  <a:latin typeface="Cambria Math" panose="02040503050406030204" pitchFamily="18" charset="0"/>
-                                </a:rPr>
-                                <m:t>2</m:t>
-                              </m:r>
-                              <m:r>
-                                <a:rPr lang="en-GB" sz="1600" i="1">
-                                  <a:solidFill>
-                                    <a:srgbClr val="00B050"/>
-                                  </a:solidFill>
-                                  <a:latin typeface="Cambria Math" panose="02040503050406030204" pitchFamily="18" charset="0"/>
-                                </a:rPr>
-                                <m:t>)</m:t>
-                              </m:r>
-                            </m:sup>
-                          </m:sSup>
-                        </m:e>
-                        <m:sup>
-                          <m:r>
-                            <a:rPr lang="en-GB" sz="1600" b="0" i="1" smtClean="0">
-                              <a:solidFill>
-                                <a:srgbClr val="00B050"/>
-                              </a:solidFill>
-                              <a:latin typeface="Cambria Math" panose="02040503050406030204" pitchFamily="18" charset="0"/>
-                            </a:rPr>
-                            <m:t>𝑇</m:t>
-                          </m:r>
-                        </m:sup>
-                      </m:sSup>
-                      <m:sSup>
-                        <m:sSupPr>
-                          <m:ctrlPr>
-                            <a:rPr lang="en-GB" sz="1600" i="1" smtClean="0">
-                              <a:solidFill>
-                                <a:srgbClr val="0070C0"/>
-                              </a:solidFill>
-                              <a:latin typeface="Cambria Math" panose="02040503050406030204" pitchFamily="18" charset="0"/>
-                            </a:rPr>
-                          </m:ctrlPr>
-                        </m:sSupPr>
-                        <m:e>
-                          <m:r>
-                            <a:rPr lang="en-GB" sz="1600" i="1">
-                              <a:solidFill>
-                                <a:srgbClr val="0070C0"/>
-                              </a:solidFill>
-                              <a:latin typeface="Cambria Math" panose="02040503050406030204" pitchFamily="18" charset="0"/>
-                            </a:rPr>
-                            <m:t>𝑎</m:t>
-                          </m:r>
-                        </m:e>
-                        <m:sup>
-                          <m:r>
-                            <a:rPr lang="en-GB" sz="1600" i="1">
-                              <a:solidFill>
-                                <a:srgbClr val="0070C0"/>
-                              </a:solidFill>
-                              <a:latin typeface="Cambria Math" panose="02040503050406030204" pitchFamily="18" charset="0"/>
-                            </a:rPr>
-                            <m:t>(</m:t>
-                          </m:r>
-                          <m:r>
-                            <a:rPr lang="en-GB" sz="1600" b="0" i="1" smtClean="0">
-                              <a:solidFill>
-                                <a:srgbClr val="0070C0"/>
-                              </a:solidFill>
-                              <a:latin typeface="Cambria Math" panose="02040503050406030204" pitchFamily="18" charset="0"/>
-                            </a:rPr>
-                            <m:t>2</m:t>
-                          </m:r>
-                          <m:r>
-                            <a:rPr lang="en-GB" sz="1600" i="1">
-                              <a:solidFill>
-                                <a:srgbClr val="0070C0"/>
-                              </a:solidFill>
-                              <a:latin typeface="Cambria Math" panose="02040503050406030204" pitchFamily="18" charset="0"/>
-                            </a:rPr>
-                            <m:t>)</m:t>
-                          </m:r>
-                        </m:sup>
-                      </m:sSup>
-                      <m:r>
-                        <a:rPr lang="en-GB" sz="1600" b="0" i="1" smtClean="0">
-                          <a:solidFill>
-                            <a:srgbClr val="FF0000"/>
-                          </a:solidFill>
-                          <a:latin typeface="Cambria Math" panose="02040503050406030204" pitchFamily="18" charset="0"/>
-                        </a:rPr>
-                        <m:t>=</m:t>
-                      </m:r>
-                      <m:d>
-                        <m:dPr>
-                          <m:begChr m:val="["/>
-                          <m:endChr m:val="]"/>
-                          <m:ctrlPr>
-                            <a:rPr lang="en-GB" sz="1600" i="1" smtClean="0">
-                              <a:solidFill>
-                                <a:srgbClr val="FF0000"/>
-                              </a:solidFill>
-                              <a:latin typeface="Cambria Math" panose="02040503050406030204" pitchFamily="18" charset="0"/>
-                            </a:rPr>
-                          </m:ctrlPr>
-                        </m:dPr>
-                        <m:e>
-                          <m:sSubSup>
-                            <m:sSubSupPr>
-                              <m:ctrlPr>
-                                <a:rPr lang="en-GB" sz="1600" i="1" smtClean="0">
-                                  <a:solidFill>
-                                    <a:srgbClr val="FF0000"/>
-                                  </a:solidFill>
-                                  <a:latin typeface="Cambria Math" panose="02040503050406030204" pitchFamily="18" charset="0"/>
-                                </a:rPr>
-                              </m:ctrlPr>
-                            </m:sSubSupPr>
-                            <m:e>
-                              <m:r>
-                                <a:rPr lang="en-GB" sz="1600" b="0" i="1" smtClean="0">
-                                  <a:solidFill>
-                                    <a:srgbClr val="FF0000"/>
-                                  </a:solidFill>
-                                  <a:latin typeface="Cambria Math" panose="02040503050406030204" pitchFamily="18" charset="0"/>
-                                </a:rPr>
-                                <m:t>𝑧</m:t>
-                              </m:r>
-                            </m:e>
-                            <m:sub>
-                              <m:r>
-                                <a:rPr lang="en-GB" sz="1600" i="1">
-                                  <a:solidFill>
-                                    <a:srgbClr val="FF0000"/>
-                                  </a:solidFill>
-                                  <a:latin typeface="Cambria Math" panose="02040503050406030204" pitchFamily="18" charset="0"/>
-                                </a:rPr>
-                                <m:t>1</m:t>
-                              </m:r>
-                            </m:sub>
-                            <m:sup>
-                              <m:r>
-                                <a:rPr lang="en-GB" sz="1600" i="1">
-                                  <a:solidFill>
-                                    <a:srgbClr val="FF0000"/>
-                                  </a:solidFill>
-                                  <a:latin typeface="Cambria Math" panose="02040503050406030204" pitchFamily="18" charset="0"/>
-                                </a:rPr>
-                                <m:t>(3)</m:t>
-                              </m:r>
-                            </m:sup>
-                          </m:sSubSup>
-                        </m:e>
-                      </m:d>
-                    </m:oMath>
-                  </m:oMathPara>
-                </a14:m>
-                <a:endParaRPr lang="en-GB" sz="1600" dirty="0">
-                  <a:solidFill>
-                    <a:srgbClr val="FF0000"/>
-                  </a:solidFill>
-                </a:endParaRPr>
-              </a:p>
-            </p:txBody>
-          </p:sp>
-        </mc:Choice>
-        <mc:Fallback>
-          <p:sp>
-            <p:nvSpPr>
-              <p:cNvPr id="86" name="TextBox 85">
-                <a:extLst>
-                  <a:ext uri="{FF2B5EF4-FFF2-40B4-BE49-F238E27FC236}">
-                    <a16:creationId xmlns:a16="http://schemas.microsoft.com/office/drawing/2014/main" id="{622E6058-8A87-41E7-9829-4D81BE55DBAB}"/>
-                  </a:ext>
-                </a:extLst>
-              </p:cNvPr>
-              <p:cNvSpPr txBox="1">
-                <a:spLocks noRot="1" noChangeAspect="1" noMove="1" noResize="1" noEditPoints="1" noAdjustHandles="1" noChangeArrowheads="1" noChangeShapeType="1" noTextEdit="1"/>
-              </p:cNvSpPr>
-              <p:nvPr/>
-            </p:nvSpPr>
-            <p:spPr>
-              <a:xfrm>
-                <a:off x="9868270" y="5220341"/>
-                <a:ext cx="2374368" cy="461665"/>
-              </a:xfrm>
-              <a:prstGeom prst="rect">
-                <a:avLst/>
-              </a:prstGeom>
-              <a:blipFill>
-                <a:blip r:embed="rId41"/>
-                <a:stretch>
-                  <a:fillRect/>
-                </a:stretch>
-              </a:blipFill>
-            </p:spPr>
-            <p:txBody>
-              <a:bodyPr/>
-              <a:lstStyle/>
-              <a:p>
-                <a:r>
-                  <a:rPr lang="en-GB">
-                    <a:noFill/>
-                  </a:rPr>
-                  <a:t> </a:t>
-                </a:r>
-              </a:p>
-            </p:txBody>
-          </p:sp>
-        </mc:Fallback>
-      </mc:AlternateContent>
-      <p:sp>
-        <p:nvSpPr>
-          <p:cNvPr id="87" name="TextBox 86">
+      <p:cxnSp>
+        <p:nvCxnSpPr>
+          <p:cNvPr id="91" name="Straight Arrow Connector 90">
             <a:extLst>
               <a:ext uri="{FF2B5EF4-FFF2-40B4-BE49-F238E27FC236}">
-                <a16:creationId xmlns:a16="http://schemas.microsoft.com/office/drawing/2014/main" id="{6C97F51C-24D4-4064-9A59-EC80B3632B18}"/>
+                <a16:creationId xmlns:a16="http://schemas.microsoft.com/office/drawing/2014/main" id="{42BA23C9-5F36-4DB2-A6CF-2C7EEDAACF55}"/>
               </a:ext>
             </a:extLst>
           </p:cNvPr>
-          <p:cNvSpPr txBox="1"/>
+          <p:cNvCxnSpPr>
+            <a:cxnSpLocks/>
+            <a:stCxn id="71" idx="6"/>
+            <a:endCxn id="80" idx="2"/>
+          </p:cNvCxnSpPr>
           <p:nvPr/>
-        </p:nvSpPr>
+        </p:nvCxnSpPr>
         <p:spPr>
           <a:xfrm>
-            <a:off x="294138" y="5687805"/>
-            <a:ext cx="896399" cy="338554"/>
+            <a:off x="2805808" y="1194757"/>
+            <a:ext cx="790124" cy="3421106"/>
           </a:xfrm>
-          <a:prstGeom prst="rect">
+          <a:prstGeom prst="straightConnector1">
             <a:avLst/>
           </a:prstGeom>
-          <a:noFill/>
+          <a:ln>
+            <a:solidFill>
+              <a:schemeClr val="tx1"/>
+            </a:solidFill>
+            <a:prstDash val="dash"/>
+            <a:tailEnd type="triangle"/>
+          </a:ln>
         </p:spPr>
-        <p:txBody>
-          <a:bodyPr wrap="none" rtlCol="0">
-            <a:spAutoFit/>
-          </a:bodyPr>
-          <a:lstStyle/>
-          <a:p>
-            <a:r>
-              <a:rPr lang="en-GB" sz="1600" dirty="0">
-                <a:solidFill>
-                  <a:srgbClr val="0070C0"/>
-                </a:solidFill>
-              </a:rPr>
-              <a:t>Add bias</a:t>
-            </a:r>
-          </a:p>
-        </p:txBody>
-      </p:sp>
-      <p:sp>
-        <p:nvSpPr>
-          <p:cNvPr id="88" name="TextBox 87">
+        <p:style>
+          <a:lnRef idx="1">
+            <a:schemeClr val="dk1"/>
+          </a:lnRef>
+          <a:fillRef idx="0">
+            <a:schemeClr val="dk1"/>
+          </a:fillRef>
+          <a:effectRef idx="0">
+            <a:schemeClr val="dk1"/>
+          </a:effectRef>
+          <a:fontRef idx="minor">
+            <a:schemeClr val="tx1"/>
+          </a:fontRef>
+        </p:style>
+      </p:cxnSp>
+      <p:cxnSp>
+        <p:nvCxnSpPr>
+          <p:cNvPr id="92" name="Straight Arrow Connector 91">
             <a:extLst>
               <a:ext uri="{FF2B5EF4-FFF2-40B4-BE49-F238E27FC236}">
-                <a16:creationId xmlns:a16="http://schemas.microsoft.com/office/drawing/2014/main" id="{2EA2ECE1-ECAC-4BE6-AE29-4A2C9850B402}"/>
+                <a16:creationId xmlns:a16="http://schemas.microsoft.com/office/drawing/2014/main" id="{3490BADB-2574-424C-8B41-933C3B7337CC}"/>
               </a:ext>
             </a:extLst>
           </p:cNvPr>
-          <p:cNvSpPr txBox="1"/>
+          <p:cNvCxnSpPr>
+            <a:cxnSpLocks/>
+            <a:stCxn id="7" idx="6"/>
+            <a:endCxn id="78" idx="2"/>
+          </p:cNvCxnSpPr>
           <p:nvPr/>
-        </p:nvSpPr>
+        </p:nvCxnSpPr>
+        <p:spPr>
+          <a:xfrm flipV="1">
+            <a:off x="2805809" y="2038944"/>
+            <a:ext cx="804866" cy="9090"/>
+          </a:xfrm>
+          <a:prstGeom prst="straightConnector1">
+            <a:avLst/>
+          </a:prstGeom>
+          <a:ln>
+            <a:solidFill>
+              <a:schemeClr val="tx1"/>
+            </a:solidFill>
+            <a:tailEnd type="triangle"/>
+          </a:ln>
+        </p:spPr>
+        <p:style>
+          <a:lnRef idx="1">
+            <a:schemeClr val="dk1"/>
+          </a:lnRef>
+          <a:fillRef idx="0">
+            <a:schemeClr val="dk1"/>
+          </a:fillRef>
+          <a:effectRef idx="0">
+            <a:schemeClr val="dk1"/>
+          </a:effectRef>
+          <a:fontRef idx="minor">
+            <a:schemeClr val="tx1"/>
+          </a:fontRef>
+        </p:style>
+      </p:cxnSp>
+      <p:cxnSp>
+        <p:nvCxnSpPr>
+          <p:cNvPr id="93" name="Straight Arrow Connector 92">
+            <a:extLst>
+              <a:ext uri="{FF2B5EF4-FFF2-40B4-BE49-F238E27FC236}">
+                <a16:creationId xmlns:a16="http://schemas.microsoft.com/office/drawing/2014/main" id="{C0D9AABF-BEAF-49DA-8416-44238675C45B}"/>
+              </a:ext>
+            </a:extLst>
+          </p:cNvPr>
+          <p:cNvCxnSpPr>
+            <a:cxnSpLocks/>
+            <a:stCxn id="33" idx="6"/>
+            <a:endCxn id="61" idx="2"/>
+          </p:cNvCxnSpPr>
+          <p:nvPr/>
+        </p:nvCxnSpPr>
         <p:spPr>
           <a:xfrm>
-            <a:off x="6597437" y="5764724"/>
-            <a:ext cx="896399" cy="338554"/>
+            <a:off x="2805809" y="3291383"/>
+            <a:ext cx="812372" cy="0"/>
           </a:xfrm>
-          <a:prstGeom prst="rect">
+          <a:prstGeom prst="straightConnector1">
             <a:avLst/>
           </a:prstGeom>
-          <a:noFill/>
+          <a:ln>
+            <a:solidFill>
+              <a:schemeClr val="tx1"/>
+            </a:solidFill>
+            <a:tailEnd type="triangle"/>
+          </a:ln>
         </p:spPr>
-        <p:txBody>
-          <a:bodyPr wrap="none" rtlCol="0">
-            <a:spAutoFit/>
-          </a:bodyPr>
-          <a:lstStyle/>
-          <a:p>
-            <a:r>
-              <a:rPr lang="en-GB" sz="1600" dirty="0">
-                <a:solidFill>
-                  <a:srgbClr val="0070C0"/>
-                </a:solidFill>
-              </a:rPr>
-              <a:t>Add bias</a:t>
-            </a:r>
-          </a:p>
-        </p:txBody>
-      </p:sp>
+        <p:style>
+          <a:lnRef idx="1">
+            <a:schemeClr val="dk1"/>
+          </a:lnRef>
+          <a:fillRef idx="0">
+            <a:schemeClr val="dk1"/>
+          </a:fillRef>
+          <a:effectRef idx="0">
+            <a:schemeClr val="dk1"/>
+          </a:effectRef>
+          <a:fontRef idx="minor">
+            <a:schemeClr val="tx1"/>
+          </a:fontRef>
+        </p:style>
+      </p:cxnSp>
+      <p:cxnSp>
+        <p:nvCxnSpPr>
+          <p:cNvPr id="94" name="Straight Arrow Connector 93">
+            <a:extLst>
+              <a:ext uri="{FF2B5EF4-FFF2-40B4-BE49-F238E27FC236}">
+                <a16:creationId xmlns:a16="http://schemas.microsoft.com/office/drawing/2014/main" id="{4711BE35-3CE8-4A94-A57F-8FAC0B7EBD2F}"/>
+              </a:ext>
+            </a:extLst>
+          </p:cNvPr>
+          <p:cNvCxnSpPr>
+            <a:cxnSpLocks/>
+            <a:stCxn id="34" idx="6"/>
+            <a:endCxn id="80" idx="2"/>
+          </p:cNvCxnSpPr>
+          <p:nvPr/>
+        </p:nvCxnSpPr>
+        <p:spPr>
+          <a:xfrm flipV="1">
+            <a:off x="2805809" y="4615863"/>
+            <a:ext cx="790123" cy="8711"/>
+          </a:xfrm>
+          <a:prstGeom prst="straightConnector1">
+            <a:avLst/>
+          </a:prstGeom>
+          <a:ln>
+            <a:solidFill>
+              <a:schemeClr val="tx1"/>
+            </a:solidFill>
+            <a:tailEnd type="triangle"/>
+          </a:ln>
+        </p:spPr>
+        <p:style>
+          <a:lnRef idx="1">
+            <a:schemeClr val="dk1"/>
+          </a:lnRef>
+          <a:fillRef idx="0">
+            <a:schemeClr val="dk1"/>
+          </a:fillRef>
+          <a:effectRef idx="0">
+            <a:schemeClr val="dk1"/>
+          </a:effectRef>
+          <a:fontRef idx="minor">
+            <a:schemeClr val="tx1"/>
+          </a:fontRef>
+        </p:style>
+      </p:cxnSp>
+      <p:cxnSp>
+        <p:nvCxnSpPr>
+          <p:cNvPr id="95" name="Straight Arrow Connector 94">
+            <a:extLst>
+              <a:ext uri="{FF2B5EF4-FFF2-40B4-BE49-F238E27FC236}">
+                <a16:creationId xmlns:a16="http://schemas.microsoft.com/office/drawing/2014/main" id="{41E64764-E0B7-42D6-BB18-3962FADDF017}"/>
+              </a:ext>
+            </a:extLst>
+          </p:cNvPr>
+          <p:cNvCxnSpPr>
+            <a:cxnSpLocks/>
+            <a:stCxn id="7" idx="6"/>
+            <a:endCxn id="61" idx="2"/>
+          </p:cNvCxnSpPr>
+          <p:nvPr/>
+        </p:nvCxnSpPr>
+        <p:spPr>
+          <a:xfrm>
+            <a:off x="2805809" y="2048034"/>
+            <a:ext cx="812372" cy="1243349"/>
+          </a:xfrm>
+          <a:prstGeom prst="straightConnector1">
+            <a:avLst/>
+          </a:prstGeom>
+          <a:ln>
+            <a:solidFill>
+              <a:schemeClr val="tx1"/>
+            </a:solidFill>
+            <a:tailEnd type="triangle"/>
+          </a:ln>
+        </p:spPr>
+        <p:style>
+          <a:lnRef idx="1">
+            <a:schemeClr val="dk1"/>
+          </a:lnRef>
+          <a:fillRef idx="0">
+            <a:schemeClr val="dk1"/>
+          </a:fillRef>
+          <a:effectRef idx="0">
+            <a:schemeClr val="dk1"/>
+          </a:effectRef>
+          <a:fontRef idx="minor">
+            <a:schemeClr val="tx1"/>
+          </a:fontRef>
+        </p:style>
+      </p:cxnSp>
+      <p:cxnSp>
+        <p:nvCxnSpPr>
+          <p:cNvPr id="96" name="Straight Arrow Connector 95">
+            <a:extLst>
+              <a:ext uri="{FF2B5EF4-FFF2-40B4-BE49-F238E27FC236}">
+                <a16:creationId xmlns:a16="http://schemas.microsoft.com/office/drawing/2014/main" id="{E0C0DD3A-2C0C-470C-9CE0-84FAD278B425}"/>
+              </a:ext>
+            </a:extLst>
+          </p:cNvPr>
+          <p:cNvCxnSpPr>
+            <a:cxnSpLocks/>
+            <a:stCxn id="7" idx="6"/>
+            <a:endCxn id="80" idx="2"/>
+          </p:cNvCxnSpPr>
+          <p:nvPr/>
+        </p:nvCxnSpPr>
+        <p:spPr>
+          <a:xfrm>
+            <a:off x="2805809" y="2048034"/>
+            <a:ext cx="790123" cy="2567829"/>
+          </a:xfrm>
+          <a:prstGeom prst="straightConnector1">
+            <a:avLst/>
+          </a:prstGeom>
+          <a:ln>
+            <a:solidFill>
+              <a:schemeClr val="tx1"/>
+            </a:solidFill>
+            <a:tailEnd type="triangle"/>
+          </a:ln>
+        </p:spPr>
+        <p:style>
+          <a:lnRef idx="1">
+            <a:schemeClr val="dk1"/>
+          </a:lnRef>
+          <a:fillRef idx="0">
+            <a:schemeClr val="dk1"/>
+          </a:fillRef>
+          <a:effectRef idx="0">
+            <a:schemeClr val="dk1"/>
+          </a:effectRef>
+          <a:fontRef idx="minor">
+            <a:schemeClr val="tx1"/>
+          </a:fontRef>
+        </p:style>
+      </p:cxnSp>
+      <p:cxnSp>
+        <p:nvCxnSpPr>
+          <p:cNvPr id="97" name="Straight Arrow Connector 96">
+            <a:extLst>
+              <a:ext uri="{FF2B5EF4-FFF2-40B4-BE49-F238E27FC236}">
+                <a16:creationId xmlns:a16="http://schemas.microsoft.com/office/drawing/2014/main" id="{2805ACDE-9A4D-4DF7-91B1-C1510A1FEB26}"/>
+              </a:ext>
+            </a:extLst>
+          </p:cNvPr>
+          <p:cNvCxnSpPr>
+            <a:cxnSpLocks/>
+            <a:stCxn id="33" idx="6"/>
+            <a:endCxn id="78" idx="2"/>
+          </p:cNvCxnSpPr>
+          <p:nvPr/>
+        </p:nvCxnSpPr>
+        <p:spPr>
+          <a:xfrm flipV="1">
+            <a:off x="2805809" y="2038944"/>
+            <a:ext cx="804866" cy="1252439"/>
+          </a:xfrm>
+          <a:prstGeom prst="straightConnector1">
+            <a:avLst/>
+          </a:prstGeom>
+          <a:ln>
+            <a:solidFill>
+              <a:schemeClr val="tx1"/>
+            </a:solidFill>
+            <a:tailEnd type="triangle"/>
+          </a:ln>
+        </p:spPr>
+        <p:style>
+          <a:lnRef idx="1">
+            <a:schemeClr val="dk1"/>
+          </a:lnRef>
+          <a:fillRef idx="0">
+            <a:schemeClr val="dk1"/>
+          </a:fillRef>
+          <a:effectRef idx="0">
+            <a:schemeClr val="dk1"/>
+          </a:effectRef>
+          <a:fontRef idx="minor">
+            <a:schemeClr val="tx1"/>
+          </a:fontRef>
+        </p:style>
+      </p:cxnSp>
+      <p:cxnSp>
+        <p:nvCxnSpPr>
+          <p:cNvPr id="98" name="Straight Arrow Connector 97">
+            <a:extLst>
+              <a:ext uri="{FF2B5EF4-FFF2-40B4-BE49-F238E27FC236}">
+                <a16:creationId xmlns:a16="http://schemas.microsoft.com/office/drawing/2014/main" id="{E7112A25-B5EB-4C52-9301-E13313DE638F}"/>
+              </a:ext>
+            </a:extLst>
+          </p:cNvPr>
+          <p:cNvCxnSpPr>
+            <a:cxnSpLocks/>
+            <a:stCxn id="33" idx="6"/>
+            <a:endCxn id="80" idx="2"/>
+          </p:cNvCxnSpPr>
+          <p:nvPr/>
+        </p:nvCxnSpPr>
+        <p:spPr>
+          <a:xfrm>
+            <a:off x="2805809" y="3291383"/>
+            <a:ext cx="790123" cy="1324480"/>
+          </a:xfrm>
+          <a:prstGeom prst="straightConnector1">
+            <a:avLst/>
+          </a:prstGeom>
+          <a:ln>
+            <a:solidFill>
+              <a:schemeClr val="tx1"/>
+            </a:solidFill>
+            <a:tailEnd type="triangle"/>
+          </a:ln>
+        </p:spPr>
+        <p:style>
+          <a:lnRef idx="1">
+            <a:schemeClr val="dk1"/>
+          </a:lnRef>
+          <a:fillRef idx="0">
+            <a:schemeClr val="dk1"/>
+          </a:fillRef>
+          <a:effectRef idx="0">
+            <a:schemeClr val="dk1"/>
+          </a:effectRef>
+          <a:fontRef idx="minor">
+            <a:schemeClr val="tx1"/>
+          </a:fontRef>
+        </p:style>
+      </p:cxnSp>
+      <p:cxnSp>
+        <p:nvCxnSpPr>
+          <p:cNvPr id="99" name="Straight Arrow Connector 98">
+            <a:extLst>
+              <a:ext uri="{FF2B5EF4-FFF2-40B4-BE49-F238E27FC236}">
+                <a16:creationId xmlns:a16="http://schemas.microsoft.com/office/drawing/2014/main" id="{061A19C2-E795-4328-B7C4-BA1F30E2B186}"/>
+              </a:ext>
+            </a:extLst>
+          </p:cNvPr>
+          <p:cNvCxnSpPr>
+            <a:cxnSpLocks/>
+            <a:stCxn id="34" idx="6"/>
+            <a:endCxn id="78" idx="2"/>
+          </p:cNvCxnSpPr>
+          <p:nvPr/>
+        </p:nvCxnSpPr>
+        <p:spPr>
+          <a:xfrm flipV="1">
+            <a:off x="2805809" y="2038944"/>
+            <a:ext cx="804866" cy="2585630"/>
+          </a:xfrm>
+          <a:prstGeom prst="straightConnector1">
+            <a:avLst/>
+          </a:prstGeom>
+          <a:ln>
+            <a:solidFill>
+              <a:schemeClr val="tx1"/>
+            </a:solidFill>
+            <a:tailEnd type="triangle"/>
+          </a:ln>
+        </p:spPr>
+        <p:style>
+          <a:lnRef idx="1">
+            <a:schemeClr val="dk1"/>
+          </a:lnRef>
+          <a:fillRef idx="0">
+            <a:schemeClr val="dk1"/>
+          </a:fillRef>
+          <a:effectRef idx="0">
+            <a:schemeClr val="dk1"/>
+          </a:effectRef>
+          <a:fontRef idx="minor">
+            <a:schemeClr val="tx1"/>
+          </a:fontRef>
+        </p:style>
+      </p:cxnSp>
+      <p:cxnSp>
+        <p:nvCxnSpPr>
+          <p:cNvPr id="100" name="Straight Arrow Connector 99">
+            <a:extLst>
+              <a:ext uri="{FF2B5EF4-FFF2-40B4-BE49-F238E27FC236}">
+                <a16:creationId xmlns:a16="http://schemas.microsoft.com/office/drawing/2014/main" id="{FF300F4B-E320-47E0-A01A-BEC2E68E059C}"/>
+              </a:ext>
+            </a:extLst>
+          </p:cNvPr>
+          <p:cNvCxnSpPr>
+            <a:cxnSpLocks/>
+            <a:stCxn id="34" idx="6"/>
+            <a:endCxn id="61" idx="2"/>
+          </p:cNvCxnSpPr>
+          <p:nvPr/>
+        </p:nvCxnSpPr>
+        <p:spPr>
+          <a:xfrm flipV="1">
+            <a:off x="2805809" y="3291383"/>
+            <a:ext cx="812372" cy="1333191"/>
+          </a:xfrm>
+          <a:prstGeom prst="straightConnector1">
+            <a:avLst/>
+          </a:prstGeom>
+          <a:ln>
+            <a:solidFill>
+              <a:schemeClr val="tx1"/>
+            </a:solidFill>
+            <a:tailEnd type="triangle"/>
+          </a:ln>
+        </p:spPr>
+        <p:style>
+          <a:lnRef idx="1">
+            <a:schemeClr val="dk1"/>
+          </a:lnRef>
+          <a:fillRef idx="0">
+            <a:schemeClr val="dk1"/>
+          </a:fillRef>
+          <a:effectRef idx="0">
+            <a:schemeClr val="dk1"/>
+          </a:effectRef>
+          <a:fontRef idx="minor">
+            <a:schemeClr val="tx1"/>
+          </a:fontRef>
+        </p:style>
+      </p:cxnSp>
     </p:spTree>
     <p:extLst>
       <p:ext uri="{BB962C8B-B14F-4D97-AF65-F5344CB8AC3E}">
@@ -18409,8 +11421,8 @@
           </a:p>
         </p:txBody>
       </p:sp>
-      <mc:AlternateContent xmlns:mc="http://schemas.openxmlformats.org/markup-compatibility/2006">
-        <mc:Choice xmlns:a14="http://schemas.microsoft.com/office/drawing/2010/main" Requires="a14">
+      <mc:AlternateContent xmlns:mc="http://schemas.openxmlformats.org/markup-compatibility/2006" xmlns:a14="http://schemas.microsoft.com/office/drawing/2010/main">
+        <mc:Choice Requires="a14">
           <p:sp>
             <p:nvSpPr>
               <p:cNvPr id="4" name="TextBox 3">
@@ -18439,6 +11451,7 @@
               </a:bodyPr>
               <a:lstStyle/>
               <a:p>
+                <a:pPr/>
                 <a14:m>
                   <m:oMathPara xmlns:m="http://schemas.openxmlformats.org/officeDocument/2006/math">
                     <m:oMathParaPr>
@@ -18490,7 +11503,7 @@
             </p:txBody>
           </p:sp>
         </mc:Choice>
-        <mc:Fallback>
+        <mc:Fallback xmlns="">
           <p:sp>
             <p:nvSpPr>
               <p:cNvPr id="4" name="TextBox 3">
@@ -18535,8 +11548,8 @@
           </p:sp>
         </mc:Fallback>
       </mc:AlternateContent>
-      <mc:AlternateContent xmlns:mc="http://schemas.openxmlformats.org/markup-compatibility/2006">
-        <mc:Choice xmlns:a14="http://schemas.microsoft.com/office/drawing/2010/main" Requires="a14">
+      <mc:AlternateContent xmlns:mc="http://schemas.openxmlformats.org/markup-compatibility/2006" xmlns:a14="http://schemas.microsoft.com/office/drawing/2010/main">
+        <mc:Choice Requires="a14">
           <p:sp>
             <p:nvSpPr>
               <p:cNvPr id="5" name="TextBox 4">
@@ -18565,6 +11578,7 @@
               </a:bodyPr>
               <a:lstStyle/>
               <a:p>
+                <a:pPr/>
                 <a14:m>
                   <m:oMathPara xmlns:m="http://schemas.openxmlformats.org/officeDocument/2006/math">
                     <m:oMathParaPr>
@@ -18679,7 +11693,7 @@
             </p:txBody>
           </p:sp>
         </mc:Choice>
-        <mc:Fallback>
+        <mc:Fallback xmlns="">
           <p:sp>
             <p:nvSpPr>
               <p:cNvPr id="5" name="TextBox 4">
@@ -18724,8 +11738,8 @@
           </p:sp>
         </mc:Fallback>
       </mc:AlternateContent>
-      <mc:AlternateContent xmlns:mc="http://schemas.openxmlformats.org/markup-compatibility/2006">
-        <mc:Choice xmlns:a14="http://schemas.microsoft.com/office/drawing/2010/main" Requires="a14">
+      <mc:AlternateContent xmlns:mc="http://schemas.openxmlformats.org/markup-compatibility/2006" xmlns:a14="http://schemas.microsoft.com/office/drawing/2010/main">
+        <mc:Choice Requires="a14">
           <p:sp>
             <p:nvSpPr>
               <p:cNvPr id="6" name="TextBox 5">
@@ -18840,7 +11854,7 @@
             </p:txBody>
           </p:sp>
         </mc:Choice>
-        <mc:Fallback>
+        <mc:Fallback xmlns="">
           <p:sp>
             <p:nvSpPr>
               <p:cNvPr id="6" name="TextBox 5">
@@ -18885,8 +11899,8 @@
           </p:sp>
         </mc:Fallback>
       </mc:AlternateContent>
-      <mc:AlternateContent xmlns:mc="http://schemas.openxmlformats.org/markup-compatibility/2006">
-        <mc:Choice xmlns:a14="http://schemas.microsoft.com/office/drawing/2010/main" Requires="a14">
+      <mc:AlternateContent xmlns:mc="http://schemas.openxmlformats.org/markup-compatibility/2006" xmlns:a14="http://schemas.microsoft.com/office/drawing/2010/main">
+        <mc:Choice Requires="a14">
           <p:sp>
             <p:nvSpPr>
               <p:cNvPr id="7" name="TextBox 6">
@@ -18915,6 +11929,7 @@
               </a:bodyPr>
               <a:lstStyle/>
               <a:p>
+                <a:pPr/>
                 <a14:m>
                   <m:oMathPara xmlns:m="http://schemas.openxmlformats.org/officeDocument/2006/math">
                     <m:oMathParaPr>
@@ -19062,7 +12077,7 @@
             </p:txBody>
           </p:sp>
         </mc:Choice>
-        <mc:Fallback>
+        <mc:Fallback xmlns="">
           <p:sp>
             <p:nvSpPr>
               <p:cNvPr id="7" name="TextBox 6">
@@ -19107,8 +12122,8 @@
           </p:sp>
         </mc:Fallback>
       </mc:AlternateContent>
-      <mc:AlternateContent xmlns:mc="http://schemas.openxmlformats.org/markup-compatibility/2006">
-        <mc:Choice xmlns:a14="http://schemas.microsoft.com/office/drawing/2010/main" Requires="a14">
+      <mc:AlternateContent xmlns:mc="http://schemas.openxmlformats.org/markup-compatibility/2006" xmlns:a14="http://schemas.microsoft.com/office/drawing/2010/main">
+        <mc:Choice Requires="a14">
           <p:sp>
             <p:nvSpPr>
               <p:cNvPr id="8" name="TextBox 7">
@@ -19137,6 +12152,7 @@
               </a:bodyPr>
               <a:lstStyle/>
               <a:p>
+                <a:pPr/>
                 <a14:m>
                   <m:oMathPara xmlns:m="http://schemas.openxmlformats.org/officeDocument/2006/math">
                     <m:oMathParaPr>
@@ -19251,7 +12267,7 @@
             </p:txBody>
           </p:sp>
         </mc:Choice>
-        <mc:Fallback>
+        <mc:Fallback xmlns="">
           <p:sp>
             <p:nvSpPr>
               <p:cNvPr id="8" name="TextBox 7">
@@ -19359,8 +12375,8 @@
           </a:p>
         </p:txBody>
       </p:sp>
-      <mc:AlternateContent xmlns:mc="http://schemas.openxmlformats.org/markup-compatibility/2006">
-        <mc:Choice xmlns:a14="http://schemas.microsoft.com/office/drawing/2010/main" Requires="a14">
+      <mc:AlternateContent xmlns:mc="http://schemas.openxmlformats.org/markup-compatibility/2006" xmlns:a14="http://schemas.microsoft.com/office/drawing/2010/main">
+        <mc:Choice Requires="a14">
           <p:sp>
             <p:nvSpPr>
               <p:cNvPr id="4" name="TextBox 3">
@@ -19389,6 +12405,7 @@
               </a:bodyPr>
               <a:lstStyle/>
               <a:p>
+                <a:pPr/>
                 <a14:m>
                   <m:oMathPara xmlns:m="http://schemas.openxmlformats.org/officeDocument/2006/math">
                     <m:oMathParaPr>
@@ -19532,7 +12549,7 @@
             </p:txBody>
           </p:sp>
         </mc:Choice>
-        <mc:Fallback>
+        <mc:Fallback xmlns="">
           <p:sp>
             <p:nvSpPr>
               <p:cNvPr id="4" name="TextBox 3">
@@ -19577,8 +12594,8 @@
           </p:sp>
         </mc:Fallback>
       </mc:AlternateContent>
-      <mc:AlternateContent xmlns:mc="http://schemas.openxmlformats.org/markup-compatibility/2006">
-        <mc:Choice xmlns:a14="http://schemas.microsoft.com/office/drawing/2010/main" Requires="a14">
+      <mc:AlternateContent xmlns:mc="http://schemas.openxmlformats.org/markup-compatibility/2006" xmlns:a14="http://schemas.microsoft.com/office/drawing/2010/main">
+        <mc:Choice Requires="a14">
           <p:sp>
             <p:nvSpPr>
               <p:cNvPr id="5" name="TextBox 4">
@@ -19607,6 +12624,7 @@
               </a:bodyPr>
               <a:lstStyle/>
               <a:p>
+                <a:pPr/>
                 <a14:m>
                   <m:oMathPara xmlns:m="http://schemas.openxmlformats.org/officeDocument/2006/math">
                     <m:oMathParaPr>
@@ -19741,7 +12759,7 @@
             </p:txBody>
           </p:sp>
         </mc:Choice>
-        <mc:Fallback>
+        <mc:Fallback xmlns="">
           <p:sp>
             <p:nvSpPr>
               <p:cNvPr id="5" name="TextBox 4">
@@ -19863,8 +12881,8 @@
           </a:p>
         </p:txBody>
       </p:sp>
-      <mc:AlternateContent xmlns:mc="http://schemas.openxmlformats.org/markup-compatibility/2006">
-        <mc:Choice xmlns:a14="http://schemas.microsoft.com/office/drawing/2010/main" Requires="a14">
+      <mc:AlternateContent xmlns:mc="http://schemas.openxmlformats.org/markup-compatibility/2006" xmlns:a14="http://schemas.microsoft.com/office/drawing/2010/main">
+        <mc:Choice Requires="a14">
           <p:sp>
             <p:nvSpPr>
               <p:cNvPr id="95" name="TextBox 94">
@@ -19893,6 +12911,7 @@
               </a:bodyPr>
               <a:lstStyle/>
               <a:p>
+                <a:pPr/>
                 <a14:m>
                   <m:oMathPara xmlns:m="http://schemas.openxmlformats.org/officeDocument/2006/math">
                     <m:oMathParaPr>
@@ -20034,7 +13053,7 @@
             </p:txBody>
           </p:sp>
         </mc:Choice>
-        <mc:Fallback>
+        <mc:Fallback xmlns="">
           <p:sp>
             <p:nvSpPr>
               <p:cNvPr id="95" name="TextBox 94">
@@ -20079,8 +13098,8 @@
           </p:sp>
         </mc:Fallback>
       </mc:AlternateContent>
-      <mc:AlternateContent xmlns:mc="http://schemas.openxmlformats.org/markup-compatibility/2006">
-        <mc:Choice xmlns:a14="http://schemas.microsoft.com/office/drawing/2010/main" Requires="a14">
+      <mc:AlternateContent xmlns:mc="http://schemas.openxmlformats.org/markup-compatibility/2006" xmlns:a14="http://schemas.microsoft.com/office/drawing/2010/main">
+        <mc:Choice Requires="a14">
           <p:sp>
             <p:nvSpPr>
               <p:cNvPr id="96" name="TextBox 95">
@@ -20109,6 +13128,7 @@
               </a:bodyPr>
               <a:lstStyle/>
               <a:p>
+                <a:pPr/>
                 <a14:m>
                   <m:oMathPara xmlns:m="http://schemas.openxmlformats.org/officeDocument/2006/math">
                     <m:oMathParaPr>
@@ -20200,7 +13220,7 @@
             </p:txBody>
           </p:sp>
         </mc:Choice>
-        <mc:Fallback>
+        <mc:Fallback xmlns="">
           <p:sp>
             <p:nvSpPr>
               <p:cNvPr id="96" name="TextBox 95">
@@ -20292,8 +13312,8 @@
           </a:p>
         </p:txBody>
       </p:sp>
-      <mc:AlternateContent xmlns:mc="http://schemas.openxmlformats.org/markup-compatibility/2006">
-        <mc:Choice xmlns:a14="http://schemas.microsoft.com/office/drawing/2010/main" Requires="a14">
+      <mc:AlternateContent xmlns:mc="http://schemas.openxmlformats.org/markup-compatibility/2006" xmlns:a14="http://schemas.microsoft.com/office/drawing/2010/main">
+        <mc:Choice Requires="a14">
           <p:sp>
             <p:nvSpPr>
               <p:cNvPr id="98" name="TextBox 97">
@@ -20322,6 +13342,7 @@
               </a:bodyPr>
               <a:lstStyle/>
               <a:p>
+                <a:pPr/>
                 <a14:m>
                   <m:oMathPara xmlns:m="http://schemas.openxmlformats.org/officeDocument/2006/math">
                     <m:oMathParaPr>
@@ -20532,7 +13553,7 @@
             </p:txBody>
           </p:sp>
         </mc:Choice>
-        <mc:Fallback>
+        <mc:Fallback xmlns="">
           <p:sp>
             <p:nvSpPr>
               <p:cNvPr id="98" name="TextBox 97">
@@ -20577,8 +13598,8 @@
           </p:sp>
         </mc:Fallback>
       </mc:AlternateContent>
-      <mc:AlternateContent xmlns:mc="http://schemas.openxmlformats.org/markup-compatibility/2006">
-        <mc:Choice xmlns:a14="http://schemas.microsoft.com/office/drawing/2010/main" Requires="a14">
+      <mc:AlternateContent xmlns:mc="http://schemas.openxmlformats.org/markup-compatibility/2006" xmlns:a14="http://schemas.microsoft.com/office/drawing/2010/main">
+        <mc:Choice Requires="a14">
           <p:sp>
             <p:nvSpPr>
               <p:cNvPr id="99" name="TextBox 98">
@@ -20653,7 +13674,7 @@
             </p:txBody>
           </p:sp>
         </mc:Choice>
-        <mc:Fallback>
+        <mc:Fallback xmlns="">
           <p:sp>
             <p:nvSpPr>
               <p:cNvPr id="99" name="TextBox 98">
@@ -20756,8 +13777,8 @@
           </a:p>
         </p:txBody>
       </p:sp>
-      <mc:AlternateContent xmlns:mc="http://schemas.openxmlformats.org/markup-compatibility/2006">
-        <mc:Choice xmlns:a14="http://schemas.microsoft.com/office/drawing/2010/main" Requires="a14">
+      <mc:AlternateContent xmlns:mc="http://schemas.openxmlformats.org/markup-compatibility/2006" xmlns:a14="http://schemas.microsoft.com/office/drawing/2010/main">
+        <mc:Choice Requires="a14">
           <p:sp>
             <p:nvSpPr>
               <p:cNvPr id="3" name="Content Placeholder 2">
@@ -21701,19 +14722,7 @@
                           <a:rPr lang="en-GB" sz="1400" i="1">
                             <a:latin typeface="Cambria Math" panose="02040503050406030204" pitchFamily="18" charset="0"/>
                           </a:rPr>
-                          <m:t>−</m:t>
-                        </m:r>
-                        <m:r>
-                          <a:rPr lang="en-GB" sz="1400" b="0" i="1" smtClean="0">
-                            <a:latin typeface="Cambria Math" panose="02040503050406030204" pitchFamily="18" charset="0"/>
-                          </a:rPr>
-                          <m:t>2</m:t>
-                        </m:r>
-                        <m:r>
-                          <a:rPr lang="en-GB" sz="1400" i="1">
-                            <a:latin typeface="Cambria Math" panose="02040503050406030204" pitchFamily="18" charset="0"/>
-                          </a:rPr>
-                          <m:t>)</m:t>
+                          <m:t>−2)</m:t>
                         </m:r>
                       </m:sup>
                     </m:sSup>
@@ -22207,7 +15216,7 @@
             </p:txBody>
           </p:sp>
         </mc:Choice>
-        <mc:Fallback>
+        <mc:Fallback xmlns="">
           <p:sp>
             <p:nvSpPr>
               <p:cNvPr id="3" name="Content Placeholder 2">
